--- a/UIO.pptx
+++ b/UIO.pptx
@@ -27,23 +27,23 @@
     <p:sldId id="309" r:id="rId18"/>
     <p:sldId id="308" r:id="rId19"/>
     <p:sldId id="310" r:id="rId20"/>
-    <p:sldId id="311" r:id="rId21"/>
-    <p:sldId id="317" r:id="rId22"/>
-    <p:sldId id="318" r:id="rId23"/>
-    <p:sldId id="319" r:id="rId24"/>
-    <p:sldId id="320" r:id="rId25"/>
-    <p:sldId id="321" r:id="rId26"/>
-    <p:sldId id="315" r:id="rId27"/>
-    <p:sldId id="322" r:id="rId28"/>
-    <p:sldId id="323" r:id="rId29"/>
-    <p:sldId id="324" r:id="rId30"/>
-    <p:sldId id="312" r:id="rId31"/>
-    <p:sldId id="313" r:id="rId32"/>
-    <p:sldId id="326" r:id="rId33"/>
-    <p:sldId id="325" r:id="rId34"/>
-    <p:sldId id="272" r:id="rId35"/>
-    <p:sldId id="327" r:id="rId36"/>
-    <p:sldId id="328" r:id="rId37"/>
+    <p:sldId id="337" r:id="rId21"/>
+    <p:sldId id="311" r:id="rId22"/>
+    <p:sldId id="317" r:id="rId23"/>
+    <p:sldId id="318" r:id="rId24"/>
+    <p:sldId id="319" r:id="rId25"/>
+    <p:sldId id="320" r:id="rId26"/>
+    <p:sldId id="321" r:id="rId27"/>
+    <p:sldId id="315" r:id="rId28"/>
+    <p:sldId id="322" r:id="rId29"/>
+    <p:sldId id="323" r:id="rId30"/>
+    <p:sldId id="324" r:id="rId31"/>
+    <p:sldId id="312" r:id="rId32"/>
+    <p:sldId id="313" r:id="rId33"/>
+    <p:sldId id="326" r:id="rId34"/>
+    <p:sldId id="325" r:id="rId35"/>
+    <p:sldId id="272" r:id="rId36"/>
+    <p:sldId id="327" r:id="rId37"/>
     <p:sldId id="329" r:id="rId38"/>
     <p:sldId id="330" r:id="rId39"/>
     <p:sldId id="331" r:id="rId40"/>
@@ -240,7 +240,7 @@
           <a:p>
             <a:fld id="{D493FAA6-80D1-9442-92C4-A8153A2D9741}" type="datetimeFigureOut">
               <a:rPr kumimoji="1" lang="zh-TW" altLang="en-US" smtClean="0"/>
-              <a:t>2018/7/22</a:t>
+              <a:t>2018/7/23</a:t>
             </a:fld>
             <a:endParaRPr kumimoji="1" lang="zh-TW" altLang="en-US"/>
           </a:p>
@@ -1408,42 +1408,23 @@
           <a:p>
             <a:r>
               <a:rPr kumimoji="1" lang="en-US" altLang="zh-TW" dirty="0" smtClean="0"/>
-              <a:t>Motivation,</a:t>
+              <a:t>ECC</a:t>
             </a:r>
             <a:r>
               <a:rPr kumimoji="1" lang="en-US" altLang="zh-TW" baseline="0" dirty="0" smtClean="0"/>
-              <a:t> Strategy, Preliminaries</a:t>
+              <a:t> Small Instances</a:t>
             </a:r>
           </a:p>
           <a:p>
             <a:r>
               <a:rPr kumimoji="1" lang="en-US" altLang="zh-TW" baseline="0" dirty="0" smtClean="0"/>
-              <a:t>Scheduler</a:t>
+              <a:t>500 Variables, 8000 Equations</a:t>
             </a:r>
           </a:p>
           <a:p>
             <a:r>
               <a:rPr kumimoji="1" lang="en-US" altLang="zh-TW" baseline="0" dirty="0" smtClean="0"/>
-              <a:t>Comparison, Simulation</a:t>
-            </a:r>
-          </a:p>
-          <a:p>
-            <a:r>
-              <a:rPr kumimoji="1" lang="en-US" altLang="zh-TW" baseline="0" dirty="0" smtClean="0"/>
-              <a:t>Processor, System</a:t>
-            </a:r>
-          </a:p>
-          <a:p>
-            <a:r>
-              <a:rPr kumimoji="1" lang="en-US" altLang="zh-TW" baseline="0" dirty="0" smtClean="0"/>
-              <a:t>Contribution, Future</a:t>
-            </a:r>
-            <a:endParaRPr kumimoji="1" lang="en-US" altLang="zh-TW" dirty="0" smtClean="0"/>
-          </a:p>
-          <a:p>
-            <a:r>
-              <a:rPr kumimoji="1" lang="en-US" altLang="zh-TW" dirty="0" smtClean="0"/>
-              <a:t>2:00</a:t>
+              <a:t>13:00</a:t>
             </a:r>
             <a:endParaRPr kumimoji="1" lang="zh-TW" altLang="en-US" dirty="0"/>
           </a:p>
@@ -1475,7 +1456,7 @@
     </p:spTree>
     <p:extLst>
       <p:ext uri="{BB962C8B-B14F-4D97-AF65-F5344CB8AC3E}">
-        <p14:creationId xmlns:p14="http://schemas.microsoft.com/office/powerpoint/2010/main" val="1683250388"/>
+        <p14:creationId xmlns:p14="http://schemas.microsoft.com/office/powerpoint/2010/main" val="3134862111"/>
       </p:ext>
     </p:extLst>
   </p:cSld>
@@ -1531,23 +1512,42 @@
           <a:p>
             <a:r>
               <a:rPr kumimoji="1" lang="en-US" altLang="zh-TW" dirty="0" smtClean="0"/>
-              <a:t>ECC</a:t>
+              <a:t>Motivation,</a:t>
             </a:r>
             <a:r>
               <a:rPr kumimoji="1" lang="en-US" altLang="zh-TW" baseline="0" dirty="0" smtClean="0"/>
-              <a:t> Small Instances</a:t>
+              <a:t> Strategy, Preliminaries</a:t>
             </a:r>
           </a:p>
           <a:p>
             <a:r>
               <a:rPr kumimoji="1" lang="en-US" altLang="zh-TW" baseline="0" dirty="0" smtClean="0"/>
-              <a:t>500 Variables, 8000 Equations</a:t>
+              <a:t>Scheduler</a:t>
             </a:r>
           </a:p>
           <a:p>
             <a:r>
               <a:rPr kumimoji="1" lang="en-US" altLang="zh-TW" baseline="0" dirty="0" smtClean="0"/>
-              <a:t>13:00</a:t>
+              <a:t>Comparison, Simulation</a:t>
+            </a:r>
+          </a:p>
+          <a:p>
+            <a:r>
+              <a:rPr kumimoji="1" lang="en-US" altLang="zh-TW" baseline="0" dirty="0" smtClean="0"/>
+              <a:t>Processor, System</a:t>
+            </a:r>
+          </a:p>
+          <a:p>
+            <a:r>
+              <a:rPr kumimoji="1" lang="en-US" altLang="zh-TW" baseline="0" dirty="0" smtClean="0"/>
+              <a:t>Contribution, Future</a:t>
+            </a:r>
+            <a:endParaRPr kumimoji="1" lang="en-US" altLang="zh-TW" dirty="0" smtClean="0"/>
+          </a:p>
+          <a:p>
+            <a:r>
+              <a:rPr kumimoji="1" lang="en-US" altLang="zh-TW" dirty="0" smtClean="0"/>
+              <a:t>2:00</a:t>
             </a:r>
             <a:endParaRPr kumimoji="1" lang="zh-TW" altLang="en-US" dirty="0"/>
           </a:p>
@@ -1579,7 +1579,7 @@
     </p:spTree>
     <p:extLst>
       <p:ext uri="{BB962C8B-B14F-4D97-AF65-F5344CB8AC3E}">
-        <p14:creationId xmlns:p14="http://schemas.microsoft.com/office/powerpoint/2010/main" val="2892881442"/>
+        <p14:creationId xmlns:p14="http://schemas.microsoft.com/office/powerpoint/2010/main" val="1683250388"/>
       </p:ext>
     </p:extLst>
   </p:cSld>
@@ -1683,7 +1683,7 @@
     </p:spTree>
     <p:extLst>
       <p:ext uri="{BB962C8B-B14F-4D97-AF65-F5344CB8AC3E}">
-        <p14:creationId xmlns:p14="http://schemas.microsoft.com/office/powerpoint/2010/main" val="1658980214"/>
+        <p14:creationId xmlns:p14="http://schemas.microsoft.com/office/powerpoint/2010/main" val="2892881442"/>
       </p:ext>
     </p:extLst>
   </p:cSld>
@@ -1910,7 +1910,7 @@
     </p:spTree>
     <p:extLst>
       <p:ext uri="{BB962C8B-B14F-4D97-AF65-F5344CB8AC3E}">
-        <p14:creationId xmlns:p14="http://schemas.microsoft.com/office/powerpoint/2010/main" val="2699815438"/>
+        <p14:creationId xmlns:p14="http://schemas.microsoft.com/office/powerpoint/2010/main" val="1658980214"/>
       </p:ext>
     </p:extLst>
   </p:cSld>
@@ -2014,7 +2014,7 @@
     </p:spTree>
     <p:extLst>
       <p:ext uri="{BB962C8B-B14F-4D97-AF65-F5344CB8AC3E}">
-        <p14:creationId xmlns:p14="http://schemas.microsoft.com/office/powerpoint/2010/main" val="2620440866"/>
+        <p14:creationId xmlns:p14="http://schemas.microsoft.com/office/powerpoint/2010/main" val="2699815438"/>
       </p:ext>
     </p:extLst>
   </p:cSld>
@@ -2118,7 +2118,7 @@
     </p:spTree>
     <p:extLst>
       <p:ext uri="{BB962C8B-B14F-4D97-AF65-F5344CB8AC3E}">
-        <p14:creationId xmlns:p14="http://schemas.microsoft.com/office/powerpoint/2010/main" val="2338026875"/>
+        <p14:creationId xmlns:p14="http://schemas.microsoft.com/office/powerpoint/2010/main" val="2620440866"/>
       </p:ext>
     </p:extLst>
   </p:cSld>
@@ -2222,7 +2222,7 @@
     </p:spTree>
     <p:extLst>
       <p:ext uri="{BB962C8B-B14F-4D97-AF65-F5344CB8AC3E}">
-        <p14:creationId xmlns:p14="http://schemas.microsoft.com/office/powerpoint/2010/main" val="4205411997"/>
+        <p14:creationId xmlns:p14="http://schemas.microsoft.com/office/powerpoint/2010/main" val="2338026875"/>
       </p:ext>
     </p:extLst>
   </p:cSld>
@@ -2326,7 +2326,7 @@
     </p:spTree>
     <p:extLst>
       <p:ext uri="{BB962C8B-B14F-4D97-AF65-F5344CB8AC3E}">
-        <p14:creationId xmlns:p14="http://schemas.microsoft.com/office/powerpoint/2010/main" val="2788809002"/>
+        <p14:creationId xmlns:p14="http://schemas.microsoft.com/office/powerpoint/2010/main" val="4205411997"/>
       </p:ext>
     </p:extLst>
   </p:cSld>
@@ -2430,7 +2430,7 @@
     </p:spTree>
     <p:extLst>
       <p:ext uri="{BB962C8B-B14F-4D97-AF65-F5344CB8AC3E}">
-        <p14:creationId xmlns:p14="http://schemas.microsoft.com/office/powerpoint/2010/main" val="2787764658"/>
+        <p14:creationId xmlns:p14="http://schemas.microsoft.com/office/powerpoint/2010/main" val="2788809002"/>
       </p:ext>
     </p:extLst>
   </p:cSld>
@@ -2525,7 +2525,7 @@
           <a:p>
             <a:fld id="{4A6FA751-43D0-2044-8E86-DD350FBB601F}" type="slidenum">
               <a:rPr kumimoji="1" lang="zh-TW" altLang="en-US" smtClean="0"/>
-              <a:t>30</a:t>
+              <a:t>29</a:t>
             </a:fld>
             <a:endParaRPr kumimoji="1" lang="zh-TW" altLang="en-US"/>
           </a:p>
@@ -2534,7 +2534,7 @@
     </p:spTree>
     <p:extLst>
       <p:ext uri="{BB962C8B-B14F-4D97-AF65-F5344CB8AC3E}">
-        <p14:creationId xmlns:p14="http://schemas.microsoft.com/office/powerpoint/2010/main" val="4241310030"/>
+        <p14:creationId xmlns:p14="http://schemas.microsoft.com/office/powerpoint/2010/main" val="2787764658"/>
       </p:ext>
     </p:extLst>
   </p:cSld>
@@ -2638,7 +2638,7 @@
     </p:spTree>
     <p:extLst>
       <p:ext uri="{BB962C8B-B14F-4D97-AF65-F5344CB8AC3E}">
-        <p14:creationId xmlns:p14="http://schemas.microsoft.com/office/powerpoint/2010/main" val="1666284706"/>
+        <p14:creationId xmlns:p14="http://schemas.microsoft.com/office/powerpoint/2010/main" val="4241310030"/>
       </p:ext>
     </p:extLst>
   </p:cSld>
@@ -2733,7 +2733,7 @@
           <a:p>
             <a:fld id="{4A6FA751-43D0-2044-8E86-DD350FBB601F}" type="slidenum">
               <a:rPr kumimoji="1" lang="zh-TW" altLang="en-US" smtClean="0"/>
-              <a:t>33</a:t>
+              <a:t>32</a:t>
             </a:fld>
             <a:endParaRPr kumimoji="1" lang="zh-TW" altLang="en-US"/>
           </a:p>
@@ -2742,7 +2742,7 @@
     </p:spTree>
     <p:extLst>
       <p:ext uri="{BB962C8B-B14F-4D97-AF65-F5344CB8AC3E}">
-        <p14:creationId xmlns:p14="http://schemas.microsoft.com/office/powerpoint/2010/main" val="3987201128"/>
+        <p14:creationId xmlns:p14="http://schemas.microsoft.com/office/powerpoint/2010/main" val="1666284706"/>
       </p:ext>
     </p:extLst>
   </p:cSld>
@@ -2798,16 +2798,24 @@
           <a:p>
             <a:r>
               <a:rPr kumimoji="1" lang="en-US" altLang="zh-TW" dirty="0" smtClean="0"/>
-              <a:t>Heuristic: Lazy, Short-Sighted</a:t>
-            </a:r>
-          </a:p>
-          <a:p>
-            <a:r>
-              <a:rPr kumimoji="1" lang="en-US" altLang="zh-TW" dirty="0" smtClean="0"/>
-              <a:t>16:00</a:t>
-            </a:r>
-          </a:p>
-          <a:p>
+              <a:t>ECC</a:t>
+            </a:r>
+            <a:r>
+              <a:rPr kumimoji="1" lang="en-US" altLang="zh-TW" baseline="0" dirty="0" smtClean="0"/>
+              <a:t> Small Instances</a:t>
+            </a:r>
+          </a:p>
+          <a:p>
+            <a:r>
+              <a:rPr kumimoji="1" lang="en-US" altLang="zh-TW" baseline="0" dirty="0" smtClean="0"/>
+              <a:t>500 Variables, 8000 Equations</a:t>
+            </a:r>
+          </a:p>
+          <a:p>
+            <a:r>
+              <a:rPr kumimoji="1" lang="en-US" altLang="zh-TW" baseline="0" dirty="0" smtClean="0"/>
+              <a:t>13:00</a:t>
+            </a:r>
             <a:endParaRPr kumimoji="1" lang="zh-TW" altLang="en-US" dirty="0"/>
           </a:p>
         </p:txBody>
@@ -2838,7 +2846,7 @@
     </p:spTree>
     <p:extLst>
       <p:ext uri="{BB962C8B-B14F-4D97-AF65-F5344CB8AC3E}">
-        <p14:creationId xmlns:p14="http://schemas.microsoft.com/office/powerpoint/2010/main" val="746517617"/>
+        <p14:creationId xmlns:p14="http://schemas.microsoft.com/office/powerpoint/2010/main" val="3987201128"/>
       </p:ext>
     </p:extLst>
   </p:cSld>
@@ -3017,24 +3025,16 @@
           <a:p>
             <a:r>
               <a:rPr kumimoji="1" lang="en-US" altLang="zh-TW" dirty="0" smtClean="0"/>
-              <a:t>ECC</a:t>
-            </a:r>
-            <a:r>
-              <a:rPr kumimoji="1" lang="en-US" altLang="zh-TW" baseline="0" dirty="0" smtClean="0"/>
-              <a:t> Small Instances</a:t>
-            </a:r>
-          </a:p>
-          <a:p>
-            <a:r>
-              <a:rPr kumimoji="1" lang="en-US" altLang="zh-TW" baseline="0" dirty="0" smtClean="0"/>
-              <a:t>500 Variables, 8000 Equations</a:t>
-            </a:r>
-          </a:p>
-          <a:p>
-            <a:r>
-              <a:rPr kumimoji="1" lang="en-US" altLang="zh-TW" baseline="0" dirty="0" smtClean="0"/>
-              <a:t>13:00</a:t>
-            </a:r>
+              <a:t>Heuristic: Lazy, Short-Sighted</a:t>
+            </a:r>
+          </a:p>
+          <a:p>
+            <a:r>
+              <a:rPr kumimoji="1" lang="en-US" altLang="zh-TW" dirty="0" smtClean="0"/>
+              <a:t>16:00</a:t>
+            </a:r>
+          </a:p>
+          <a:p>
             <a:endParaRPr kumimoji="1" lang="zh-TW" altLang="en-US" dirty="0"/>
           </a:p>
         </p:txBody>
@@ -3065,7 +3065,7 @@
     </p:spTree>
     <p:extLst>
       <p:ext uri="{BB962C8B-B14F-4D97-AF65-F5344CB8AC3E}">
-        <p14:creationId xmlns:p14="http://schemas.microsoft.com/office/powerpoint/2010/main" val="2431385643"/>
+        <p14:creationId xmlns:p14="http://schemas.microsoft.com/office/powerpoint/2010/main" val="746517617"/>
       </p:ext>
     </p:extLst>
   </p:cSld>
@@ -3169,7 +3169,7 @@
     </p:spTree>
     <p:extLst>
       <p:ext uri="{BB962C8B-B14F-4D97-AF65-F5344CB8AC3E}">
-        <p14:creationId xmlns:p14="http://schemas.microsoft.com/office/powerpoint/2010/main" val="735227286"/>
+        <p14:creationId xmlns:p14="http://schemas.microsoft.com/office/powerpoint/2010/main" val="2431385643"/>
       </p:ext>
     </p:extLst>
   </p:cSld>
@@ -4757,7 +4757,7 @@
           <a:p>
             <a:fld id="{77D7AD7C-8FE7-D04C-A927-C678FB49C7F2}" type="datetime1">
               <a:rPr kumimoji="1" lang="zh-TW" altLang="en-US" smtClean="0"/>
-              <a:t>2018/7/22</a:t>
+              <a:t>2018/7/23</a:t>
             </a:fld>
             <a:endParaRPr kumimoji="1" lang="zh-TW" altLang="en-US"/>
           </a:p>
@@ -4927,7 +4927,7 @@
           <a:p>
             <a:fld id="{D5A5152A-F8DA-BB49-896B-FDB19FA52161}" type="datetime1">
               <a:rPr kumimoji="1" lang="zh-TW" altLang="en-US" smtClean="0"/>
-              <a:t>2018/7/22</a:t>
+              <a:t>2018/7/23</a:t>
             </a:fld>
             <a:endParaRPr kumimoji="1" lang="zh-TW" altLang="en-US"/>
           </a:p>
@@ -5107,7 +5107,7 @@
           <a:p>
             <a:fld id="{51E1F9C6-5E76-A54D-ACF6-D7D6CA549B0A}" type="datetime1">
               <a:rPr kumimoji="1" lang="zh-TW" altLang="en-US" smtClean="0"/>
-              <a:t>2018/7/22</a:t>
+              <a:t>2018/7/23</a:t>
             </a:fld>
             <a:endParaRPr kumimoji="1" lang="zh-TW" altLang="en-US"/>
           </a:p>
@@ -5277,7 +5277,7 @@
           <a:p>
             <a:fld id="{5AD716DE-548F-A54D-8004-9FA0E2AEBD43}" type="datetime1">
               <a:rPr kumimoji="1" lang="zh-TW" altLang="en-US" smtClean="0"/>
-              <a:t>2018/7/22</a:t>
+              <a:t>2018/7/23</a:t>
             </a:fld>
             <a:endParaRPr kumimoji="1" lang="zh-TW" altLang="en-US"/>
           </a:p>
@@ -5523,7 +5523,7 @@
           <a:p>
             <a:fld id="{56914E6F-4F3C-A44A-94CD-66BDD4E92705}" type="datetime1">
               <a:rPr kumimoji="1" lang="zh-TW" altLang="en-US" smtClean="0"/>
-              <a:t>2018/7/22</a:t>
+              <a:t>2018/7/23</a:t>
             </a:fld>
             <a:endParaRPr kumimoji="1" lang="zh-TW" altLang="en-US"/>
           </a:p>
@@ -5755,7 +5755,7 @@
           <a:p>
             <a:fld id="{0EB308C4-D3B4-C24D-B5BA-426586DA4895}" type="datetime1">
               <a:rPr kumimoji="1" lang="zh-TW" altLang="en-US" smtClean="0"/>
-              <a:t>2018/7/22</a:t>
+              <a:t>2018/7/23</a:t>
             </a:fld>
             <a:endParaRPr kumimoji="1" lang="zh-TW" altLang="en-US"/>
           </a:p>
@@ -6122,7 +6122,7 @@
           <a:p>
             <a:fld id="{DBE31621-2301-3D41-95F4-0919B83F8607}" type="datetime1">
               <a:rPr kumimoji="1" lang="zh-TW" altLang="en-US" smtClean="0"/>
-              <a:t>2018/7/22</a:t>
+              <a:t>2018/7/23</a:t>
             </a:fld>
             <a:endParaRPr kumimoji="1" lang="zh-TW" altLang="en-US"/>
           </a:p>
@@ -6240,7 +6240,7 @@
           <a:p>
             <a:fld id="{E886810F-F32E-BB45-A38B-A18422214C1F}" type="datetime1">
               <a:rPr kumimoji="1" lang="zh-TW" altLang="en-US" smtClean="0"/>
-              <a:t>2018/7/22</a:t>
+              <a:t>2018/7/23</a:t>
             </a:fld>
             <a:endParaRPr kumimoji="1" lang="zh-TW" altLang="en-US"/>
           </a:p>
@@ -6335,7 +6335,7 @@
           <a:p>
             <a:fld id="{ABF6CA97-CD01-374F-820B-5F61625C30D2}" type="datetime1">
               <a:rPr kumimoji="1" lang="zh-TW" altLang="en-US" smtClean="0"/>
-              <a:t>2018/7/22</a:t>
+              <a:t>2018/7/23</a:t>
             </a:fld>
             <a:endParaRPr kumimoji="1" lang="zh-TW" altLang="en-US"/>
           </a:p>
@@ -6612,7 +6612,7 @@
           <a:p>
             <a:fld id="{CC626103-0786-1A4E-A22E-505ADDB8B4DA}" type="datetime1">
               <a:rPr kumimoji="1" lang="zh-TW" altLang="en-US" smtClean="0"/>
-              <a:t>2018/7/22</a:t>
+              <a:t>2018/7/23</a:t>
             </a:fld>
             <a:endParaRPr kumimoji="1" lang="zh-TW" altLang="en-US"/>
           </a:p>
@@ -6865,7 +6865,7 @@
           <a:p>
             <a:fld id="{24D842C1-4B2D-0740-BF61-5CBF660708F8}" type="datetime1">
               <a:rPr kumimoji="1" lang="zh-TW" altLang="en-US" smtClean="0"/>
-              <a:t>2018/7/22</a:t>
+              <a:t>2018/7/23</a:t>
             </a:fld>
             <a:endParaRPr kumimoji="1" lang="zh-TW" altLang="en-US"/>
           </a:p>
@@ -7078,7 +7078,7 @@
           <a:p>
             <a:fld id="{417D0C52-D0DE-FF43-9D45-F53B2F5B765A}" type="datetime1">
               <a:rPr kumimoji="1" lang="zh-TW" altLang="en-US" smtClean="0"/>
-              <a:t>2018/7/22</a:t>
+              <a:t>2018/7/23</a:t>
             </a:fld>
             <a:endParaRPr kumimoji="1" lang="zh-TW" altLang="en-US"/>
           </a:p>
@@ -7624,7 +7624,7 @@
           <a:p>
             <a:r>
               <a:rPr kumimoji="1" lang="en-US" altLang="zh-TW" b="1" dirty="0" smtClean="0"/>
-              <a:t>Example</a:t>
+              <a:t>Example[1]</a:t>
             </a:r>
             <a:endParaRPr kumimoji="1" lang="zh-TW" altLang="en-US" b="1" dirty="0"/>
           </a:p>
@@ -7785,6 +7785,73 @@
           </a:prstGeom>
         </p:spPr>
       </p:pic>
+      <p:sp>
+        <p:nvSpPr>
+          <p:cNvPr id="6" name="文字方塊 5"/>
+          <p:cNvSpPr txBox="1"/>
+          <p:nvPr/>
+        </p:nvSpPr>
+        <p:spPr>
+          <a:xfrm>
+            <a:off x="0" y="6461647"/>
+            <a:ext cx="12191999" cy="400110"/>
+          </a:xfrm>
+          <a:prstGeom prst="rect">
+            <a:avLst/>
+          </a:prstGeom>
+          <a:noFill/>
+        </p:spPr>
+        <p:txBody>
+          <a:bodyPr wrap="square" rtlCol="0">
+            <a:spAutoFit/>
+          </a:bodyPr>
+          <a:lstStyle/>
+          <a:p>
+            <a:r>
+              <a:rPr lang="en-US" altLang="zh-TW" sz="1000" dirty="0" smtClean="0"/>
+              <a:t>[1</a:t>
+            </a:r>
+            <a:r>
+              <a:rPr lang="en-US" altLang="zh-TW" sz="1000" dirty="0"/>
+              <a:t>] </a:t>
+            </a:r>
+            <a:r>
+              <a:rPr lang="en-US" altLang="zh-TW" sz="1000" dirty="0" err="1" smtClean="0"/>
+              <a:t>zedboard</a:t>
+            </a:r>
+            <a:r>
+              <a:rPr lang="en-US" altLang="zh-TW" sz="1000" dirty="0" smtClean="0"/>
+              <a:t>-</a:t>
+            </a:r>
+            <a:r>
+              <a:rPr lang="en-US" altLang="zh-TW" sz="1000" dirty="0" err="1" smtClean="0"/>
+              <a:t>hwswcodesign</a:t>
+            </a:r>
+            <a:r>
+              <a:rPr lang="en-US" altLang="zh-TW" sz="1000" dirty="0" smtClean="0"/>
+              <a:t>-example </a:t>
+            </a:r>
+            <a:r>
+              <a:rPr lang="en-US" altLang="zh-TW" sz="1000" i="1" dirty="0" smtClean="0"/>
+              <a:t>URL </a:t>
+            </a:r>
+            <a:r>
+              <a:rPr lang="en-US" altLang="zh-TW" sz="1000" i="1" dirty="0" smtClean="0">
+                <a:hlinkClick r:id="rId4"/>
+              </a:rPr>
+              <a:t>https://github.com/concise/zedboard-hwswcodesign-example</a:t>
+            </a:r>
+            <a:r>
+              <a:rPr lang="en-US" altLang="zh-TW" sz="1000" i="1" dirty="0" smtClean="0"/>
+              <a:t> .</a:t>
+            </a:r>
+            <a:endParaRPr lang="en-US" altLang="zh-TW" sz="1000" dirty="0" smtClean="0"/>
+          </a:p>
+          <a:p>
+            <a:endParaRPr lang="en-US" altLang="zh-TW" sz="1000" dirty="0"/>
+          </a:p>
+        </p:txBody>
+      </p:sp>
     </p:spTree>
     <p:extLst>
       <p:ext uri="{BB962C8B-B14F-4D97-AF65-F5344CB8AC3E}">
@@ -8403,114 +8470,6 @@
           </a:p>
         </p:txBody>
       </p:sp>
-      <p:sp>
-        <p:nvSpPr>
-          <p:cNvPr id="7" name="文字方塊 6"/>
-          <p:cNvSpPr txBox="1"/>
-          <p:nvPr/>
-        </p:nvSpPr>
-        <p:spPr>
-          <a:xfrm>
-            <a:off x="0" y="6461647"/>
-            <a:ext cx="12191999" cy="400110"/>
-          </a:xfrm>
-          <a:prstGeom prst="rect">
-            <a:avLst/>
-          </a:prstGeom>
-          <a:noFill/>
-        </p:spPr>
-        <p:txBody>
-          <a:bodyPr wrap="square" rtlCol="0">
-            <a:spAutoFit/>
-          </a:bodyPr>
-          <a:lstStyle/>
-          <a:p>
-            <a:r>
-              <a:rPr lang="en-US" altLang="zh-TW" sz="1000" dirty="0" smtClean="0"/>
-              <a:t>[13] </a:t>
-            </a:r>
-            <a:r>
-              <a:rPr lang="en-US" altLang="zh-TW" sz="1000" dirty="0"/>
-              <a:t>Y</a:t>
-            </a:r>
-            <a:r>
-              <a:rPr lang="en-US" altLang="zh-TW" sz="1000" dirty="0" smtClean="0"/>
-              <a:t>. K. Lee and I. </a:t>
-            </a:r>
-            <a:r>
-              <a:rPr lang="en-US" altLang="zh-TW" sz="1000" dirty="0" err="1" smtClean="0"/>
-              <a:t>Verbauwhede</a:t>
-            </a:r>
-            <a:r>
-              <a:rPr lang="en-US" altLang="zh-TW" sz="1000" dirty="0" smtClean="0"/>
-              <a:t>. A compact architecture for </a:t>
-            </a:r>
-            <a:r>
-              <a:rPr lang="en-US" altLang="zh-TW" sz="1000" dirty="0" err="1" smtClean="0"/>
-              <a:t>montgomery</a:t>
-            </a:r>
-            <a:r>
-              <a:rPr lang="en-US" altLang="zh-TW" sz="1000" dirty="0" smtClean="0"/>
-              <a:t> elliptic curve </a:t>
-            </a:r>
-            <a:r>
-              <a:rPr lang="en-US" altLang="zh-TW" sz="1000" dirty="0"/>
-              <a:t>scalar multiplication processor. In </a:t>
-            </a:r>
-            <a:r>
-              <a:rPr lang="en-US" altLang="zh-TW" sz="1000" i="1" dirty="0"/>
-              <a:t>International Workshop on Information Security Applications</a:t>
-            </a:r>
-            <a:r>
-              <a:rPr lang="en-US" altLang="zh-TW" sz="1000" dirty="0"/>
-              <a:t>, pages 115–127. Springer, 2007</a:t>
-            </a:r>
-            <a:r>
-              <a:rPr lang="en-US" altLang="zh-TW" sz="1000" dirty="0" smtClean="0"/>
-              <a:t>.</a:t>
-            </a:r>
-          </a:p>
-          <a:p>
-            <a:r>
-              <a:rPr lang="en-US" altLang="zh-TW" sz="1000" dirty="0" smtClean="0"/>
-              <a:t>[18] J</a:t>
-            </a:r>
-            <a:r>
-              <a:rPr lang="en-US" altLang="zh-TW" sz="1000" dirty="0"/>
-              <a:t>. </a:t>
-            </a:r>
-            <a:r>
-              <a:rPr lang="en-US" altLang="zh-TW" sz="1000" dirty="0" err="1"/>
-              <a:t>López</a:t>
-            </a:r>
-            <a:r>
-              <a:rPr lang="en-US" altLang="zh-TW" sz="1000" dirty="0"/>
-              <a:t> and R. Dahab. Fast multiplication on elliptic curves over gf (2 m) </a:t>
-            </a:r>
-            <a:r>
-              <a:rPr lang="en-US" altLang="zh-TW" sz="1000" dirty="0" smtClean="0"/>
-              <a:t>without </a:t>
-            </a:r>
-            <a:r>
-              <a:rPr lang="en-US" altLang="zh-TW" sz="1000" dirty="0"/>
-              <a:t>precomputation. In </a:t>
-            </a:r>
-            <a:r>
-              <a:rPr lang="en-US" altLang="zh-TW" sz="1000" i="1" dirty="0"/>
-              <a:t>International Workshop on Cryptographic Hardware and Embedded Systems</a:t>
-            </a:r>
-            <a:r>
-              <a:rPr lang="en-US" altLang="zh-TW" sz="1000" dirty="0"/>
-              <a:t>, pages 316–327. Springer, 1999</a:t>
-            </a:r>
-            <a:r>
-              <a:rPr lang="en-US" altLang="zh-TW" sz="1000" dirty="0" smtClean="0"/>
-              <a:t>.</a:t>
-            </a:r>
-            <a:endParaRPr lang="en-US" altLang="zh-TW" sz="1000" dirty="0"/>
-          </a:p>
-        </p:txBody>
-      </p:sp>
     </p:spTree>
     <p:extLst>
       <p:ext uri="{BB962C8B-B14F-4D97-AF65-F5344CB8AC3E}">
@@ -9270,7 +9229,11 @@
           <a:p>
             <a:r>
               <a:rPr lang="en-US" altLang="zh-TW" sz="1000" dirty="0" smtClean="0"/>
-              <a:t>[5] The </a:t>
+              <a:t>[2] </a:t>
+            </a:r>
+            <a:r>
+              <a:rPr lang="en-US" altLang="zh-TW" sz="1000" dirty="0" smtClean="0"/>
+              <a:t>The </a:t>
             </a:r>
             <a:r>
               <a:rPr lang="en-US" altLang="zh-TW" sz="1000" dirty="0" err="1" smtClean="0"/>
@@ -9298,55 +9261,14 @@
             </a:r>
             <a:r>
               <a:rPr lang="en-US" altLang="zh-TW" sz="1000" i="1" dirty="0" smtClean="0"/>
-              <a:t> .</a:t>
-            </a:r>
-            <a:endParaRPr lang="en-US" altLang="zh-TW" sz="1000" dirty="0"/>
-          </a:p>
-          <a:p>
-            <a:r>
-              <a:rPr lang="en-US" altLang="zh-TW" sz="1000" dirty="0" smtClean="0"/>
-              <a:t>[7] </a:t>
-            </a:r>
-            <a:r>
-              <a:rPr lang="en-US" altLang="zh-TW" sz="1000" dirty="0"/>
-              <a:t>R. </a:t>
-            </a:r>
-            <a:r>
-              <a:rPr lang="en-US" altLang="zh-TW" sz="1000" dirty="0" err="1"/>
-              <a:t>Govindarajan</a:t>
-            </a:r>
-            <a:r>
-              <a:rPr lang="en-US" altLang="zh-TW" sz="1000" dirty="0"/>
-              <a:t>, H. Yang, J. N. </a:t>
-            </a:r>
-            <a:r>
-              <a:rPr lang="en-US" altLang="zh-TW" sz="1000" dirty="0" err="1"/>
-              <a:t>Amaral</a:t>
-            </a:r>
-            <a:r>
-              <a:rPr lang="en-US" altLang="zh-TW" sz="1000" dirty="0"/>
-              <a:t>, C. Zhang, and G. R. Gao. Minimum </a:t>
-            </a:r>
-            <a:r>
-              <a:rPr lang="en-US" altLang="zh-TW" sz="1000" dirty="0" smtClean="0"/>
-              <a:t>register </a:t>
-            </a:r>
-            <a:r>
-              <a:rPr lang="en-US" altLang="zh-TW" sz="1000" dirty="0"/>
-              <a:t>instruction sequencing to reduce register spills in out-of-order issue superscalar architectures. </a:t>
-            </a:r>
-            <a:r>
-              <a:rPr lang="en-US" altLang="zh-TW" sz="1000" i="1" dirty="0"/>
-              <a:t>IEEE Transactions on Computers</a:t>
-            </a:r>
-            <a:r>
-              <a:rPr lang="en-US" altLang="zh-TW" sz="1000" dirty="0"/>
-              <a:t>, 52(1):4–20, 2003</a:t>
-            </a:r>
-            <a:r>
-              <a:rPr lang="en-US" altLang="zh-TW" sz="1000" dirty="0" smtClean="0"/>
+              <a:t> </a:t>
+            </a:r>
+            <a:r>
+              <a:rPr lang="en-US" altLang="zh-TW" sz="1000" i="1" dirty="0" smtClean="0"/>
               <a:t>.</a:t>
             </a:r>
+          </a:p>
+          <a:p>
             <a:endParaRPr lang="en-US" altLang="zh-TW" sz="1000" dirty="0"/>
           </a:p>
         </p:txBody>
@@ -10082,79 +10004,7 @@
   <p:timing>
     <p:tnLst>
       <p:par>
-        <p:cTn id="1" dur="indefinite" restart="never" nodeType="tmRoot">
-          <p:childTnLst>
-            <p:seq concurrent="1" nextAc="seek">
-              <p:cTn id="2" dur="indefinite" nodeType="mainSeq">
-                <p:childTnLst>
-                  <p:par>
-                    <p:cTn id="3" fill="hold">
-                      <p:stCondLst>
-                        <p:cond delay="indefinite"/>
-                      </p:stCondLst>
-                      <p:childTnLst>
-                        <p:par>
-                          <p:cTn id="4" fill="hold">
-                            <p:stCondLst>
-                              <p:cond delay="0"/>
-                            </p:stCondLst>
-                            <p:childTnLst>
-                              <p:par>
-                                <p:cTn id="5" presetID="1" presetClass="entr" presetSubtype="0" fill="hold" nodeType="clickEffect">
-                                  <p:stCondLst>
-                                    <p:cond delay="0"/>
-                                  </p:stCondLst>
-                                  <p:childTnLst>
-                                    <p:set>
-                                      <p:cBhvr>
-                                        <p:cTn id="6" dur="1" fill="hold">
-                                          <p:stCondLst>
-                                            <p:cond delay="0"/>
-                                          </p:stCondLst>
-                                        </p:cTn>
-                                        <p:tgtEl>
-                                          <p:spTgt spid="3">
-                                            <p:txEl>
-                                              <p:pRg st="6" end="6"/>
-                                            </p:txEl>
-                                          </p:spTgt>
-                                        </p:tgtEl>
-                                        <p:attrNameLst>
-                                          <p:attrName>style.visibility</p:attrName>
-                                        </p:attrNameLst>
-                                      </p:cBhvr>
-                                      <p:to>
-                                        <p:strVal val="visible"/>
-                                      </p:to>
-                                    </p:set>
-                                  </p:childTnLst>
-                                </p:cTn>
-                              </p:par>
-                            </p:childTnLst>
-                          </p:cTn>
-                        </p:par>
-                      </p:childTnLst>
-                    </p:cTn>
-                  </p:par>
-                </p:childTnLst>
-              </p:cTn>
-              <p:prevCondLst>
-                <p:cond evt="onPrev" delay="0">
-                  <p:tgtEl>
-                    <p:sldTgt/>
-                  </p:tgtEl>
-                </p:cond>
-              </p:prevCondLst>
-              <p:nextCondLst>
-                <p:cond evt="onNext" delay="0">
-                  <p:tgtEl>
-                    <p:sldTgt/>
-                  </p:tgtEl>
-                </p:cond>
-              </p:nextCondLst>
-            </p:seq>
-          </p:childTnLst>
-        </p:cTn>
+        <p:cTn id="1" dur="indefinite" restart="never" nodeType="tmRoot"/>
       </p:par>
     </p:tnLst>
   </p:timing>
@@ -10259,8 +10109,13 @@
             <a:pPr lvl="1"/>
             <a:r>
               <a:rPr kumimoji="1" lang="en-US" altLang="zh-TW" dirty="0" smtClean="0"/>
-              <a:t>AXI4 Bus Interface</a:t>
-            </a:r>
+              <a:t>AXI4 Bus </a:t>
+            </a:r>
+            <a:r>
+              <a:rPr kumimoji="1" lang="en-US" altLang="zh-TW" dirty="0" smtClean="0"/>
+              <a:t>Interface[3]</a:t>
+            </a:r>
+            <a:endParaRPr kumimoji="1" lang="en-US" altLang="zh-TW" dirty="0" smtClean="0"/>
           </a:p>
           <a:p>
             <a:pPr lvl="2"/>
@@ -10336,83 +10191,32 @@
           <a:p>
             <a:r>
               <a:rPr lang="en-US" altLang="zh-TW" sz="1000" dirty="0" smtClean="0"/>
-              <a:t>[5] The </a:t>
+              <a:t>[3] AXI </a:t>
             </a:r>
             <a:r>
               <a:rPr lang="en-US" altLang="zh-TW" sz="1000" dirty="0" err="1" smtClean="0"/>
-              <a:t>Userspace</a:t>
+              <a:t>Referenct</a:t>
             </a:r>
             <a:r>
               <a:rPr lang="en-US" altLang="zh-TW" sz="1000" dirty="0" smtClean="0"/>
-              <a:t> I/O HOWTO </a:t>
+              <a:t> Guide </a:t>
             </a:r>
             <a:r>
               <a:rPr lang="en-US" altLang="zh-TW" sz="1000" i="1" dirty="0" smtClean="0"/>
               <a:t>URL </a:t>
-            </a:r>
-            <a:r>
-              <a:rPr lang="en-US" altLang="zh-TW" sz="1000" i="1" dirty="0">
-                <a:hlinkClick r:id="rId3"/>
-              </a:rPr>
-              <a:t>https://</a:t>
             </a:r>
             <a:r>
               <a:rPr lang="en-US" altLang="zh-TW" sz="1000" i="1" dirty="0" smtClean="0">
                 <a:hlinkClick r:id="rId3"/>
               </a:rPr>
-              <a:t>www.kernel.org/doc/html/v4.12/driver-api/uio-howto.html</a:t>
+              <a:t>https://www.xilinx.com/support/documentation/ip_documentation/ug761_axi_reference_guide.pdf</a:t>
             </a:r>
             <a:r>
               <a:rPr lang="en-US" altLang="zh-TW" sz="1000" i="1" dirty="0" smtClean="0"/>
               <a:t> .</a:t>
             </a:r>
-            <a:endParaRPr lang="en-US" altLang="zh-TW" sz="1000" dirty="0"/>
-          </a:p>
-          <a:p>
-            <a:r>
-              <a:rPr lang="en-US" altLang="zh-TW" sz="1000" dirty="0" smtClean="0"/>
-              <a:t>[7] </a:t>
-            </a:r>
-            <a:r>
-              <a:rPr lang="en-US" altLang="zh-TW" sz="1000" dirty="0"/>
-              <a:t>R. </a:t>
-            </a:r>
-            <a:r>
-              <a:rPr lang="en-US" altLang="zh-TW" sz="1000" dirty="0" err="1"/>
-              <a:t>Govindarajan</a:t>
-            </a:r>
-            <a:r>
-              <a:rPr lang="en-US" altLang="zh-TW" sz="1000" dirty="0"/>
-              <a:t>, H. Yang, J. N. </a:t>
-            </a:r>
-            <a:r>
-              <a:rPr lang="en-US" altLang="zh-TW" sz="1000" dirty="0" err="1"/>
-              <a:t>Amaral</a:t>
-            </a:r>
-            <a:r>
-              <a:rPr lang="en-US" altLang="zh-TW" sz="1000" dirty="0"/>
-              <a:t>, C. Zhang, and G. R. Gao. Minimum </a:t>
-            </a:r>
-            <a:r>
-              <a:rPr lang="en-US" altLang="zh-TW" sz="1000" dirty="0" smtClean="0"/>
-              <a:t>register </a:t>
-            </a:r>
-            <a:r>
-              <a:rPr lang="en-US" altLang="zh-TW" sz="1000" dirty="0"/>
-              <a:t>instruction sequencing to reduce register spills in out-of-order issue superscalar architectures. </a:t>
-            </a:r>
-            <a:r>
-              <a:rPr lang="en-US" altLang="zh-TW" sz="1000" i="1" dirty="0"/>
-              <a:t>IEEE Transactions on Computers</a:t>
-            </a:r>
-            <a:r>
-              <a:rPr lang="en-US" altLang="zh-TW" sz="1000" dirty="0"/>
-              <a:t>, 52(1):4–20, 2003</a:t>
-            </a:r>
-            <a:r>
-              <a:rPr lang="en-US" altLang="zh-TW" sz="1000" dirty="0" smtClean="0"/>
-              <a:t>.</a:t>
-            </a:r>
+          </a:p>
+          <a:p>
             <a:endParaRPr lang="en-US" altLang="zh-TW" sz="1000" dirty="0"/>
           </a:p>
         </p:txBody>
@@ -10921,7 +10725,7 @@
                                         </p:attrNameLst>
                                       </p:cBhvr>
                                       <p:to>
-                                        <a:schemeClr val="accent2"/>
+                                        <a:schemeClr val="tx1"/>
                                       </p:to>
                                     </p:animClr>
                                   </p:subTnLst>
@@ -11262,111 +11066,6 @@
           </a:p>
         </p:txBody>
       </p:sp>
-      <p:sp>
-        <p:nvSpPr>
-          <p:cNvPr id="5" name="文字方塊 4"/>
-          <p:cNvSpPr txBox="1"/>
-          <p:nvPr/>
-        </p:nvSpPr>
-        <p:spPr>
-          <a:xfrm>
-            <a:off x="0" y="6461647"/>
-            <a:ext cx="12191999" cy="400110"/>
-          </a:xfrm>
-          <a:prstGeom prst="rect">
-            <a:avLst/>
-          </a:prstGeom>
-          <a:noFill/>
-        </p:spPr>
-        <p:txBody>
-          <a:bodyPr wrap="square" rtlCol="0">
-            <a:spAutoFit/>
-          </a:bodyPr>
-          <a:lstStyle/>
-          <a:p>
-            <a:r>
-              <a:rPr lang="en-US" altLang="zh-TW" sz="1000" dirty="0" smtClean="0"/>
-              <a:t>[5] The </a:t>
-            </a:r>
-            <a:r>
-              <a:rPr lang="en-US" altLang="zh-TW" sz="1000" dirty="0" err="1" smtClean="0"/>
-              <a:t>Userspace</a:t>
-            </a:r>
-            <a:r>
-              <a:rPr lang="en-US" altLang="zh-TW" sz="1000" dirty="0" smtClean="0"/>
-              <a:t> I/O HOWTO </a:t>
-            </a:r>
-            <a:r>
-              <a:rPr lang="en-US" altLang="zh-TW" sz="1000" i="1" dirty="0" smtClean="0"/>
-              <a:t>URL </a:t>
-            </a:r>
-            <a:r>
-              <a:rPr lang="en-US" altLang="zh-TW" sz="1000" i="1" dirty="0">
-                <a:hlinkClick r:id="rId3"/>
-              </a:rPr>
-              <a:t>https://</a:t>
-            </a:r>
-            <a:r>
-              <a:rPr lang="en-US" altLang="zh-TW" sz="1000" i="1" dirty="0" smtClean="0">
-                <a:hlinkClick r:id="rId3"/>
-              </a:rPr>
-              <a:t>www.kernel.org/doc/html/v4.12/driver-api/uio-howto.html</a:t>
-            </a:r>
-            <a:r>
-              <a:rPr lang="en-US" altLang="zh-TW" sz="1000" i="1" dirty="0" smtClean="0"/>
-              <a:t> .</a:t>
-            </a:r>
-            <a:endParaRPr lang="en-US" altLang="zh-TW" sz="1000" dirty="0"/>
-          </a:p>
-          <a:p>
-            <a:r>
-              <a:rPr lang="en-US" altLang="zh-TW" sz="1000" dirty="0" smtClean="0"/>
-              <a:t>[7] </a:t>
-            </a:r>
-            <a:r>
-              <a:rPr lang="en-US" altLang="zh-TW" sz="1000" dirty="0"/>
-              <a:t>R. </a:t>
-            </a:r>
-            <a:r>
-              <a:rPr lang="en-US" altLang="zh-TW" sz="1000" dirty="0" err="1"/>
-              <a:t>Govindarajan</a:t>
-            </a:r>
-            <a:r>
-              <a:rPr lang="en-US" altLang="zh-TW" sz="1000" dirty="0"/>
-              <a:t>, H. Yang, J. N. </a:t>
-            </a:r>
-            <a:r>
-              <a:rPr lang="en-US" altLang="zh-TW" sz="1000" dirty="0" err="1"/>
-              <a:t>Amaral</a:t>
-            </a:r>
-            <a:r>
-              <a:rPr lang="en-US" altLang="zh-TW" sz="1000" dirty="0"/>
-              <a:t>, C. Zhang, and G. R. Gao. Minimum </a:t>
-            </a:r>
-            <a:r>
-              <a:rPr lang="en-US" altLang="zh-TW" sz="1000" dirty="0" smtClean="0"/>
-              <a:t>register </a:t>
-            </a:r>
-            <a:r>
-              <a:rPr lang="en-US" altLang="zh-TW" sz="1000" dirty="0"/>
-              <a:t>instruction sequencing to reduce register spills in out-of-order issue superscalar architectures. </a:t>
-            </a:r>
-            <a:r>
-              <a:rPr lang="en-US" altLang="zh-TW" sz="1000" i="1" dirty="0"/>
-              <a:t>IEEE Transactions on Computers</a:t>
-            </a:r>
-            <a:r>
-              <a:rPr lang="en-US" altLang="zh-TW" sz="1000" dirty="0"/>
-              <a:t>, 52(1):4–20, 2003</a:t>
-            </a:r>
-            <a:r>
-              <a:rPr lang="en-US" altLang="zh-TW" sz="1000" dirty="0" smtClean="0"/>
-              <a:t>.</a:t>
-            </a:r>
-            <a:endParaRPr lang="en-US" altLang="zh-TW" sz="1000" dirty="0"/>
-          </a:p>
-        </p:txBody>
-      </p:sp>
       <p:pic>
         <p:nvPicPr>
           <p:cNvPr id="8" name="圖片 7"/>
@@ -11376,7 +11075,7 @@
           <p:nvPr/>
         </p:nvPicPr>
         <p:blipFill>
-          <a:blip r:embed="rId4">
+          <a:blip r:embed="rId3">
             <a:extLst>
               <a:ext uri="{28A0092B-C50C-407E-A947-70E740481C1C}">
                 <a14:useLocalDpi xmlns:a14="http://schemas.microsoft.com/office/drawing/2010/main" val="0"/>
@@ -11762,36 +11461,22 @@
             <a:pPr lvl="1"/>
             <a:r>
               <a:rPr kumimoji="1" lang="en-US" altLang="zh-TW" dirty="0" smtClean="0"/>
-              <a:t>Data</a:t>
-            </a:r>
+              <a:t>Data Address(Physical)</a:t>
+            </a:r>
+          </a:p>
+          <a:p>
+            <a:pPr lvl="1"/>
             <a:r>
               <a:rPr kumimoji="1" lang="en-US" altLang="zh-TW" dirty="0" smtClean="0"/>
-              <a:t> Address(Physical)</a:t>
-            </a:r>
-            <a:endParaRPr kumimoji="1" lang="en-US" altLang="zh-TW" dirty="0" smtClean="0"/>
+              <a:t>Data Length</a:t>
+            </a:r>
           </a:p>
           <a:p>
             <a:pPr lvl="1"/>
             <a:r>
               <a:rPr kumimoji="1" lang="en-US" altLang="zh-TW" dirty="0" smtClean="0"/>
-              <a:t>Data </a:t>
-            </a:r>
-            <a:r>
-              <a:rPr kumimoji="1" lang="en-US" altLang="zh-TW" dirty="0" smtClean="0"/>
-              <a:t>Length</a:t>
-            </a:r>
-          </a:p>
-          <a:p>
-            <a:pPr lvl="1"/>
-            <a:r>
-              <a:rPr kumimoji="1" lang="en-US" altLang="zh-TW" dirty="0" smtClean="0"/>
-              <a:t>Destination </a:t>
-            </a:r>
-            <a:r>
-              <a:rPr kumimoji="1" lang="en-US" altLang="zh-TW" dirty="0" smtClean="0"/>
-              <a:t>Address(Physical)</a:t>
-            </a:r>
-            <a:endParaRPr kumimoji="1" lang="en-US" altLang="zh-TW" dirty="0" smtClean="0"/>
+              <a:t>Destination Address(Physical)</a:t>
+            </a:r>
           </a:p>
           <a:p>
             <a:pPr lvl="1"/>
@@ -11837,68 +11522,6 @@
               <a:t>19</a:t>
             </a:fld>
             <a:endParaRPr kumimoji="1" lang="zh-TW" altLang="en-US"/>
-          </a:p>
-        </p:txBody>
-      </p:sp>
-      <p:sp>
-        <p:nvSpPr>
-          <p:cNvPr id="5" name="文字方塊 4"/>
-          <p:cNvSpPr txBox="1"/>
-          <p:nvPr/>
-        </p:nvSpPr>
-        <p:spPr>
-          <a:xfrm>
-            <a:off x="0" y="6461647"/>
-            <a:ext cx="12191999" cy="246221"/>
-          </a:xfrm>
-          <a:prstGeom prst="rect">
-            <a:avLst/>
-          </a:prstGeom>
-          <a:noFill/>
-        </p:spPr>
-        <p:txBody>
-          <a:bodyPr wrap="square" rtlCol="0">
-            <a:spAutoFit/>
-          </a:bodyPr>
-          <a:lstStyle/>
-          <a:p>
-            <a:r>
-              <a:rPr lang="en-US" altLang="zh-TW" sz="1000" dirty="0" smtClean="0"/>
-              <a:t>[5] The </a:t>
-            </a:r>
-            <a:r>
-              <a:rPr lang="en-US" altLang="zh-TW" sz="1000" dirty="0" err="1" smtClean="0"/>
-              <a:t>Userspace</a:t>
-            </a:r>
-            <a:r>
-              <a:rPr lang="en-US" altLang="zh-TW" sz="1000" dirty="0" smtClean="0"/>
-              <a:t> I/O HOWTO </a:t>
-            </a:r>
-            <a:r>
-              <a:rPr lang="en-US" altLang="zh-TW" sz="1000" i="1" dirty="0" smtClean="0"/>
-              <a:t>URL </a:t>
-            </a:r>
-            <a:r>
-              <a:rPr lang="en-US" altLang="zh-TW" sz="1000" i="1" dirty="0">
-                <a:hlinkClick r:id="rId3"/>
-              </a:rPr>
-              <a:t>https://</a:t>
-            </a:r>
-            <a:r>
-              <a:rPr lang="en-US" altLang="zh-TW" sz="1000" i="1" dirty="0" smtClean="0">
-                <a:hlinkClick r:id="rId3"/>
-              </a:rPr>
-              <a:t>www.kernel.org/doc/html/v4.12/driver-api/uio-howto.html</a:t>
-            </a:r>
-            <a:r>
-              <a:rPr lang="en-US" altLang="zh-TW" sz="1000" i="1" dirty="0" smtClean="0"/>
-              <a:t> </a:t>
-            </a:r>
-            <a:r>
-              <a:rPr lang="en-US" altLang="zh-TW" sz="1000" i="1" dirty="0" smtClean="0"/>
-              <a:t>.</a:t>
-            </a:r>
-            <a:endParaRPr lang="en-US" altLang="zh-TW" sz="1000" dirty="0"/>
           </a:p>
         </p:txBody>
       </p:sp>
@@ -11911,7 +11534,7 @@
           <p:nvPr/>
         </p:nvPicPr>
         <p:blipFill>
-          <a:blip r:embed="rId4">
+          <a:blip r:embed="rId3">
             <a:extLst>
               <a:ext uri="{28A0092B-C50C-407E-A947-70E740481C1C}">
                 <a14:useLocalDpi xmlns:a14="http://schemas.microsoft.com/office/drawing/2010/main" val="0"/>
@@ -12874,7 +12497,7 @@
           <a:p>
             <a:r>
               <a:rPr kumimoji="1" lang="en-US" altLang="zh-TW" b="1" dirty="0" smtClean="0"/>
-              <a:t>Outline</a:t>
+              <a:t>DMA Engine</a:t>
             </a:r>
             <a:endParaRPr kumimoji="1" lang="zh-TW" altLang="en-US" b="1" dirty="0"/>
           </a:p>
@@ -12890,69 +12513,82 @@
             <p:ph idx="1"/>
           </p:nvPr>
         </p:nvSpPr>
-        <p:spPr/>
-        <p:txBody>
-          <a:bodyPr/>
+        <p:spPr>
+          <a:xfrm>
+            <a:off x="838200" y="1825625"/>
+            <a:ext cx="10515600" cy="4235858"/>
+          </a:xfrm>
+        </p:spPr>
+        <p:txBody>
+          <a:bodyPr>
+            <a:normAutofit/>
+          </a:bodyPr>
           <a:lstStyle/>
           <a:p>
             <a:r>
               <a:rPr kumimoji="1" lang="en-US" altLang="zh-TW" dirty="0" smtClean="0"/>
-              <a:t>Introduction</a:t>
-            </a:r>
-          </a:p>
-          <a:p>
+              <a:t>Linux Kernel API[4]</a:t>
+            </a:r>
+            <a:endParaRPr kumimoji="1" lang="en-US" altLang="zh-TW" dirty="0" smtClean="0"/>
+          </a:p>
+          <a:p>
+            <a:pPr lvl="1"/>
             <a:r>
               <a:rPr kumimoji="1" lang="en-US" altLang="zh-TW" dirty="0" smtClean="0"/>
-              <a:t>Linux on FPGA</a:t>
-            </a:r>
-          </a:p>
-          <a:p>
+              <a:t>Request Slave Channel</a:t>
+            </a:r>
+            <a:endParaRPr kumimoji="1" lang="en-US" altLang="zh-TW" dirty="0" smtClean="0"/>
+          </a:p>
+          <a:p>
+            <a:pPr lvl="1"/>
             <a:r>
               <a:rPr kumimoji="1" lang="en-US" altLang="zh-TW" dirty="0" smtClean="0"/>
-              <a:t>UIO Driver</a:t>
-            </a:r>
-          </a:p>
-          <a:p>
-            <a:r>
-              <a:rPr kumimoji="1" lang="en-US" altLang="zh-TW" dirty="0" smtClean="0"/>
-              <a:t>Custom IP and DMA</a:t>
-            </a:r>
-          </a:p>
-          <a:p>
-            <a:r>
-              <a:rPr kumimoji="1" lang="en-US" altLang="zh-TW" dirty="0" smtClean="0">
-                <a:solidFill>
-                  <a:srgbClr val="FF0000"/>
-                </a:solidFill>
-              </a:rPr>
-              <a:t>Linux UIO Driver for AXI DMA</a:t>
-            </a:r>
-          </a:p>
-          <a:p>
-            <a:r>
-              <a:rPr kumimoji="1" lang="en-US" altLang="zh-TW" dirty="0" smtClean="0"/>
-              <a:t>Experimental Results</a:t>
-            </a:r>
-          </a:p>
-          <a:p>
-            <a:r>
-              <a:rPr kumimoji="1" lang="en-US" altLang="zh-TW" dirty="0" smtClean="0"/>
-              <a:t>Conclusion</a:t>
-            </a:r>
-          </a:p>
-          <a:p>
+              <a:t>Set Channel Parameter</a:t>
+            </a:r>
+          </a:p>
+          <a:p>
+            <a:pPr lvl="1"/>
+            <a:r>
+              <a:rPr lang="en-US" altLang="zh-TW" dirty="0"/>
+              <a:t>Get a descriptor for transaction</a:t>
+            </a:r>
             <a:endParaRPr kumimoji="1" lang="en-US" altLang="zh-TW" dirty="0" smtClean="0"/>
           </a:p>
           <a:p>
+            <a:pPr lvl="1"/>
+            <a:r>
+              <a:rPr lang="en-US" altLang="zh-TW" dirty="0"/>
+              <a:t>Submit the </a:t>
+            </a:r>
+            <a:r>
+              <a:rPr lang="en-US" altLang="zh-TW" dirty="0" smtClean="0"/>
+              <a:t>transaction</a:t>
+            </a:r>
+          </a:p>
+          <a:p>
+            <a:pPr lvl="1"/>
+            <a:r>
+              <a:rPr lang="en-US" altLang="zh-TW" dirty="0"/>
+              <a:t>Issue pending requests and wait for callback notification</a:t>
+            </a:r>
             <a:endParaRPr kumimoji="1" lang="en-US" altLang="zh-TW" dirty="0" smtClean="0"/>
           </a:p>
           <a:p>
+            <a:pPr lvl="1"/>
             <a:endParaRPr kumimoji="1" lang="en-US" altLang="zh-TW" dirty="0" smtClean="0"/>
           </a:p>
           <a:p>
+            <a:pPr lvl="1"/>
             <a:endParaRPr kumimoji="1" lang="en-US" altLang="zh-TW" dirty="0" smtClean="0"/>
           </a:p>
           <a:p>
+            <a:pPr marL="0" indent="0">
+              <a:buNone/>
+            </a:pPr>
+            <a:endParaRPr kumimoji="1" lang="en-US" altLang="zh-TW" dirty="0" smtClean="0"/>
+          </a:p>
+          <a:p>
+            <a:pPr lvl="1"/>
             <a:endParaRPr kumimoji="1" lang="zh-TW" altLang="en-US" dirty="0"/>
           </a:p>
         </p:txBody>
@@ -12980,10 +12616,58 @@
           </a:p>
         </p:txBody>
       </p:sp>
+      <p:sp>
+        <p:nvSpPr>
+          <p:cNvPr id="5" name="文字方塊 4"/>
+          <p:cNvSpPr txBox="1"/>
+          <p:nvPr/>
+        </p:nvSpPr>
+        <p:spPr>
+          <a:xfrm>
+            <a:off x="0" y="6461647"/>
+            <a:ext cx="12191999" cy="246221"/>
+          </a:xfrm>
+          <a:prstGeom prst="rect">
+            <a:avLst/>
+          </a:prstGeom>
+          <a:noFill/>
+        </p:spPr>
+        <p:txBody>
+          <a:bodyPr wrap="square" rtlCol="0">
+            <a:spAutoFit/>
+          </a:bodyPr>
+          <a:lstStyle/>
+          <a:p>
+            <a:r>
+              <a:rPr lang="en-US" altLang="zh-TW" sz="1000" dirty="0" smtClean="0"/>
+              <a:t>[4] DMA Engine API Guide </a:t>
+            </a:r>
+            <a:r>
+              <a:rPr lang="en-US" altLang="zh-TW" sz="1000" i="1" dirty="0" smtClean="0"/>
+              <a:t>URL </a:t>
+            </a:r>
+            <a:r>
+              <a:rPr lang="en-US" altLang="zh-TW" sz="1000" i="1" dirty="0" smtClean="0">
+                <a:hlinkClick r:id="rId3"/>
+              </a:rPr>
+              <a:t>https://www.kernel.org/doc/html/v4.16/driver-api/dmaengine/client.html</a:t>
+            </a:r>
+            <a:r>
+              <a:rPr lang="en-US" altLang="zh-TW" sz="1000" i="1" dirty="0" smtClean="0"/>
+              <a:t> </a:t>
+            </a:r>
+            <a:r>
+              <a:rPr lang="en-US" altLang="zh-TW" sz="1000" i="1" dirty="0" smtClean="0"/>
+              <a:t>.</a:t>
+            </a:r>
+            <a:endParaRPr lang="en-US" altLang="zh-TW" sz="1000" dirty="0"/>
+          </a:p>
+        </p:txBody>
+      </p:sp>
     </p:spTree>
     <p:extLst>
       <p:ext uri="{BB962C8B-B14F-4D97-AF65-F5344CB8AC3E}">
-        <p14:creationId xmlns:p14="http://schemas.microsoft.com/office/powerpoint/2010/main" val="4244900846"/>
+        <p14:creationId xmlns:p14="http://schemas.microsoft.com/office/powerpoint/2010/main" val="1369105128"/>
       </p:ext>
     </p:extLst>
   </p:cSld>
@@ -12993,7 +12677,324 @@
   <p:timing>
     <p:tnLst>
       <p:par>
-        <p:cTn id="1" dur="indefinite" restart="never" nodeType="tmRoot"/>
+        <p:cTn id="1" dur="indefinite" restart="never" nodeType="tmRoot">
+          <p:childTnLst>
+            <p:seq concurrent="1" nextAc="seek">
+              <p:cTn id="2" dur="indefinite" nodeType="mainSeq">
+                <p:childTnLst>
+                  <p:par>
+                    <p:cTn id="3" fill="hold">
+                      <p:stCondLst>
+                        <p:cond delay="indefinite"/>
+                      </p:stCondLst>
+                      <p:childTnLst>
+                        <p:par>
+                          <p:cTn id="4" fill="hold">
+                            <p:stCondLst>
+                              <p:cond delay="0"/>
+                            </p:stCondLst>
+                            <p:childTnLst>
+                              <p:par>
+                                <p:cTn id="5" presetID="1" presetClass="entr" presetSubtype="0" fill="hold" nodeType="clickEffect">
+                                  <p:stCondLst>
+                                    <p:cond delay="0"/>
+                                  </p:stCondLst>
+                                  <p:childTnLst>
+                                    <p:set>
+                                      <p:cBhvr>
+                                        <p:cTn id="6" dur="1" fill="hold">
+                                          <p:stCondLst>
+                                            <p:cond delay="0"/>
+                                          </p:stCondLst>
+                                        </p:cTn>
+                                        <p:tgtEl>
+                                          <p:spTgt spid="3">
+                                            <p:txEl>
+                                              <p:pRg st="0" end="0"/>
+                                            </p:txEl>
+                                          </p:spTgt>
+                                        </p:tgtEl>
+                                        <p:attrNameLst>
+                                          <p:attrName>style.visibility</p:attrName>
+                                        </p:attrNameLst>
+                                      </p:cBhvr>
+                                      <p:to>
+                                        <p:strVal val="visible"/>
+                                      </p:to>
+                                    </p:set>
+                                  </p:childTnLst>
+                                </p:cTn>
+                              </p:par>
+                            </p:childTnLst>
+                          </p:cTn>
+                        </p:par>
+                      </p:childTnLst>
+                    </p:cTn>
+                  </p:par>
+                  <p:par>
+                    <p:cTn id="7" fill="hold">
+                      <p:stCondLst>
+                        <p:cond delay="indefinite"/>
+                      </p:stCondLst>
+                      <p:childTnLst>
+                        <p:par>
+                          <p:cTn id="8" fill="hold">
+                            <p:stCondLst>
+                              <p:cond delay="0"/>
+                            </p:stCondLst>
+                            <p:childTnLst>
+                              <p:par>
+                                <p:cTn id="9" presetID="1" presetClass="entr" presetSubtype="0" fill="hold" nodeType="clickEffect">
+                                  <p:stCondLst>
+                                    <p:cond delay="0"/>
+                                  </p:stCondLst>
+                                  <p:childTnLst>
+                                    <p:set>
+                                      <p:cBhvr>
+                                        <p:cTn id="10" dur="1" fill="hold">
+                                          <p:stCondLst>
+                                            <p:cond delay="0"/>
+                                          </p:stCondLst>
+                                        </p:cTn>
+                                        <p:tgtEl>
+                                          <p:spTgt spid="3">
+                                            <p:txEl>
+                                              <p:pRg st="1" end="1"/>
+                                            </p:txEl>
+                                          </p:spTgt>
+                                        </p:tgtEl>
+                                        <p:attrNameLst>
+                                          <p:attrName>style.visibility</p:attrName>
+                                        </p:attrNameLst>
+                                      </p:cBhvr>
+                                      <p:to>
+                                        <p:strVal val="visible"/>
+                                      </p:to>
+                                    </p:set>
+                                  </p:childTnLst>
+                                </p:cTn>
+                              </p:par>
+                            </p:childTnLst>
+                          </p:cTn>
+                        </p:par>
+                      </p:childTnLst>
+                    </p:cTn>
+                  </p:par>
+                  <p:par>
+                    <p:cTn id="11" fill="hold">
+                      <p:stCondLst>
+                        <p:cond delay="indefinite"/>
+                      </p:stCondLst>
+                      <p:childTnLst>
+                        <p:par>
+                          <p:cTn id="12" fill="hold">
+                            <p:stCondLst>
+                              <p:cond delay="0"/>
+                            </p:stCondLst>
+                            <p:childTnLst>
+                              <p:par>
+                                <p:cTn id="13" presetID="1" presetClass="entr" presetSubtype="0" fill="hold" nodeType="clickEffect">
+                                  <p:stCondLst>
+                                    <p:cond delay="0"/>
+                                  </p:stCondLst>
+                                  <p:childTnLst>
+                                    <p:set>
+                                      <p:cBhvr>
+                                        <p:cTn id="14" dur="1" fill="hold">
+                                          <p:stCondLst>
+                                            <p:cond delay="0"/>
+                                          </p:stCondLst>
+                                        </p:cTn>
+                                        <p:tgtEl>
+                                          <p:spTgt spid="3">
+                                            <p:txEl>
+                                              <p:pRg st="2" end="2"/>
+                                            </p:txEl>
+                                          </p:spTgt>
+                                        </p:tgtEl>
+                                        <p:attrNameLst>
+                                          <p:attrName>style.visibility</p:attrName>
+                                        </p:attrNameLst>
+                                      </p:cBhvr>
+                                      <p:to>
+                                        <p:strVal val="visible"/>
+                                      </p:to>
+                                    </p:set>
+                                  </p:childTnLst>
+                                </p:cTn>
+                              </p:par>
+                            </p:childTnLst>
+                          </p:cTn>
+                        </p:par>
+                      </p:childTnLst>
+                    </p:cTn>
+                  </p:par>
+                  <p:par>
+                    <p:cTn id="15" fill="hold">
+                      <p:stCondLst>
+                        <p:cond delay="indefinite"/>
+                      </p:stCondLst>
+                      <p:childTnLst>
+                        <p:par>
+                          <p:cTn id="16" fill="hold">
+                            <p:stCondLst>
+                              <p:cond delay="0"/>
+                            </p:stCondLst>
+                            <p:childTnLst>
+                              <p:par>
+                                <p:cTn id="17" presetID="1" presetClass="entr" presetSubtype="0" fill="hold" nodeType="clickEffect">
+                                  <p:stCondLst>
+                                    <p:cond delay="0"/>
+                                  </p:stCondLst>
+                                  <p:childTnLst>
+                                    <p:set>
+                                      <p:cBhvr>
+                                        <p:cTn id="18" dur="1" fill="hold">
+                                          <p:stCondLst>
+                                            <p:cond delay="0"/>
+                                          </p:stCondLst>
+                                        </p:cTn>
+                                        <p:tgtEl>
+                                          <p:spTgt spid="3">
+                                            <p:txEl>
+                                              <p:pRg st="3" end="3"/>
+                                            </p:txEl>
+                                          </p:spTgt>
+                                        </p:tgtEl>
+                                        <p:attrNameLst>
+                                          <p:attrName>style.visibility</p:attrName>
+                                        </p:attrNameLst>
+                                      </p:cBhvr>
+                                      <p:to>
+                                        <p:strVal val="visible"/>
+                                      </p:to>
+                                    </p:set>
+                                  </p:childTnLst>
+                                </p:cTn>
+                              </p:par>
+                            </p:childTnLst>
+                          </p:cTn>
+                        </p:par>
+                      </p:childTnLst>
+                    </p:cTn>
+                  </p:par>
+                  <p:par>
+                    <p:cTn id="19" fill="hold">
+                      <p:stCondLst>
+                        <p:cond delay="indefinite"/>
+                      </p:stCondLst>
+                      <p:childTnLst>
+                        <p:par>
+                          <p:cTn id="20" fill="hold">
+                            <p:stCondLst>
+                              <p:cond delay="0"/>
+                            </p:stCondLst>
+                            <p:childTnLst>
+                              <p:par>
+                                <p:cTn id="21" presetID="1" presetClass="entr" presetSubtype="0" fill="hold" nodeType="clickEffect">
+                                  <p:stCondLst>
+                                    <p:cond delay="0"/>
+                                  </p:stCondLst>
+                                  <p:childTnLst>
+                                    <p:set>
+                                      <p:cBhvr>
+                                        <p:cTn id="22" dur="1" fill="hold">
+                                          <p:stCondLst>
+                                            <p:cond delay="0"/>
+                                          </p:stCondLst>
+                                        </p:cTn>
+                                        <p:tgtEl>
+                                          <p:spTgt spid="3">
+                                            <p:txEl>
+                                              <p:pRg st="4" end="4"/>
+                                            </p:txEl>
+                                          </p:spTgt>
+                                        </p:tgtEl>
+                                        <p:attrNameLst>
+                                          <p:attrName>style.visibility</p:attrName>
+                                        </p:attrNameLst>
+                                      </p:cBhvr>
+                                      <p:to>
+                                        <p:strVal val="visible"/>
+                                      </p:to>
+                                    </p:set>
+                                  </p:childTnLst>
+                                </p:cTn>
+                              </p:par>
+                            </p:childTnLst>
+                          </p:cTn>
+                        </p:par>
+                      </p:childTnLst>
+                    </p:cTn>
+                  </p:par>
+                  <p:par>
+                    <p:cTn id="23" fill="hold">
+                      <p:stCondLst>
+                        <p:cond delay="indefinite"/>
+                      </p:stCondLst>
+                      <p:childTnLst>
+                        <p:par>
+                          <p:cTn id="24" fill="hold">
+                            <p:stCondLst>
+                              <p:cond delay="0"/>
+                            </p:stCondLst>
+                            <p:childTnLst>
+                              <p:par>
+                                <p:cTn id="25" presetID="1" presetClass="entr" presetSubtype="0" fill="hold" nodeType="clickEffect">
+                                  <p:stCondLst>
+                                    <p:cond delay="0"/>
+                                  </p:stCondLst>
+                                  <p:childTnLst>
+                                    <p:set>
+                                      <p:cBhvr>
+                                        <p:cTn id="26" dur="1" fill="hold">
+                                          <p:stCondLst>
+                                            <p:cond delay="0"/>
+                                          </p:stCondLst>
+                                        </p:cTn>
+                                        <p:tgtEl>
+                                          <p:spTgt spid="3">
+                                            <p:txEl>
+                                              <p:pRg st="5" end="5"/>
+                                            </p:txEl>
+                                          </p:spTgt>
+                                        </p:tgtEl>
+                                        <p:attrNameLst>
+                                          <p:attrName>style.visibility</p:attrName>
+                                        </p:attrNameLst>
+                                      </p:cBhvr>
+                                      <p:to>
+                                        <p:strVal val="visible"/>
+                                      </p:to>
+                                    </p:set>
+                                  </p:childTnLst>
+                                </p:cTn>
+                              </p:par>
+                            </p:childTnLst>
+                          </p:cTn>
+                        </p:par>
+                      </p:childTnLst>
+                    </p:cTn>
+                  </p:par>
+                </p:childTnLst>
+              </p:cTn>
+              <p:prevCondLst>
+                <p:cond evt="onPrev" delay="0">
+                  <p:tgtEl>
+                    <p:sldTgt/>
+                  </p:tgtEl>
+                </p:cond>
+              </p:prevCondLst>
+              <p:nextCondLst>
+                <p:cond evt="onNext" delay="0">
+                  <p:tgtEl>
+                    <p:sldTgt/>
+                  </p:tgtEl>
+                </p:cond>
+              </p:nextCondLst>
+            </p:seq>
+          </p:childTnLst>
+        </p:cTn>
       </p:par>
     </p:tnLst>
   </p:timing>
@@ -13034,6 +13035,166 @@
           <a:p>
             <a:r>
               <a:rPr kumimoji="1" lang="en-US" altLang="zh-TW" b="1" dirty="0" smtClean="0"/>
+              <a:t>Outline</a:t>
+            </a:r>
+            <a:endParaRPr kumimoji="1" lang="zh-TW" altLang="en-US" b="1" dirty="0"/>
+          </a:p>
+        </p:txBody>
+      </p:sp>
+      <p:sp>
+        <p:nvSpPr>
+          <p:cNvPr id="3" name="內容版面配置區 2"/>
+          <p:cNvSpPr>
+            <a:spLocks noGrp="1"/>
+          </p:cNvSpPr>
+          <p:nvPr>
+            <p:ph idx="1"/>
+          </p:nvPr>
+        </p:nvSpPr>
+        <p:spPr/>
+        <p:txBody>
+          <a:bodyPr/>
+          <a:lstStyle/>
+          <a:p>
+            <a:r>
+              <a:rPr kumimoji="1" lang="en-US" altLang="zh-TW" dirty="0" smtClean="0"/>
+              <a:t>Introduction</a:t>
+            </a:r>
+          </a:p>
+          <a:p>
+            <a:r>
+              <a:rPr kumimoji="1" lang="en-US" altLang="zh-TW" dirty="0" smtClean="0"/>
+              <a:t>Linux on FPGA</a:t>
+            </a:r>
+          </a:p>
+          <a:p>
+            <a:r>
+              <a:rPr kumimoji="1" lang="en-US" altLang="zh-TW" dirty="0" smtClean="0"/>
+              <a:t>UIO Driver</a:t>
+            </a:r>
+          </a:p>
+          <a:p>
+            <a:r>
+              <a:rPr kumimoji="1" lang="en-US" altLang="zh-TW" dirty="0" smtClean="0"/>
+              <a:t>Custom IP and DMA</a:t>
+            </a:r>
+          </a:p>
+          <a:p>
+            <a:r>
+              <a:rPr kumimoji="1" lang="en-US" altLang="zh-TW" dirty="0" smtClean="0">
+                <a:solidFill>
+                  <a:srgbClr val="FF0000"/>
+                </a:solidFill>
+              </a:rPr>
+              <a:t>Linux UIO Driver for AXI DMA</a:t>
+            </a:r>
+          </a:p>
+          <a:p>
+            <a:r>
+              <a:rPr kumimoji="1" lang="en-US" altLang="zh-TW" dirty="0" smtClean="0"/>
+              <a:t>Experimental Results</a:t>
+            </a:r>
+          </a:p>
+          <a:p>
+            <a:r>
+              <a:rPr kumimoji="1" lang="en-US" altLang="zh-TW" dirty="0" smtClean="0"/>
+              <a:t>Conclusion</a:t>
+            </a:r>
+          </a:p>
+          <a:p>
+            <a:endParaRPr kumimoji="1" lang="en-US" altLang="zh-TW" dirty="0" smtClean="0"/>
+          </a:p>
+          <a:p>
+            <a:endParaRPr kumimoji="1" lang="en-US" altLang="zh-TW" dirty="0" smtClean="0"/>
+          </a:p>
+          <a:p>
+            <a:endParaRPr kumimoji="1" lang="en-US" altLang="zh-TW" dirty="0" smtClean="0"/>
+          </a:p>
+          <a:p>
+            <a:endParaRPr kumimoji="1" lang="en-US" altLang="zh-TW" dirty="0" smtClean="0"/>
+          </a:p>
+          <a:p>
+            <a:endParaRPr kumimoji="1" lang="zh-TW" altLang="en-US" dirty="0"/>
+          </a:p>
+        </p:txBody>
+      </p:sp>
+      <p:sp>
+        <p:nvSpPr>
+          <p:cNvPr id="4" name="投影片編號版面配置區 3"/>
+          <p:cNvSpPr>
+            <a:spLocks noGrp="1"/>
+          </p:cNvSpPr>
+          <p:nvPr>
+            <p:ph type="sldNum" sz="quarter" idx="12"/>
+          </p:nvPr>
+        </p:nvSpPr>
+        <p:spPr/>
+        <p:txBody>
+          <a:bodyPr/>
+          <a:lstStyle/>
+          <a:p>
+            <a:fld id="{1C660728-6CE8-F247-B4E1-3C95F3EADF7A}" type="slidenum">
+              <a:rPr kumimoji="1" lang="zh-TW" altLang="en-US" smtClean="0"/>
+              <a:t>21</a:t>
+            </a:fld>
+            <a:endParaRPr kumimoji="1" lang="zh-TW" altLang="en-US"/>
+          </a:p>
+        </p:txBody>
+      </p:sp>
+    </p:spTree>
+    <p:extLst>
+      <p:ext uri="{BB962C8B-B14F-4D97-AF65-F5344CB8AC3E}">
+        <p14:creationId xmlns:p14="http://schemas.microsoft.com/office/powerpoint/2010/main" val="4244900846"/>
+      </p:ext>
+    </p:extLst>
+  </p:cSld>
+  <p:clrMapOvr>
+    <a:masterClrMapping/>
+  </p:clrMapOvr>
+  <p:timing>
+    <p:tnLst>
+      <p:par>
+        <p:cTn id="1" dur="indefinite" restart="never" nodeType="tmRoot"/>
+      </p:par>
+    </p:tnLst>
+  </p:timing>
+</p:sld>
+</file>
+
+<file path=ppt/slides/slide22.xml><?xml version="1.0" encoding="utf-8"?>
+<p:sld xmlns:a="http://schemas.openxmlformats.org/drawingml/2006/main" xmlns:r="http://schemas.openxmlformats.org/officeDocument/2006/relationships" xmlns:p="http://schemas.openxmlformats.org/presentationml/2006/main">
+  <p:cSld>
+    <p:spTree>
+      <p:nvGrpSpPr>
+        <p:cNvPr id="1" name=""/>
+        <p:cNvGrpSpPr/>
+        <p:nvPr/>
+      </p:nvGrpSpPr>
+      <p:grpSpPr>
+        <a:xfrm>
+          <a:off x="0" y="0"/>
+          <a:ext cx="0" cy="0"/>
+          <a:chOff x="0" y="0"/>
+          <a:chExt cx="0" cy="0"/>
+        </a:xfrm>
+      </p:grpSpPr>
+      <p:sp>
+        <p:nvSpPr>
+          <p:cNvPr id="2" name="標題 1"/>
+          <p:cNvSpPr>
+            <a:spLocks noGrp="1"/>
+          </p:cNvSpPr>
+          <p:nvPr>
+            <p:ph type="title"/>
+          </p:nvPr>
+        </p:nvSpPr>
+        <p:spPr/>
+        <p:txBody>
+          <a:bodyPr/>
+          <a:lstStyle/>
+          <a:p>
+            <a:r>
+              <a:rPr kumimoji="1" lang="en-US" altLang="zh-TW" b="1" dirty="0" smtClean="0"/>
               <a:t>Linux UIO Driver for AXI4/Lite Custom IP</a:t>
             </a:r>
             <a:endParaRPr kumimoji="1" lang="zh-TW" altLang="en-US" b="1" dirty="0"/>
@@ -13064,15 +13225,7 @@
           <a:p>
             <a:r>
               <a:rPr kumimoji="1" lang="en-US" altLang="zh-TW" dirty="0" err="1" smtClean="0"/>
-              <a:t>EX:OpenCore</a:t>
-            </a:r>
-            <a:r>
-              <a:rPr kumimoji="1" lang="en-US" altLang="zh-TW" dirty="0" err="1"/>
-              <a:t>-</a:t>
-            </a:r>
-            <a:r>
-              <a:rPr kumimoji="1" lang="en-US" altLang="zh-TW" dirty="0" err="1" smtClean="0"/>
-              <a:t>tinyAES</a:t>
+              <a:t>EX:OpenCores-tinyAES</a:t>
             </a:r>
             <a:endParaRPr kumimoji="1" lang="en-US" altLang="zh-TW" dirty="0" smtClean="0"/>
           </a:p>
@@ -13159,114 +13312,9 @@
           <a:p>
             <a:fld id="{1C660728-6CE8-F247-B4E1-3C95F3EADF7A}" type="slidenum">
               <a:rPr kumimoji="1" lang="zh-TW" altLang="en-US" smtClean="0"/>
-              <a:t>21</a:t>
+              <a:t>22</a:t>
             </a:fld>
             <a:endParaRPr kumimoji="1" lang="zh-TW" altLang="en-US"/>
-          </a:p>
-        </p:txBody>
-      </p:sp>
-      <p:sp>
-        <p:nvSpPr>
-          <p:cNvPr id="5" name="文字方塊 4"/>
-          <p:cNvSpPr txBox="1"/>
-          <p:nvPr/>
-        </p:nvSpPr>
-        <p:spPr>
-          <a:xfrm>
-            <a:off x="0" y="6461647"/>
-            <a:ext cx="12191999" cy="400110"/>
-          </a:xfrm>
-          <a:prstGeom prst="rect">
-            <a:avLst/>
-          </a:prstGeom>
-          <a:noFill/>
-        </p:spPr>
-        <p:txBody>
-          <a:bodyPr wrap="square" rtlCol="0">
-            <a:spAutoFit/>
-          </a:bodyPr>
-          <a:lstStyle/>
-          <a:p>
-            <a:r>
-              <a:rPr lang="en-US" altLang="zh-TW" sz="1000" dirty="0" smtClean="0"/>
-              <a:t>[5] The </a:t>
-            </a:r>
-            <a:r>
-              <a:rPr lang="en-US" altLang="zh-TW" sz="1000" dirty="0" err="1" smtClean="0"/>
-              <a:t>Userspace</a:t>
-            </a:r>
-            <a:r>
-              <a:rPr lang="en-US" altLang="zh-TW" sz="1000" dirty="0" smtClean="0"/>
-              <a:t> I/O HOWTO </a:t>
-            </a:r>
-            <a:r>
-              <a:rPr lang="en-US" altLang="zh-TW" sz="1000" i="1" dirty="0" smtClean="0"/>
-              <a:t>URL </a:t>
-            </a:r>
-            <a:r>
-              <a:rPr lang="en-US" altLang="zh-TW" sz="1000" i="1" dirty="0">
-                <a:hlinkClick r:id="rId3"/>
-              </a:rPr>
-              <a:t>https://</a:t>
-            </a:r>
-            <a:r>
-              <a:rPr lang="en-US" altLang="zh-TW" sz="1000" i="1" dirty="0" smtClean="0">
-                <a:hlinkClick r:id="rId3"/>
-              </a:rPr>
-              <a:t>www.kernel.org/doc/html/v4.12/driver-api/uio-howto.html</a:t>
-            </a:r>
-            <a:r>
-              <a:rPr lang="en-US" altLang="zh-TW" sz="1000" i="1" dirty="0" smtClean="0"/>
-              <a:t> .</a:t>
-            </a:r>
-            <a:endParaRPr lang="en-US" altLang="zh-TW" sz="1000" dirty="0"/>
-          </a:p>
-          <a:p>
-            <a:r>
-              <a:rPr lang="en-US" altLang="zh-TW" sz="1000" dirty="0" smtClean="0"/>
-              <a:t>[7] </a:t>
-            </a:r>
-            <a:r>
-              <a:rPr lang="en-US" altLang="zh-TW" sz="1000" dirty="0"/>
-              <a:t>R. </a:t>
-            </a:r>
-            <a:r>
-              <a:rPr lang="en-US" altLang="zh-TW" sz="1000" dirty="0" err="1"/>
-              <a:t>Govindarajan</a:t>
-            </a:r>
-            <a:r>
-              <a:rPr lang="en-US" altLang="zh-TW" sz="1000" dirty="0"/>
-              <a:t>, H. Yang, J. N. </a:t>
-            </a:r>
-            <a:r>
-              <a:rPr lang="en-US" altLang="zh-TW" sz="1000" dirty="0" err="1"/>
-              <a:t>Amaral</a:t>
-            </a:r>
-            <a:r>
-              <a:rPr lang="en-US" altLang="zh-TW" sz="1000" dirty="0"/>
-              <a:t>, C. Zhang, and G. R. Gao. Minimum </a:t>
-            </a:r>
-            <a:r>
-              <a:rPr lang="en-US" altLang="zh-TW" sz="1000" dirty="0" smtClean="0"/>
-              <a:t>register </a:t>
-            </a:r>
-            <a:r>
-              <a:rPr lang="en-US" altLang="zh-TW" sz="1000" dirty="0"/>
-              <a:t>instruction sequencing to reduce register spills in out-of-order issue superscalar architectures. </a:t>
-            </a:r>
-            <a:r>
-              <a:rPr lang="en-US" altLang="zh-TW" sz="1000" i="1" dirty="0"/>
-              <a:t>IEEE Transactions on Computers</a:t>
-            </a:r>
-            <a:r>
-              <a:rPr lang="en-US" altLang="zh-TW" sz="1000" dirty="0"/>
-              <a:t>, 52(1):4–20, 2003</a:t>
-            </a:r>
-            <a:r>
-              <a:rPr lang="en-US" altLang="zh-TW" sz="1000" dirty="0" smtClean="0"/>
-              <a:t>.</a:t>
-            </a:r>
-            <a:endParaRPr lang="en-US" altLang="zh-TW" sz="1000" dirty="0"/>
           </a:p>
         </p:txBody>
       </p:sp>
@@ -13279,7 +13327,7 @@
           <p:nvPr/>
         </p:nvPicPr>
         <p:blipFill>
-          <a:blip r:embed="rId4">
+          <a:blip r:embed="rId3">
             <a:extLst>
               <a:ext uri="{28A0092B-C50C-407E-A947-70E740481C1C}">
                 <a14:useLocalDpi xmlns:a14="http://schemas.microsoft.com/office/drawing/2010/main" val="0"/>
@@ -13309,7 +13357,7 @@
           <p:nvPr/>
         </p:nvPicPr>
         <p:blipFill>
-          <a:blip r:embed="rId5">
+          <a:blip r:embed="rId4">
             <a:extLst>
               <a:ext uri="{28A0092B-C50C-407E-A947-70E740481C1C}">
                 <a14:useLocalDpi xmlns:a14="http://schemas.microsoft.com/office/drawing/2010/main" val="0"/>
@@ -13943,382 +13991,6 @@
 </p:sld>
 </file>
 
-<file path=ppt/slides/slide22.xml><?xml version="1.0" encoding="utf-8"?>
-<p:sld xmlns:a="http://schemas.openxmlformats.org/drawingml/2006/main" xmlns:r="http://schemas.openxmlformats.org/officeDocument/2006/relationships" xmlns:p="http://schemas.openxmlformats.org/presentationml/2006/main">
-  <p:cSld>
-    <p:spTree>
-      <p:nvGrpSpPr>
-        <p:cNvPr id="1" name=""/>
-        <p:cNvGrpSpPr/>
-        <p:nvPr/>
-      </p:nvGrpSpPr>
-      <p:grpSpPr>
-        <a:xfrm>
-          <a:off x="0" y="0"/>
-          <a:ext cx="0" cy="0"/>
-          <a:chOff x="0" y="0"/>
-          <a:chExt cx="0" cy="0"/>
-        </a:xfrm>
-      </p:grpSpPr>
-      <p:sp>
-        <p:nvSpPr>
-          <p:cNvPr id="2" name="標題 1"/>
-          <p:cNvSpPr>
-            <a:spLocks noGrp="1"/>
-          </p:cNvSpPr>
-          <p:nvPr>
-            <p:ph type="title"/>
-          </p:nvPr>
-        </p:nvSpPr>
-        <p:spPr/>
-        <p:txBody>
-          <a:bodyPr/>
-          <a:lstStyle/>
-          <a:p>
-            <a:r>
-              <a:rPr kumimoji="1" lang="en-US" altLang="zh-TW" b="1" dirty="0" smtClean="0"/>
-              <a:t>Linux UIO Driver for AXI4/Lite Custom IP</a:t>
-            </a:r>
-            <a:endParaRPr kumimoji="1" lang="zh-TW" altLang="en-US" b="1" dirty="0"/>
-          </a:p>
-        </p:txBody>
-      </p:sp>
-      <p:sp>
-        <p:nvSpPr>
-          <p:cNvPr id="3" name="內容版面配置區 2"/>
-          <p:cNvSpPr>
-            <a:spLocks noGrp="1"/>
-          </p:cNvSpPr>
-          <p:nvPr>
-            <p:ph idx="1"/>
-          </p:nvPr>
-        </p:nvSpPr>
-        <p:spPr>
-          <a:xfrm>
-            <a:off x="838200" y="1825625"/>
-            <a:ext cx="10515600" cy="4235858"/>
-          </a:xfrm>
-        </p:spPr>
-        <p:txBody>
-          <a:bodyPr>
-            <a:normAutofit/>
-          </a:bodyPr>
-          <a:lstStyle/>
-          <a:p>
-            <a:r>
-              <a:rPr kumimoji="1" lang="en-US" altLang="zh-TW" dirty="0" smtClean="0"/>
-              <a:t>UIO Node</a:t>
-            </a:r>
-          </a:p>
-          <a:p>
-            <a:endParaRPr kumimoji="1" lang="en-US" altLang="zh-TW" dirty="0" smtClean="0"/>
-          </a:p>
-          <a:p>
-            <a:r>
-              <a:rPr kumimoji="1" lang="en-US" altLang="zh-TW" dirty="0" smtClean="0"/>
-              <a:t>UIO Memory Address</a:t>
-            </a:r>
-          </a:p>
-          <a:p>
-            <a:endParaRPr kumimoji="1" lang="en-US" altLang="zh-TW" dirty="0" smtClean="0"/>
-          </a:p>
-          <a:p>
-            <a:pPr marL="0" indent="0">
-              <a:buNone/>
-            </a:pPr>
-            <a:endParaRPr kumimoji="1" lang="en-US" altLang="zh-TW" dirty="0" smtClean="0"/>
-          </a:p>
-          <a:p>
-            <a:pPr marL="457200" lvl="1" indent="0">
-              <a:buNone/>
-            </a:pPr>
-            <a:endParaRPr kumimoji="1" lang="en-US" altLang="zh-TW" dirty="0" smtClean="0"/>
-          </a:p>
-          <a:p>
-            <a:pPr lvl="1"/>
-            <a:endParaRPr kumimoji="1" lang="en-US" altLang="zh-TW" dirty="0" smtClean="0"/>
-          </a:p>
-          <a:p>
-            <a:pPr marL="0" indent="0">
-              <a:buNone/>
-            </a:pPr>
-            <a:endParaRPr kumimoji="1" lang="en-US" altLang="zh-TW" dirty="0" smtClean="0"/>
-          </a:p>
-          <a:p>
-            <a:pPr lvl="1"/>
-            <a:endParaRPr kumimoji="1" lang="zh-TW" altLang="en-US" dirty="0"/>
-          </a:p>
-        </p:txBody>
-      </p:sp>
-      <p:sp>
-        <p:nvSpPr>
-          <p:cNvPr id="4" name="投影片編號版面配置區 3"/>
-          <p:cNvSpPr>
-            <a:spLocks noGrp="1"/>
-          </p:cNvSpPr>
-          <p:nvPr>
-            <p:ph type="sldNum" sz="quarter" idx="12"/>
-          </p:nvPr>
-        </p:nvSpPr>
-        <p:spPr/>
-        <p:txBody>
-          <a:bodyPr/>
-          <a:lstStyle/>
-          <a:p>
-            <a:fld id="{1C660728-6CE8-F247-B4E1-3C95F3EADF7A}" type="slidenum">
-              <a:rPr kumimoji="1" lang="zh-TW" altLang="en-US" smtClean="0"/>
-              <a:t>22</a:t>
-            </a:fld>
-            <a:endParaRPr kumimoji="1" lang="zh-TW" altLang="en-US"/>
-          </a:p>
-        </p:txBody>
-      </p:sp>
-      <p:sp>
-        <p:nvSpPr>
-          <p:cNvPr id="5" name="文字方塊 4"/>
-          <p:cNvSpPr txBox="1"/>
-          <p:nvPr/>
-        </p:nvSpPr>
-        <p:spPr>
-          <a:xfrm>
-            <a:off x="0" y="6461647"/>
-            <a:ext cx="12191999" cy="400110"/>
-          </a:xfrm>
-          <a:prstGeom prst="rect">
-            <a:avLst/>
-          </a:prstGeom>
-          <a:noFill/>
-        </p:spPr>
-        <p:txBody>
-          <a:bodyPr wrap="square" rtlCol="0">
-            <a:spAutoFit/>
-          </a:bodyPr>
-          <a:lstStyle/>
-          <a:p>
-            <a:r>
-              <a:rPr lang="en-US" altLang="zh-TW" sz="1000" dirty="0" smtClean="0"/>
-              <a:t>[5] The </a:t>
-            </a:r>
-            <a:r>
-              <a:rPr lang="en-US" altLang="zh-TW" sz="1000" dirty="0" err="1" smtClean="0"/>
-              <a:t>Userspace</a:t>
-            </a:r>
-            <a:r>
-              <a:rPr lang="en-US" altLang="zh-TW" sz="1000" dirty="0" smtClean="0"/>
-              <a:t> I/O HOWTO </a:t>
-            </a:r>
-            <a:r>
-              <a:rPr lang="en-US" altLang="zh-TW" sz="1000" i="1" dirty="0" smtClean="0"/>
-              <a:t>URL </a:t>
-            </a:r>
-            <a:r>
-              <a:rPr lang="en-US" altLang="zh-TW" sz="1000" i="1" dirty="0">
-                <a:hlinkClick r:id="rId3"/>
-              </a:rPr>
-              <a:t>https://</a:t>
-            </a:r>
-            <a:r>
-              <a:rPr lang="en-US" altLang="zh-TW" sz="1000" i="1" dirty="0" smtClean="0">
-                <a:hlinkClick r:id="rId3"/>
-              </a:rPr>
-              <a:t>www.kernel.org/doc/html/v4.12/driver-api/uio-howto.html</a:t>
-            </a:r>
-            <a:r>
-              <a:rPr lang="en-US" altLang="zh-TW" sz="1000" i="1" dirty="0" smtClean="0"/>
-              <a:t> .</a:t>
-            </a:r>
-            <a:endParaRPr lang="en-US" altLang="zh-TW" sz="1000" dirty="0"/>
-          </a:p>
-          <a:p>
-            <a:r>
-              <a:rPr lang="en-US" altLang="zh-TW" sz="1000" dirty="0" smtClean="0"/>
-              <a:t>[7] </a:t>
-            </a:r>
-            <a:r>
-              <a:rPr lang="en-US" altLang="zh-TW" sz="1000" dirty="0"/>
-              <a:t>R. </a:t>
-            </a:r>
-            <a:r>
-              <a:rPr lang="en-US" altLang="zh-TW" sz="1000" dirty="0" err="1"/>
-              <a:t>Govindarajan</a:t>
-            </a:r>
-            <a:r>
-              <a:rPr lang="en-US" altLang="zh-TW" sz="1000" dirty="0"/>
-              <a:t>, H. Yang, J. N. </a:t>
-            </a:r>
-            <a:r>
-              <a:rPr lang="en-US" altLang="zh-TW" sz="1000" dirty="0" err="1"/>
-              <a:t>Amaral</a:t>
-            </a:r>
-            <a:r>
-              <a:rPr lang="en-US" altLang="zh-TW" sz="1000" dirty="0"/>
-              <a:t>, C. Zhang, and G. R. Gao. Minimum </a:t>
-            </a:r>
-            <a:r>
-              <a:rPr lang="en-US" altLang="zh-TW" sz="1000" dirty="0" smtClean="0"/>
-              <a:t>register </a:t>
-            </a:r>
-            <a:r>
-              <a:rPr lang="en-US" altLang="zh-TW" sz="1000" dirty="0"/>
-              <a:t>instruction sequencing to reduce register spills in out-of-order issue superscalar architectures. </a:t>
-            </a:r>
-            <a:r>
-              <a:rPr lang="en-US" altLang="zh-TW" sz="1000" i="1" dirty="0"/>
-              <a:t>IEEE Transactions on Computers</a:t>
-            </a:r>
-            <a:r>
-              <a:rPr lang="en-US" altLang="zh-TW" sz="1000" dirty="0"/>
-              <a:t>, 52(1):4–20, 2003</a:t>
-            </a:r>
-            <a:r>
-              <a:rPr lang="en-US" altLang="zh-TW" sz="1000" dirty="0" smtClean="0"/>
-              <a:t>.</a:t>
-            </a:r>
-            <a:endParaRPr lang="en-US" altLang="zh-TW" sz="1000" dirty="0"/>
-          </a:p>
-        </p:txBody>
-      </p:sp>
-    </p:spTree>
-    <p:extLst>
-      <p:ext uri="{BB962C8B-B14F-4D97-AF65-F5344CB8AC3E}">
-        <p14:creationId xmlns:p14="http://schemas.microsoft.com/office/powerpoint/2010/main" val="2378606656"/>
-      </p:ext>
-    </p:extLst>
-  </p:cSld>
-  <p:clrMapOvr>
-    <a:masterClrMapping/>
-  </p:clrMapOvr>
-  <p:timing>
-    <p:tnLst>
-      <p:par>
-        <p:cTn id="1" dur="indefinite" restart="never" nodeType="tmRoot">
-          <p:childTnLst>
-            <p:seq concurrent="1" nextAc="seek">
-              <p:cTn id="2" dur="indefinite" nodeType="mainSeq">
-                <p:childTnLst>
-                  <p:par>
-                    <p:cTn id="3" fill="hold">
-                      <p:stCondLst>
-                        <p:cond delay="indefinite"/>
-                      </p:stCondLst>
-                      <p:childTnLst>
-                        <p:par>
-                          <p:cTn id="4" fill="hold">
-                            <p:stCondLst>
-                              <p:cond delay="0"/>
-                            </p:stCondLst>
-                            <p:childTnLst>
-                              <p:par>
-                                <p:cTn id="5" presetID="1" presetClass="entr" presetSubtype="0" fill="hold" nodeType="clickEffect">
-                                  <p:stCondLst>
-                                    <p:cond delay="0"/>
-                                  </p:stCondLst>
-                                  <p:childTnLst>
-                                    <p:set>
-                                      <p:cBhvr>
-                                        <p:cTn id="6" dur="1" fill="hold">
-                                          <p:stCondLst>
-                                            <p:cond delay="0"/>
-                                          </p:stCondLst>
-                                        </p:cTn>
-                                        <p:tgtEl>
-                                          <p:spTgt spid="3">
-                                            <p:txEl>
-                                              <p:pRg st="0" end="0"/>
-                                            </p:txEl>
-                                          </p:spTgt>
-                                        </p:tgtEl>
-                                        <p:attrNameLst>
-                                          <p:attrName>style.visibility</p:attrName>
-                                        </p:attrNameLst>
-                                      </p:cBhvr>
-                                      <p:to>
-                                        <p:strVal val="visible"/>
-                                      </p:to>
-                                    </p:set>
-                                  </p:childTnLst>
-                                </p:cTn>
-                              </p:par>
-                            </p:childTnLst>
-                          </p:cTn>
-                        </p:par>
-                      </p:childTnLst>
-                    </p:cTn>
-                  </p:par>
-                  <p:par>
-                    <p:cTn id="7" fill="hold">
-                      <p:stCondLst>
-                        <p:cond delay="indefinite"/>
-                      </p:stCondLst>
-                      <p:childTnLst>
-                        <p:par>
-                          <p:cTn id="8" fill="hold">
-                            <p:stCondLst>
-                              <p:cond delay="0"/>
-                            </p:stCondLst>
-                            <p:childTnLst>
-                              <p:par>
-                                <p:cTn id="9" presetID="1" presetClass="entr" presetSubtype="0" fill="hold" nodeType="clickEffect">
-                                  <p:stCondLst>
-                                    <p:cond delay="0"/>
-                                  </p:stCondLst>
-                                  <p:childTnLst>
-                                    <p:set>
-                                      <p:cBhvr>
-                                        <p:cTn id="10" dur="1" fill="hold">
-                                          <p:stCondLst>
-                                            <p:cond delay="0"/>
-                                          </p:stCondLst>
-                                        </p:cTn>
-                                        <p:tgtEl>
-                                          <p:spTgt spid="3">
-                                            <p:txEl>
-                                              <p:pRg st="2" end="2"/>
-                                            </p:txEl>
-                                          </p:spTgt>
-                                        </p:tgtEl>
-                                        <p:attrNameLst>
-                                          <p:attrName>style.visibility</p:attrName>
-                                        </p:attrNameLst>
-                                      </p:cBhvr>
-                                      <p:to>
-                                        <p:strVal val="visible"/>
-                                      </p:to>
-                                    </p:set>
-                                  </p:childTnLst>
-                                </p:cTn>
-                              </p:par>
-                            </p:childTnLst>
-                          </p:cTn>
-                        </p:par>
-                      </p:childTnLst>
-                    </p:cTn>
-                  </p:par>
-                </p:childTnLst>
-              </p:cTn>
-              <p:prevCondLst>
-                <p:cond evt="onPrev" delay="0">
-                  <p:tgtEl>
-                    <p:sldTgt/>
-                  </p:tgtEl>
-                </p:cond>
-              </p:prevCondLst>
-              <p:nextCondLst>
-                <p:cond evt="onNext" delay="0">
-                  <p:tgtEl>
-                    <p:sldTgt/>
-                  </p:tgtEl>
-                </p:cond>
-              </p:nextCondLst>
-            </p:seq>
-          </p:childTnLst>
-        </p:cTn>
-      </p:par>
-    </p:tnLst>
-  </p:timing>
-</p:sld>
-</file>
-
 <file path=ppt/slides/slide23.xml><?xml version="1.0" encoding="utf-8"?>
 <p:sld xmlns:a="http://schemas.openxmlformats.org/drawingml/2006/main" xmlns:r="http://schemas.openxmlformats.org/officeDocument/2006/relationships" xmlns:p="http://schemas.openxmlformats.org/presentationml/2006/main">
   <p:cSld>
@@ -14383,13 +14055,19 @@
           <a:p>
             <a:r>
               <a:rPr kumimoji="1" lang="en-US" altLang="zh-TW" dirty="0" smtClean="0"/>
-              <a:t>Code</a:t>
-            </a:r>
-          </a:p>
-          <a:p>
-            <a:pPr marL="0" indent="0">
-              <a:buNone/>
-            </a:pPr>
+              <a:t>UIO Node</a:t>
+            </a:r>
+          </a:p>
+          <a:p>
+            <a:endParaRPr kumimoji="1" lang="en-US" altLang="zh-TW" dirty="0" smtClean="0"/>
+          </a:p>
+          <a:p>
+            <a:r>
+              <a:rPr kumimoji="1" lang="en-US" altLang="zh-TW" dirty="0" smtClean="0"/>
+              <a:t>UIO Memory Address</a:t>
+            </a:r>
+          </a:p>
+          <a:p>
             <a:endParaRPr kumimoji="1" lang="en-US" altLang="zh-TW" dirty="0" smtClean="0"/>
           </a:p>
           <a:p>
@@ -14443,115 +14121,10 @@
           </a:p>
         </p:txBody>
       </p:sp>
-      <p:sp>
-        <p:nvSpPr>
-          <p:cNvPr id="5" name="文字方塊 4"/>
-          <p:cNvSpPr txBox="1"/>
-          <p:nvPr/>
-        </p:nvSpPr>
-        <p:spPr>
-          <a:xfrm>
-            <a:off x="0" y="6461647"/>
-            <a:ext cx="12191999" cy="400110"/>
-          </a:xfrm>
-          <a:prstGeom prst="rect">
-            <a:avLst/>
-          </a:prstGeom>
-          <a:noFill/>
-        </p:spPr>
-        <p:txBody>
-          <a:bodyPr wrap="square" rtlCol="0">
-            <a:spAutoFit/>
-          </a:bodyPr>
-          <a:lstStyle/>
-          <a:p>
-            <a:r>
-              <a:rPr lang="en-US" altLang="zh-TW" sz="1000" dirty="0" smtClean="0"/>
-              <a:t>[5] The </a:t>
-            </a:r>
-            <a:r>
-              <a:rPr lang="en-US" altLang="zh-TW" sz="1000" dirty="0" err="1" smtClean="0"/>
-              <a:t>Userspace</a:t>
-            </a:r>
-            <a:r>
-              <a:rPr lang="en-US" altLang="zh-TW" sz="1000" dirty="0" smtClean="0"/>
-              <a:t> I/O HOWTO </a:t>
-            </a:r>
-            <a:r>
-              <a:rPr lang="en-US" altLang="zh-TW" sz="1000" i="1" dirty="0" smtClean="0"/>
-              <a:t>URL </a:t>
-            </a:r>
-            <a:r>
-              <a:rPr lang="en-US" altLang="zh-TW" sz="1000" i="1" dirty="0">
-                <a:hlinkClick r:id="rId3"/>
-              </a:rPr>
-              <a:t>https://</a:t>
-            </a:r>
-            <a:r>
-              <a:rPr lang="en-US" altLang="zh-TW" sz="1000" i="1" dirty="0" smtClean="0">
-                <a:hlinkClick r:id="rId3"/>
-              </a:rPr>
-              <a:t>www.kernel.org/doc/html/v4.12/driver-api/uio-howto.html</a:t>
-            </a:r>
-            <a:r>
-              <a:rPr lang="en-US" altLang="zh-TW" sz="1000" i="1" dirty="0" smtClean="0"/>
-              <a:t> .</a:t>
-            </a:r>
-            <a:endParaRPr lang="en-US" altLang="zh-TW" sz="1000" dirty="0"/>
-          </a:p>
-          <a:p>
-            <a:r>
-              <a:rPr lang="en-US" altLang="zh-TW" sz="1000" dirty="0" smtClean="0"/>
-              <a:t>[7] </a:t>
-            </a:r>
-            <a:r>
-              <a:rPr lang="en-US" altLang="zh-TW" sz="1000" dirty="0"/>
-              <a:t>R. </a:t>
-            </a:r>
-            <a:r>
-              <a:rPr lang="en-US" altLang="zh-TW" sz="1000" dirty="0" err="1"/>
-              <a:t>Govindarajan</a:t>
-            </a:r>
-            <a:r>
-              <a:rPr lang="en-US" altLang="zh-TW" sz="1000" dirty="0"/>
-              <a:t>, H. Yang, J. N. </a:t>
-            </a:r>
-            <a:r>
-              <a:rPr lang="en-US" altLang="zh-TW" sz="1000" dirty="0" err="1"/>
-              <a:t>Amaral</a:t>
-            </a:r>
-            <a:r>
-              <a:rPr lang="en-US" altLang="zh-TW" sz="1000" dirty="0"/>
-              <a:t>, C. Zhang, and G. R. Gao. Minimum </a:t>
-            </a:r>
-            <a:r>
-              <a:rPr lang="en-US" altLang="zh-TW" sz="1000" dirty="0" smtClean="0"/>
-              <a:t>register </a:t>
-            </a:r>
-            <a:r>
-              <a:rPr lang="en-US" altLang="zh-TW" sz="1000" dirty="0"/>
-              <a:t>instruction sequencing to reduce register spills in out-of-order issue superscalar architectures. </a:t>
-            </a:r>
-            <a:r>
-              <a:rPr lang="en-US" altLang="zh-TW" sz="1000" i="1" dirty="0"/>
-              <a:t>IEEE Transactions on Computers</a:t>
-            </a:r>
-            <a:r>
-              <a:rPr lang="en-US" altLang="zh-TW" sz="1000" dirty="0"/>
-              <a:t>, 52(1):4–20, 2003</a:t>
-            </a:r>
-            <a:r>
-              <a:rPr lang="en-US" altLang="zh-TW" sz="1000" dirty="0" smtClean="0"/>
-              <a:t>.</a:t>
-            </a:r>
-            <a:endParaRPr lang="en-US" altLang="zh-TW" sz="1000" dirty="0"/>
-          </a:p>
-        </p:txBody>
-      </p:sp>
     </p:spTree>
     <p:extLst>
       <p:ext uri="{BB962C8B-B14F-4D97-AF65-F5344CB8AC3E}">
-        <p14:creationId xmlns:p14="http://schemas.microsoft.com/office/powerpoint/2010/main" val="3312704371"/>
+        <p14:creationId xmlns:p14="http://schemas.microsoft.com/office/powerpoint/2010/main" val="2378606656"/>
       </p:ext>
     </p:extLst>
   </p:cSld>
@@ -14632,10 +14205,13 @@
           <a:p>
             <a:r>
               <a:rPr kumimoji="1" lang="en-US" altLang="zh-TW" dirty="0" smtClean="0"/>
-              <a:t>Result</a:t>
-            </a:r>
-          </a:p>
-          <a:p>
+              <a:t>Code</a:t>
+            </a:r>
+          </a:p>
+          <a:p>
+            <a:pPr marL="0" indent="0">
+              <a:buNone/>
+            </a:pPr>
             <a:endParaRPr kumimoji="1" lang="en-US" altLang="zh-TW" dirty="0" smtClean="0"/>
           </a:p>
           <a:p>
@@ -14689,115 +14265,10 @@
           </a:p>
         </p:txBody>
       </p:sp>
-      <p:sp>
-        <p:nvSpPr>
-          <p:cNvPr id="5" name="文字方塊 4"/>
-          <p:cNvSpPr txBox="1"/>
-          <p:nvPr/>
-        </p:nvSpPr>
-        <p:spPr>
-          <a:xfrm>
-            <a:off x="0" y="6461647"/>
-            <a:ext cx="12191999" cy="400110"/>
-          </a:xfrm>
-          <a:prstGeom prst="rect">
-            <a:avLst/>
-          </a:prstGeom>
-          <a:noFill/>
-        </p:spPr>
-        <p:txBody>
-          <a:bodyPr wrap="square" rtlCol="0">
-            <a:spAutoFit/>
-          </a:bodyPr>
-          <a:lstStyle/>
-          <a:p>
-            <a:r>
-              <a:rPr lang="en-US" altLang="zh-TW" sz="1000" dirty="0" smtClean="0"/>
-              <a:t>[5] The </a:t>
-            </a:r>
-            <a:r>
-              <a:rPr lang="en-US" altLang="zh-TW" sz="1000" dirty="0" err="1" smtClean="0"/>
-              <a:t>Userspace</a:t>
-            </a:r>
-            <a:r>
-              <a:rPr lang="en-US" altLang="zh-TW" sz="1000" dirty="0" smtClean="0"/>
-              <a:t> I/O HOWTO </a:t>
-            </a:r>
-            <a:r>
-              <a:rPr lang="en-US" altLang="zh-TW" sz="1000" i="1" dirty="0" smtClean="0"/>
-              <a:t>URL </a:t>
-            </a:r>
-            <a:r>
-              <a:rPr lang="en-US" altLang="zh-TW" sz="1000" i="1" dirty="0">
-                <a:hlinkClick r:id="rId3"/>
-              </a:rPr>
-              <a:t>https://</a:t>
-            </a:r>
-            <a:r>
-              <a:rPr lang="en-US" altLang="zh-TW" sz="1000" i="1" dirty="0" smtClean="0">
-                <a:hlinkClick r:id="rId3"/>
-              </a:rPr>
-              <a:t>www.kernel.org/doc/html/v4.12/driver-api/uio-howto.html</a:t>
-            </a:r>
-            <a:r>
-              <a:rPr lang="en-US" altLang="zh-TW" sz="1000" i="1" dirty="0" smtClean="0"/>
-              <a:t> .</a:t>
-            </a:r>
-            <a:endParaRPr lang="en-US" altLang="zh-TW" sz="1000" dirty="0"/>
-          </a:p>
-          <a:p>
-            <a:r>
-              <a:rPr lang="en-US" altLang="zh-TW" sz="1000" dirty="0" smtClean="0"/>
-              <a:t>[7] </a:t>
-            </a:r>
-            <a:r>
-              <a:rPr lang="en-US" altLang="zh-TW" sz="1000" dirty="0"/>
-              <a:t>R. </a:t>
-            </a:r>
-            <a:r>
-              <a:rPr lang="en-US" altLang="zh-TW" sz="1000" dirty="0" err="1"/>
-              <a:t>Govindarajan</a:t>
-            </a:r>
-            <a:r>
-              <a:rPr lang="en-US" altLang="zh-TW" sz="1000" dirty="0"/>
-              <a:t>, H. Yang, J. N. </a:t>
-            </a:r>
-            <a:r>
-              <a:rPr lang="en-US" altLang="zh-TW" sz="1000" dirty="0" err="1"/>
-              <a:t>Amaral</a:t>
-            </a:r>
-            <a:r>
-              <a:rPr lang="en-US" altLang="zh-TW" sz="1000" dirty="0"/>
-              <a:t>, C. Zhang, and G. R. Gao. Minimum </a:t>
-            </a:r>
-            <a:r>
-              <a:rPr lang="en-US" altLang="zh-TW" sz="1000" dirty="0" smtClean="0"/>
-              <a:t>register </a:t>
-            </a:r>
-            <a:r>
-              <a:rPr lang="en-US" altLang="zh-TW" sz="1000" dirty="0"/>
-              <a:t>instruction sequencing to reduce register spills in out-of-order issue superscalar architectures. </a:t>
-            </a:r>
-            <a:r>
-              <a:rPr lang="en-US" altLang="zh-TW" sz="1000" i="1" dirty="0"/>
-              <a:t>IEEE Transactions on Computers</a:t>
-            </a:r>
-            <a:r>
-              <a:rPr lang="en-US" altLang="zh-TW" sz="1000" dirty="0"/>
-              <a:t>, 52(1):4–20, 2003</a:t>
-            </a:r>
-            <a:r>
-              <a:rPr lang="en-US" altLang="zh-TW" sz="1000" dirty="0" smtClean="0"/>
-              <a:t>.</a:t>
-            </a:r>
-            <a:endParaRPr lang="en-US" altLang="zh-TW" sz="1000" dirty="0"/>
-          </a:p>
-        </p:txBody>
-      </p:sp>
     </p:spTree>
     <p:extLst>
       <p:ext uri="{BB962C8B-B14F-4D97-AF65-F5344CB8AC3E}">
-        <p14:creationId xmlns:p14="http://schemas.microsoft.com/office/powerpoint/2010/main" val="2982814642"/>
+        <p14:creationId xmlns:p14="http://schemas.microsoft.com/office/powerpoint/2010/main" val="3312704371"/>
       </p:ext>
     </p:extLst>
   </p:cSld>
@@ -14848,7 +14319,7 @@
           <a:p>
             <a:r>
               <a:rPr kumimoji="1" lang="en-US" altLang="zh-TW" b="1" dirty="0" smtClean="0"/>
-              <a:t>Observation</a:t>
+              <a:t>Linux UIO Driver for AXI4/Lite Custom IP</a:t>
             </a:r>
             <a:endParaRPr kumimoji="1" lang="zh-TW" altLang="en-US" b="1" dirty="0"/>
           </a:p>
@@ -14877,66 +14348,9 @@
           <a:lstStyle/>
           <a:p>
             <a:r>
-              <a:rPr kumimoji="1" lang="en-US" altLang="zh-TW" dirty="0"/>
-              <a:t>Device </a:t>
-            </a:r>
-            <a:r>
               <a:rPr kumimoji="1" lang="en-US" altLang="zh-TW" dirty="0" smtClean="0"/>
-              <a:t>Node</a:t>
-            </a:r>
-          </a:p>
-          <a:p>
-            <a:endParaRPr kumimoji="1" lang="en-US" altLang="zh-TW" dirty="0"/>
-          </a:p>
-          <a:p>
-            <a:r>
-              <a:rPr kumimoji="1" lang="en-US" altLang="zh-TW" dirty="0" smtClean="0"/>
-              <a:t>Program</a:t>
-            </a:r>
-          </a:p>
-          <a:p>
-            <a:pPr lvl="1"/>
-            <a:r>
-              <a:rPr kumimoji="1" lang="en-US" altLang="zh-TW" dirty="0"/>
-              <a:t>User-space without </a:t>
-            </a:r>
-            <a:r>
-              <a:rPr kumimoji="1" lang="en-US" altLang="zh-TW" dirty="0" smtClean="0"/>
-              <a:t>Root</a:t>
-            </a:r>
-          </a:p>
-          <a:p>
-            <a:pPr lvl="1"/>
-            <a:r>
-              <a:rPr kumimoji="1" lang="en-US" altLang="zh-TW" dirty="0" smtClean="0"/>
-              <a:t>UIO Usage</a:t>
-            </a:r>
-          </a:p>
-          <a:p>
-            <a:pPr lvl="2"/>
-            <a:r>
-              <a:rPr kumimoji="1" lang="en-US" altLang="zh-TW" dirty="0"/>
-              <a:t>open() , </a:t>
-            </a:r>
-            <a:r>
-              <a:rPr kumimoji="1" lang="en-US" altLang="zh-TW" dirty="0" err="1"/>
-              <a:t>mmap</a:t>
-            </a:r>
-            <a:r>
-              <a:rPr kumimoji="1" lang="en-US" altLang="zh-TW" dirty="0"/>
-              <a:t>()</a:t>
-            </a:r>
-          </a:p>
-          <a:p>
-            <a:pPr lvl="2"/>
-            <a:r>
-              <a:rPr kumimoji="1" lang="en-US" altLang="zh-TW" dirty="0"/>
-              <a:t>Value Assignment</a:t>
-            </a:r>
-          </a:p>
-          <a:p>
-            <a:pPr lvl="2"/>
-            <a:endParaRPr kumimoji="1" lang="en-US" altLang="zh-TW" dirty="0"/>
+              <a:t>Result</a:t>
+            </a:r>
           </a:p>
           <a:p>
             <a:endParaRPr kumimoji="1" lang="en-US" altLang="zh-TW" dirty="0" smtClean="0"/>
@@ -14992,108 +14406,201 @@
           </a:p>
         </p:txBody>
       </p:sp>
-      <p:sp>
-        <p:nvSpPr>
-          <p:cNvPr id="5" name="文字方塊 4"/>
-          <p:cNvSpPr txBox="1"/>
-          <p:nvPr/>
+    </p:spTree>
+    <p:extLst>
+      <p:ext uri="{BB962C8B-B14F-4D97-AF65-F5344CB8AC3E}">
+        <p14:creationId xmlns:p14="http://schemas.microsoft.com/office/powerpoint/2010/main" val="2982814642"/>
+      </p:ext>
+    </p:extLst>
+  </p:cSld>
+  <p:clrMapOvr>
+    <a:masterClrMapping/>
+  </p:clrMapOvr>
+  <p:timing>
+    <p:tnLst>
+      <p:par>
+        <p:cTn id="1" dur="indefinite" restart="never" nodeType="tmRoot"/>
+      </p:par>
+    </p:tnLst>
+  </p:timing>
+</p:sld>
+</file>
+
+<file path=ppt/slides/slide26.xml><?xml version="1.0" encoding="utf-8"?>
+<p:sld xmlns:a="http://schemas.openxmlformats.org/drawingml/2006/main" xmlns:r="http://schemas.openxmlformats.org/officeDocument/2006/relationships" xmlns:p="http://schemas.openxmlformats.org/presentationml/2006/main">
+  <p:cSld>
+    <p:spTree>
+      <p:nvGrpSpPr>
+        <p:cNvPr id="1" name=""/>
+        <p:cNvGrpSpPr/>
+        <p:nvPr/>
+      </p:nvGrpSpPr>
+      <p:grpSpPr>
+        <a:xfrm>
+          <a:off x="0" y="0"/>
+          <a:ext cx="0" cy="0"/>
+          <a:chOff x="0" y="0"/>
+          <a:chExt cx="0" cy="0"/>
+        </a:xfrm>
+      </p:grpSpPr>
+      <p:sp>
+        <p:nvSpPr>
+          <p:cNvPr id="2" name="標題 1"/>
+          <p:cNvSpPr>
+            <a:spLocks noGrp="1"/>
+          </p:cNvSpPr>
+          <p:nvPr>
+            <p:ph type="title"/>
+          </p:nvPr>
+        </p:nvSpPr>
+        <p:spPr/>
+        <p:txBody>
+          <a:bodyPr/>
+          <a:lstStyle/>
+          <a:p>
+            <a:r>
+              <a:rPr kumimoji="1" lang="en-US" altLang="zh-TW" b="1" dirty="0" smtClean="0"/>
+              <a:t>Observation</a:t>
+            </a:r>
+            <a:endParaRPr kumimoji="1" lang="zh-TW" altLang="en-US" b="1" dirty="0"/>
+          </a:p>
+        </p:txBody>
+      </p:sp>
+      <p:sp>
+        <p:nvSpPr>
+          <p:cNvPr id="3" name="內容版面配置區 2"/>
+          <p:cNvSpPr>
+            <a:spLocks noGrp="1"/>
+          </p:cNvSpPr>
+          <p:nvPr>
+            <p:ph idx="1"/>
+          </p:nvPr>
         </p:nvSpPr>
         <p:spPr>
           <a:xfrm>
-            <a:off x="0" y="6461647"/>
-            <a:ext cx="12191999" cy="400110"/>
+            <a:off x="838200" y="1825625"/>
+            <a:ext cx="10515600" cy="4235858"/>
           </a:xfrm>
-          <a:prstGeom prst="rect">
-            <a:avLst/>
-          </a:prstGeom>
-          <a:noFill/>
         </p:spPr>
         <p:txBody>
-          <a:bodyPr wrap="square" rtlCol="0">
-            <a:spAutoFit/>
+          <a:bodyPr>
+            <a:normAutofit/>
           </a:bodyPr>
           <a:lstStyle/>
           <a:p>
             <a:r>
-              <a:rPr lang="en-US" altLang="zh-TW" sz="1000" dirty="0" smtClean="0"/>
-              <a:t>[5] The </a:t>
-            </a:r>
-            <a:r>
-              <a:rPr lang="en-US" altLang="zh-TW" sz="1000" dirty="0" err="1" smtClean="0"/>
-              <a:t>Userspace</a:t>
-            </a:r>
-            <a:r>
-              <a:rPr lang="en-US" altLang="zh-TW" sz="1000" dirty="0" smtClean="0"/>
-              <a:t> I/O HOWTO </a:t>
-            </a:r>
-            <a:r>
-              <a:rPr lang="en-US" altLang="zh-TW" sz="1000" i="1" dirty="0" smtClean="0"/>
-              <a:t>URL </a:t>
-            </a:r>
-            <a:r>
-              <a:rPr lang="en-US" altLang="zh-TW" sz="1000" i="1" dirty="0">
-                <a:hlinkClick r:id="rId3"/>
-              </a:rPr>
-              <a:t>https://</a:t>
-            </a:r>
-            <a:r>
-              <a:rPr lang="en-US" altLang="zh-TW" sz="1000" i="1" dirty="0" smtClean="0">
-                <a:hlinkClick r:id="rId3"/>
-              </a:rPr>
-              <a:t>www.kernel.org/doc/html/v4.12/driver-api/uio-howto.html</a:t>
-            </a:r>
-            <a:r>
-              <a:rPr lang="en-US" altLang="zh-TW" sz="1000" i="1" dirty="0" smtClean="0"/>
-              <a:t> .</a:t>
-            </a:r>
-            <a:endParaRPr lang="en-US" altLang="zh-TW" sz="1000" dirty="0"/>
-          </a:p>
-          <a:p>
-            <a:r>
-              <a:rPr lang="en-US" altLang="zh-TW" sz="1000" dirty="0" smtClean="0"/>
-              <a:t>[7] </a:t>
-            </a:r>
-            <a:r>
-              <a:rPr lang="en-US" altLang="zh-TW" sz="1000" dirty="0"/>
-              <a:t>R. </a:t>
-            </a:r>
-            <a:r>
-              <a:rPr lang="en-US" altLang="zh-TW" sz="1000" dirty="0" err="1"/>
-              <a:t>Govindarajan</a:t>
-            </a:r>
-            <a:r>
-              <a:rPr lang="en-US" altLang="zh-TW" sz="1000" dirty="0"/>
-              <a:t>, H. Yang, J. N. </a:t>
-            </a:r>
-            <a:r>
-              <a:rPr lang="en-US" altLang="zh-TW" sz="1000" dirty="0" err="1"/>
-              <a:t>Amaral</a:t>
-            </a:r>
-            <a:r>
-              <a:rPr lang="en-US" altLang="zh-TW" sz="1000" dirty="0"/>
-              <a:t>, C. Zhang, and G. R. Gao. Minimum </a:t>
-            </a:r>
-            <a:r>
-              <a:rPr lang="en-US" altLang="zh-TW" sz="1000" dirty="0" smtClean="0"/>
-              <a:t>register </a:t>
-            </a:r>
-            <a:r>
-              <a:rPr lang="en-US" altLang="zh-TW" sz="1000" dirty="0"/>
-              <a:t>instruction sequencing to reduce register spills in out-of-order issue superscalar architectures. </a:t>
-            </a:r>
-            <a:r>
-              <a:rPr lang="en-US" altLang="zh-TW" sz="1000" i="1" dirty="0"/>
-              <a:t>IEEE Transactions on Computers</a:t>
-            </a:r>
-            <a:r>
-              <a:rPr lang="en-US" altLang="zh-TW" sz="1000" dirty="0"/>
-              <a:t>, 52(1):4–20, 2003</a:t>
-            </a:r>
-            <a:r>
-              <a:rPr lang="en-US" altLang="zh-TW" sz="1000" dirty="0" smtClean="0"/>
-              <a:t>.</a:t>
-            </a:r>
-            <a:endParaRPr lang="en-US" altLang="zh-TW" sz="1000" dirty="0"/>
+              <a:rPr kumimoji="1" lang="en-US" altLang="zh-TW" dirty="0"/>
+              <a:t>Device </a:t>
+            </a:r>
+            <a:r>
+              <a:rPr kumimoji="1" lang="en-US" altLang="zh-TW" dirty="0" smtClean="0"/>
+              <a:t>Node</a:t>
+            </a:r>
+          </a:p>
+          <a:p>
+            <a:endParaRPr kumimoji="1" lang="en-US" altLang="zh-TW" dirty="0"/>
+          </a:p>
+          <a:p>
+            <a:r>
+              <a:rPr kumimoji="1" lang="en-US" altLang="zh-TW" dirty="0" smtClean="0"/>
+              <a:t>Program</a:t>
+            </a:r>
+          </a:p>
+          <a:p>
+            <a:pPr lvl="1"/>
+            <a:r>
+              <a:rPr kumimoji="1" lang="en-US" altLang="zh-TW" dirty="0"/>
+              <a:t>User-space without </a:t>
+            </a:r>
+            <a:r>
+              <a:rPr kumimoji="1" lang="en-US" altLang="zh-TW" dirty="0" smtClean="0"/>
+              <a:t>Root</a:t>
+            </a:r>
+          </a:p>
+          <a:p>
+            <a:pPr lvl="1"/>
+            <a:r>
+              <a:rPr kumimoji="1" lang="en-US" altLang="zh-TW" dirty="0" smtClean="0"/>
+              <a:t>UIO Usage</a:t>
+            </a:r>
+          </a:p>
+          <a:p>
+            <a:pPr lvl="2"/>
+            <a:r>
+              <a:rPr kumimoji="1" lang="en-US" altLang="zh-TW" dirty="0"/>
+              <a:t>open() , </a:t>
+            </a:r>
+            <a:r>
+              <a:rPr kumimoji="1" lang="en-US" altLang="zh-TW" dirty="0" err="1"/>
+              <a:t>mmap</a:t>
+            </a:r>
+            <a:r>
+              <a:rPr kumimoji="1" lang="en-US" altLang="zh-TW" dirty="0"/>
+              <a:t>()</a:t>
+            </a:r>
+          </a:p>
+          <a:p>
+            <a:pPr lvl="2"/>
+            <a:r>
+              <a:rPr kumimoji="1" lang="en-US" altLang="zh-TW" dirty="0"/>
+              <a:t>Value Assignment</a:t>
+            </a:r>
+          </a:p>
+          <a:p>
+            <a:pPr lvl="2"/>
+            <a:endParaRPr kumimoji="1" lang="en-US" altLang="zh-TW" dirty="0"/>
+          </a:p>
+          <a:p>
+            <a:endParaRPr kumimoji="1" lang="en-US" altLang="zh-TW" dirty="0" smtClean="0"/>
+          </a:p>
+          <a:p>
+            <a:pPr marL="0" indent="0">
+              <a:buNone/>
+            </a:pPr>
+            <a:endParaRPr kumimoji="1" lang="en-US" altLang="zh-TW" dirty="0" smtClean="0"/>
+          </a:p>
+          <a:p>
+            <a:pPr marL="457200" lvl="1" indent="0">
+              <a:buNone/>
+            </a:pPr>
+            <a:endParaRPr kumimoji="1" lang="en-US" altLang="zh-TW" dirty="0" smtClean="0"/>
+          </a:p>
+          <a:p>
+            <a:pPr lvl="1"/>
+            <a:endParaRPr kumimoji="1" lang="en-US" altLang="zh-TW" dirty="0" smtClean="0"/>
+          </a:p>
+          <a:p>
+            <a:pPr marL="0" indent="0">
+              <a:buNone/>
+            </a:pPr>
+            <a:endParaRPr kumimoji="1" lang="en-US" altLang="zh-TW" dirty="0" smtClean="0"/>
+          </a:p>
+          <a:p>
+            <a:pPr lvl="1"/>
+            <a:endParaRPr kumimoji="1" lang="zh-TW" altLang="en-US" dirty="0"/>
+          </a:p>
+        </p:txBody>
+      </p:sp>
+      <p:sp>
+        <p:nvSpPr>
+          <p:cNvPr id="4" name="投影片編號版面配置區 3"/>
+          <p:cNvSpPr>
+            <a:spLocks noGrp="1"/>
+          </p:cNvSpPr>
+          <p:nvPr>
+            <p:ph type="sldNum" sz="quarter" idx="12"/>
+          </p:nvPr>
+        </p:nvSpPr>
+        <p:spPr/>
+        <p:txBody>
+          <a:bodyPr/>
+          <a:lstStyle/>
+          <a:p>
+            <a:fld id="{1C660728-6CE8-F247-B4E1-3C95F3EADF7A}" type="slidenum">
+              <a:rPr kumimoji="1" lang="zh-TW" altLang="en-US" smtClean="0"/>
+              <a:t>26</a:t>
+            </a:fld>
+            <a:endParaRPr kumimoji="1" lang="zh-TW" altLang="en-US"/>
           </a:p>
         </p:txBody>
       </p:sp>
@@ -15106,7 +14613,7 @@
           <p:nvPr/>
         </p:nvPicPr>
         <p:blipFill>
-          <a:blip r:embed="rId4">
+          <a:blip r:embed="rId3">
             <a:extLst>
               <a:ext uri="{28A0092B-C50C-407E-A947-70E740481C1C}">
                 <a14:useLocalDpi xmlns:a14="http://schemas.microsoft.com/office/drawing/2010/main" val="0"/>
@@ -15147,7 +14654,7 @@
 </p:sld>
 </file>
 
-<file path=ppt/slides/slide26.xml><?xml version="1.0" encoding="utf-8"?>
+<file path=ppt/slides/slide27.xml><?xml version="1.0" encoding="utf-8"?>
 <p:sld xmlns:a="http://schemas.openxmlformats.org/drawingml/2006/main" xmlns:r="http://schemas.openxmlformats.org/officeDocument/2006/relationships" xmlns:p="http://schemas.openxmlformats.org/presentationml/2006/main">
   <p:cSld>
     <p:spTree>
@@ -15276,114 +14783,9 @@
           <a:p>
             <a:fld id="{1C660728-6CE8-F247-B4E1-3C95F3EADF7A}" type="slidenum">
               <a:rPr kumimoji="1" lang="zh-TW" altLang="en-US" smtClean="0"/>
-              <a:t>26</a:t>
+              <a:t>27</a:t>
             </a:fld>
             <a:endParaRPr kumimoji="1" lang="zh-TW" altLang="en-US"/>
-          </a:p>
-        </p:txBody>
-      </p:sp>
-      <p:sp>
-        <p:nvSpPr>
-          <p:cNvPr id="5" name="文字方塊 4"/>
-          <p:cNvSpPr txBox="1"/>
-          <p:nvPr/>
-        </p:nvSpPr>
-        <p:spPr>
-          <a:xfrm>
-            <a:off x="0" y="6461647"/>
-            <a:ext cx="12191999" cy="400110"/>
-          </a:xfrm>
-          <a:prstGeom prst="rect">
-            <a:avLst/>
-          </a:prstGeom>
-          <a:noFill/>
-        </p:spPr>
-        <p:txBody>
-          <a:bodyPr wrap="square" rtlCol="0">
-            <a:spAutoFit/>
-          </a:bodyPr>
-          <a:lstStyle/>
-          <a:p>
-            <a:r>
-              <a:rPr lang="en-US" altLang="zh-TW" sz="1000" dirty="0" smtClean="0"/>
-              <a:t>[5] The </a:t>
-            </a:r>
-            <a:r>
-              <a:rPr lang="en-US" altLang="zh-TW" sz="1000" dirty="0" err="1" smtClean="0"/>
-              <a:t>Userspace</a:t>
-            </a:r>
-            <a:r>
-              <a:rPr lang="en-US" altLang="zh-TW" sz="1000" dirty="0" smtClean="0"/>
-              <a:t> I/O HOWTO </a:t>
-            </a:r>
-            <a:r>
-              <a:rPr lang="en-US" altLang="zh-TW" sz="1000" i="1" dirty="0" smtClean="0"/>
-              <a:t>URL </a:t>
-            </a:r>
-            <a:r>
-              <a:rPr lang="en-US" altLang="zh-TW" sz="1000" i="1" dirty="0">
-                <a:hlinkClick r:id="rId3"/>
-              </a:rPr>
-              <a:t>https://</a:t>
-            </a:r>
-            <a:r>
-              <a:rPr lang="en-US" altLang="zh-TW" sz="1000" i="1" dirty="0" smtClean="0">
-                <a:hlinkClick r:id="rId3"/>
-              </a:rPr>
-              <a:t>www.kernel.org/doc/html/v4.12/driver-api/uio-howto.html</a:t>
-            </a:r>
-            <a:r>
-              <a:rPr lang="en-US" altLang="zh-TW" sz="1000" i="1" dirty="0" smtClean="0"/>
-              <a:t> .</a:t>
-            </a:r>
-            <a:endParaRPr lang="en-US" altLang="zh-TW" sz="1000" dirty="0"/>
-          </a:p>
-          <a:p>
-            <a:r>
-              <a:rPr lang="en-US" altLang="zh-TW" sz="1000" dirty="0" smtClean="0"/>
-              <a:t>[7] </a:t>
-            </a:r>
-            <a:r>
-              <a:rPr lang="en-US" altLang="zh-TW" sz="1000" dirty="0"/>
-              <a:t>R. </a:t>
-            </a:r>
-            <a:r>
-              <a:rPr lang="en-US" altLang="zh-TW" sz="1000" dirty="0" err="1"/>
-              <a:t>Govindarajan</a:t>
-            </a:r>
-            <a:r>
-              <a:rPr lang="en-US" altLang="zh-TW" sz="1000" dirty="0"/>
-              <a:t>, H. Yang, J. N. </a:t>
-            </a:r>
-            <a:r>
-              <a:rPr lang="en-US" altLang="zh-TW" sz="1000" dirty="0" err="1"/>
-              <a:t>Amaral</a:t>
-            </a:r>
-            <a:r>
-              <a:rPr lang="en-US" altLang="zh-TW" sz="1000" dirty="0"/>
-              <a:t>, C. Zhang, and G. R. Gao. Minimum </a:t>
-            </a:r>
-            <a:r>
-              <a:rPr lang="en-US" altLang="zh-TW" sz="1000" dirty="0" smtClean="0"/>
-              <a:t>register </a:t>
-            </a:r>
-            <a:r>
-              <a:rPr lang="en-US" altLang="zh-TW" sz="1000" dirty="0"/>
-              <a:t>instruction sequencing to reduce register spills in out-of-order issue superscalar architectures. </a:t>
-            </a:r>
-            <a:r>
-              <a:rPr lang="en-US" altLang="zh-TW" sz="1000" i="1" dirty="0"/>
-              <a:t>IEEE Transactions on Computers</a:t>
-            </a:r>
-            <a:r>
-              <a:rPr lang="en-US" altLang="zh-TW" sz="1000" dirty="0"/>
-              <a:t>, 52(1):4–20, 2003</a:t>
-            </a:r>
-            <a:r>
-              <a:rPr lang="en-US" altLang="zh-TW" sz="1000" dirty="0" smtClean="0"/>
-              <a:t>.</a:t>
-            </a:r>
-            <a:endParaRPr lang="en-US" altLang="zh-TW" sz="1000" dirty="0"/>
           </a:p>
         </p:txBody>
       </p:sp>
@@ -15396,7 +14798,7 @@
           <p:nvPr/>
         </p:nvPicPr>
         <p:blipFill>
-          <a:blip r:embed="rId4">
+          <a:blip r:embed="rId3">
             <a:extLst>
               <a:ext uri="{28A0092B-C50C-407E-A947-70E740481C1C}">
                 <a14:useLocalDpi xmlns:a14="http://schemas.microsoft.com/office/drawing/2010/main" val="0"/>
@@ -15426,7 +14828,7 @@
           <p:nvPr/>
         </p:nvPicPr>
         <p:blipFill>
-          <a:blip r:embed="rId5">
+          <a:blip r:embed="rId4">
             <a:extLst>
               <a:ext uri="{28A0092B-C50C-407E-A947-70E740481C1C}">
                 <a14:useLocalDpi xmlns:a14="http://schemas.microsoft.com/office/drawing/2010/main" val="0"/>
@@ -15907,7 +15309,7 @@
                             </p:stCondLst>
                             <p:childTnLst>
                               <p:par>
-                                <p:cTn id="25" presetID="1" presetClass="entr" presetSubtype="0" fill="hold" grpId="0" nodeType="clickEffect">
+                                <p:cTn id="25" presetID="1" presetClass="entr" presetSubtype="0" fill="hold" nodeType="clickEffect">
                                   <p:stCondLst>
                                     <p:cond delay="0"/>
                                   </p:stCondLst>
@@ -15920,7 +15322,7 @@
                                           </p:stCondLst>
                                         </p:cTn>
                                         <p:tgtEl>
-                                          <p:spTgt spid="10"/>
+                                          <p:spTgt spid="6"/>
                                         </p:tgtEl>
                                         <p:attrNameLst>
                                           <p:attrName>style.visibility</p:attrName>
@@ -15965,7 +15367,7 @@
                                           </p:stCondLst>
                                         </p:cTn>
                                         <p:tgtEl>
-                                          <p:spTgt spid="13"/>
+                                          <p:spTgt spid="10"/>
                                         </p:tgtEl>
                                         <p:attrNameLst>
                                           <p:attrName>style.visibility</p:attrName>
@@ -16010,7 +15412,7 @@
                                           </p:stCondLst>
                                         </p:cTn>
                                         <p:tgtEl>
-                                          <p:spTgt spid="8"/>
+                                          <p:spTgt spid="13"/>
                                         </p:tgtEl>
                                         <p:attrNameLst>
                                           <p:attrName>style.visibility</p:attrName>
@@ -16050,6 +15452,51 @@
                                     <p:set>
                                       <p:cBhvr>
                                         <p:cTn id="38" dur="1" fill="hold">
+                                          <p:stCondLst>
+                                            <p:cond delay="0"/>
+                                          </p:stCondLst>
+                                        </p:cTn>
+                                        <p:tgtEl>
+                                          <p:spTgt spid="8"/>
+                                        </p:tgtEl>
+                                        <p:attrNameLst>
+                                          <p:attrName>style.visibility</p:attrName>
+                                        </p:attrNameLst>
+                                      </p:cBhvr>
+                                      <p:to>
+                                        <p:strVal val="visible"/>
+                                      </p:to>
+                                    </p:set>
+                                  </p:childTnLst>
+                                </p:cTn>
+                              </p:par>
+                            </p:childTnLst>
+                          </p:cTn>
+                        </p:par>
+                      </p:childTnLst>
+                    </p:cTn>
+                  </p:par>
+                  <p:par>
+                    <p:cTn id="39" fill="hold">
+                      <p:stCondLst>
+                        <p:cond delay="indefinite"/>
+                      </p:stCondLst>
+                      <p:childTnLst>
+                        <p:par>
+                          <p:cTn id="40" fill="hold">
+                            <p:stCondLst>
+                              <p:cond delay="0"/>
+                            </p:stCondLst>
+                            <p:childTnLst>
+                              <p:par>
+                                <p:cTn id="41" presetID="1" presetClass="entr" presetSubtype="0" fill="hold" grpId="0" nodeType="clickEffect">
+                                  <p:stCondLst>
+                                    <p:cond delay="0"/>
+                                  </p:stCondLst>
+                                  <p:childTnLst>
+                                    <p:set>
+                                      <p:cBhvr>
+                                        <p:cTn id="42" dur="1" fill="hold">
                                           <p:stCondLst>
                                             <p:cond delay="0"/>
                                           </p:stCondLst>
@@ -16105,7 +15552,7 @@
 </p:sld>
 </file>
 
-<file path=ppt/slides/slide27.xml><?xml version="1.0" encoding="utf-8"?>
+<file path=ppt/slides/slide28.xml><?xml version="1.0" encoding="utf-8"?>
 <p:sld xmlns:a="http://schemas.openxmlformats.org/drawingml/2006/main" xmlns:r="http://schemas.openxmlformats.org/officeDocument/2006/relationships" xmlns:p="http://schemas.openxmlformats.org/presentationml/2006/main">
   <p:cSld>
     <p:spTree>
@@ -16183,17 +15630,8 @@
             <a:pPr lvl="2"/>
             <a:r>
               <a:rPr kumimoji="1" lang="en-US" altLang="zh-TW" dirty="0" smtClean="0"/>
-              <a:t>Control </a:t>
-            </a:r>
-            <a:r>
-              <a:rPr kumimoji="1" lang="en-US" altLang="zh-TW" dirty="0" smtClean="0"/>
-              <a:t>the DMA </a:t>
-            </a:r>
-            <a:r>
-              <a:rPr kumimoji="1" lang="en-US" altLang="zh-TW" dirty="0" smtClean="0"/>
-              <a:t>Controller directly</a:t>
-            </a:r>
-            <a:endParaRPr kumimoji="1" lang="en-US" altLang="zh-TW" dirty="0" smtClean="0"/>
+              <a:t>Control the DMA Controller directly</a:t>
+            </a:r>
           </a:p>
           <a:p>
             <a:pPr lvl="2"/>
@@ -16246,114 +15684,9 @@
           <a:p>
             <a:fld id="{1C660728-6CE8-F247-B4E1-3C95F3EADF7A}" type="slidenum">
               <a:rPr kumimoji="1" lang="zh-TW" altLang="en-US" smtClean="0"/>
-              <a:t>27</a:t>
+              <a:t>28</a:t>
             </a:fld>
             <a:endParaRPr kumimoji="1" lang="zh-TW" altLang="en-US"/>
-          </a:p>
-        </p:txBody>
-      </p:sp>
-      <p:sp>
-        <p:nvSpPr>
-          <p:cNvPr id="5" name="文字方塊 4"/>
-          <p:cNvSpPr txBox="1"/>
-          <p:nvPr/>
-        </p:nvSpPr>
-        <p:spPr>
-          <a:xfrm>
-            <a:off x="0" y="6461647"/>
-            <a:ext cx="12191999" cy="400110"/>
-          </a:xfrm>
-          <a:prstGeom prst="rect">
-            <a:avLst/>
-          </a:prstGeom>
-          <a:noFill/>
-        </p:spPr>
-        <p:txBody>
-          <a:bodyPr wrap="square" rtlCol="0">
-            <a:spAutoFit/>
-          </a:bodyPr>
-          <a:lstStyle/>
-          <a:p>
-            <a:r>
-              <a:rPr lang="en-US" altLang="zh-TW" sz="1000" dirty="0" smtClean="0"/>
-              <a:t>[5] The </a:t>
-            </a:r>
-            <a:r>
-              <a:rPr lang="en-US" altLang="zh-TW" sz="1000" dirty="0" err="1" smtClean="0"/>
-              <a:t>Userspace</a:t>
-            </a:r>
-            <a:r>
-              <a:rPr lang="en-US" altLang="zh-TW" sz="1000" dirty="0" smtClean="0"/>
-              <a:t> I/O HOWTO </a:t>
-            </a:r>
-            <a:r>
-              <a:rPr lang="en-US" altLang="zh-TW" sz="1000" i="1" dirty="0" smtClean="0"/>
-              <a:t>URL </a:t>
-            </a:r>
-            <a:r>
-              <a:rPr lang="en-US" altLang="zh-TW" sz="1000" i="1" dirty="0">
-                <a:hlinkClick r:id="rId3"/>
-              </a:rPr>
-              <a:t>https://</a:t>
-            </a:r>
-            <a:r>
-              <a:rPr lang="en-US" altLang="zh-TW" sz="1000" i="1" dirty="0" smtClean="0">
-                <a:hlinkClick r:id="rId3"/>
-              </a:rPr>
-              <a:t>www.kernel.org/doc/html/v4.12/driver-api/uio-howto.html</a:t>
-            </a:r>
-            <a:r>
-              <a:rPr lang="en-US" altLang="zh-TW" sz="1000" i="1" dirty="0" smtClean="0"/>
-              <a:t> .</a:t>
-            </a:r>
-            <a:endParaRPr lang="en-US" altLang="zh-TW" sz="1000" dirty="0"/>
-          </a:p>
-          <a:p>
-            <a:r>
-              <a:rPr lang="en-US" altLang="zh-TW" sz="1000" dirty="0" smtClean="0"/>
-              <a:t>[7] </a:t>
-            </a:r>
-            <a:r>
-              <a:rPr lang="en-US" altLang="zh-TW" sz="1000" dirty="0"/>
-              <a:t>R. </a:t>
-            </a:r>
-            <a:r>
-              <a:rPr lang="en-US" altLang="zh-TW" sz="1000" dirty="0" err="1"/>
-              <a:t>Govindarajan</a:t>
-            </a:r>
-            <a:r>
-              <a:rPr lang="en-US" altLang="zh-TW" sz="1000" dirty="0"/>
-              <a:t>, H. Yang, J. N. </a:t>
-            </a:r>
-            <a:r>
-              <a:rPr lang="en-US" altLang="zh-TW" sz="1000" dirty="0" err="1"/>
-              <a:t>Amaral</a:t>
-            </a:r>
-            <a:r>
-              <a:rPr lang="en-US" altLang="zh-TW" sz="1000" dirty="0"/>
-              <a:t>, C. Zhang, and G. R. Gao. Minimum </a:t>
-            </a:r>
-            <a:r>
-              <a:rPr lang="en-US" altLang="zh-TW" sz="1000" dirty="0" smtClean="0"/>
-              <a:t>register </a:t>
-            </a:r>
-            <a:r>
-              <a:rPr lang="en-US" altLang="zh-TW" sz="1000" dirty="0"/>
-              <a:t>instruction sequencing to reduce register spills in out-of-order issue superscalar architectures. </a:t>
-            </a:r>
-            <a:r>
-              <a:rPr lang="en-US" altLang="zh-TW" sz="1000" i="1" dirty="0"/>
-              <a:t>IEEE Transactions on Computers</a:t>
-            </a:r>
-            <a:r>
-              <a:rPr lang="en-US" altLang="zh-TW" sz="1000" dirty="0"/>
-              <a:t>, 52(1):4–20, 2003</a:t>
-            </a:r>
-            <a:r>
-              <a:rPr lang="en-US" altLang="zh-TW" sz="1000" dirty="0" smtClean="0"/>
-              <a:t>.</a:t>
-            </a:r>
-            <a:endParaRPr lang="en-US" altLang="zh-TW" sz="1000" dirty="0"/>
           </a:p>
         </p:txBody>
       </p:sp>
@@ -16366,7 +15699,7 @@
           <p:nvPr/>
         </p:nvPicPr>
         <p:blipFill>
-          <a:blip r:embed="rId4">
+          <a:blip r:embed="rId3">
             <a:extLst>
               <a:ext uri="{28A0092B-C50C-407E-A947-70E740481C1C}">
                 <a14:useLocalDpi xmlns:a14="http://schemas.microsoft.com/office/drawing/2010/main" val="0"/>
@@ -16396,7 +15729,7 @@
           <p:nvPr/>
         </p:nvPicPr>
         <p:blipFill>
-          <a:blip r:embed="rId5">
+          <a:blip r:embed="rId4">
             <a:extLst>
               <a:ext uri="{28A0092B-C50C-407E-A947-70E740481C1C}">
                 <a14:useLocalDpi xmlns:a14="http://schemas.microsoft.com/office/drawing/2010/main" val="0"/>
@@ -16417,6 +15750,63 @@
           </a:prstGeom>
         </p:spPr>
       </p:pic>
+      <p:sp>
+        <p:nvSpPr>
+          <p:cNvPr id="9" name="矩形 8"/>
+          <p:cNvSpPr/>
+          <p:nvPr/>
+        </p:nvSpPr>
+        <p:spPr>
+          <a:xfrm>
+            <a:off x="6467723" y="5067300"/>
+            <a:ext cx="4066927" cy="234648"/>
+          </a:xfrm>
+          <a:prstGeom prst="rect">
+            <a:avLst/>
+          </a:prstGeom>
+          <a:solidFill>
+            <a:schemeClr val="bg1"/>
+          </a:solidFill>
+          <a:ln>
+            <a:solidFill>
+              <a:schemeClr val="bg1"/>
+            </a:solidFill>
+          </a:ln>
+        </p:spPr>
+        <p:style>
+          <a:lnRef idx="2">
+            <a:schemeClr val="accent1">
+              <a:shade val="50000"/>
+            </a:schemeClr>
+          </a:lnRef>
+          <a:fillRef idx="1">
+            <a:schemeClr val="accent1"/>
+          </a:fillRef>
+          <a:effectRef idx="0">
+            <a:schemeClr val="accent1"/>
+          </a:effectRef>
+          <a:fontRef idx="minor">
+            <a:schemeClr val="lt1"/>
+          </a:fontRef>
+        </p:style>
+        <p:txBody>
+          <a:bodyPr rtlCol="0" anchor="ctr"/>
+          <a:lstStyle/>
+          <a:p>
+            <a:pPr algn="ctr"/>
+            <a:endParaRPr lang="zh-TW" altLang="en-US">
+              <a:ln>
+                <a:solidFill>
+                  <a:schemeClr val="bg1"/>
+                </a:solidFill>
+              </a:ln>
+              <a:solidFill>
+                <a:schemeClr val="bg1"/>
+              </a:solidFill>
+            </a:endParaRPr>
+          </a:p>
+        </p:txBody>
+      </p:sp>
     </p:spTree>
     <p:extLst>
       <p:ext uri="{BB962C8B-B14F-4D97-AF65-F5344CB8AC3E}">
@@ -16676,6 +16066,149 @@
                       </p:childTnLst>
                     </p:cTn>
                   </p:par>
+                  <p:par>
+                    <p:cTn id="23" fill="hold">
+                      <p:stCondLst>
+                        <p:cond delay="indefinite"/>
+                      </p:stCondLst>
+                      <p:childTnLst>
+                        <p:par>
+                          <p:cTn id="24" fill="hold">
+                            <p:stCondLst>
+                              <p:cond delay="0"/>
+                            </p:stCondLst>
+                            <p:childTnLst>
+                              <p:par>
+                                <p:cTn id="25" presetID="1" presetClass="entr" presetSubtype="0" fill="hold" nodeType="clickEffect">
+                                  <p:stCondLst>
+                                    <p:cond delay="0"/>
+                                  </p:stCondLst>
+                                  <p:childTnLst>
+                                    <p:set>
+                                      <p:cBhvr>
+                                        <p:cTn id="26" dur="1" fill="hold">
+                                          <p:stCondLst>
+                                            <p:cond delay="0"/>
+                                          </p:stCondLst>
+                                        </p:cTn>
+                                        <p:tgtEl>
+                                          <p:spTgt spid="7"/>
+                                        </p:tgtEl>
+                                        <p:attrNameLst>
+                                          <p:attrName>style.visibility</p:attrName>
+                                        </p:attrNameLst>
+                                      </p:cBhvr>
+                                      <p:to>
+                                        <p:strVal val="visible"/>
+                                      </p:to>
+                                    </p:set>
+                                  </p:childTnLst>
+                                </p:cTn>
+                              </p:par>
+                            </p:childTnLst>
+                          </p:cTn>
+                        </p:par>
+                      </p:childTnLst>
+                    </p:cTn>
+                  </p:par>
+                  <p:par>
+                    <p:cTn id="27" fill="hold">
+                      <p:stCondLst>
+                        <p:cond delay="indefinite"/>
+                      </p:stCondLst>
+                      <p:childTnLst>
+                        <p:par>
+                          <p:cTn id="28" fill="hold">
+                            <p:stCondLst>
+                              <p:cond delay="0"/>
+                            </p:stCondLst>
+                            <p:childTnLst>
+                              <p:par>
+                                <p:cTn id="29" presetID="1" presetClass="entr" presetSubtype="0" fill="hold" nodeType="clickEffect">
+                                  <p:stCondLst>
+                                    <p:cond delay="0"/>
+                                  </p:stCondLst>
+                                  <p:childTnLst>
+                                    <p:set>
+                                      <p:cBhvr>
+                                        <p:cTn id="30" dur="1" fill="hold">
+                                          <p:stCondLst>
+                                            <p:cond delay="0"/>
+                                          </p:stCondLst>
+                                        </p:cTn>
+                                        <p:tgtEl>
+                                          <p:spTgt spid="3">
+                                            <p:txEl>
+                                              <p:pRg st="5" end="5"/>
+                                            </p:txEl>
+                                          </p:spTgt>
+                                        </p:tgtEl>
+                                        <p:attrNameLst>
+                                          <p:attrName>style.visibility</p:attrName>
+                                        </p:attrNameLst>
+                                      </p:cBhvr>
+                                      <p:to>
+                                        <p:strVal val="visible"/>
+                                      </p:to>
+                                    </p:set>
+                                  </p:childTnLst>
+                                </p:cTn>
+                              </p:par>
+                            </p:childTnLst>
+                          </p:cTn>
+                        </p:par>
+                      </p:childTnLst>
+                    </p:cTn>
+                  </p:par>
+                  <p:par>
+                    <p:cTn id="31" fill="hold">
+                      <p:stCondLst>
+                        <p:cond delay="indefinite"/>
+                      </p:stCondLst>
+                      <p:childTnLst>
+                        <p:par>
+                          <p:cTn id="32" fill="hold">
+                            <p:stCondLst>
+                              <p:cond delay="0"/>
+                            </p:stCondLst>
+                            <p:childTnLst>
+                              <p:par>
+                                <p:cTn id="33" presetID="1" presetClass="entr" presetSubtype="0" fill="hold" nodeType="clickEffect">
+                                  <p:stCondLst>
+                                    <p:cond delay="0"/>
+                                  </p:stCondLst>
+                                  <p:childTnLst>
+                                    <p:set>
+                                      <p:cBhvr>
+                                        <p:cTn id="34" dur="1" fill="hold">
+                                          <p:stCondLst>
+                                            <p:cond delay="0"/>
+                                          </p:stCondLst>
+                                        </p:cTn>
+                                        <p:tgtEl>
+                                          <p:spTgt spid="3">
+                                            <p:txEl>
+                                              <p:pRg st="6" end="6"/>
+                                            </p:txEl>
+                                          </p:spTgt>
+                                        </p:tgtEl>
+                                        <p:attrNameLst>
+                                          <p:attrName>style.visibility</p:attrName>
+                                        </p:attrNameLst>
+                                      </p:cBhvr>
+                                      <p:to>
+                                        <p:strVal val="visible"/>
+                                      </p:to>
+                                    </p:set>
+                                  </p:childTnLst>
+                                </p:cTn>
+                              </p:par>
+                            </p:childTnLst>
+                          </p:cTn>
+                        </p:par>
+                      </p:childTnLst>
+                    </p:cTn>
+                  </p:par>
                 </p:childTnLst>
               </p:cTn>
               <p:prevCondLst>
@@ -16701,7 +16234,7 @@
 </p:sld>
 </file>
 
-<file path=ppt/slides/slide28.xml><?xml version="1.0" encoding="utf-8"?>
+<file path=ppt/slides/slide29.xml><?xml version="1.0" encoding="utf-8"?>
 <p:sld xmlns:a="http://schemas.openxmlformats.org/drawingml/2006/main" xmlns:r="http://schemas.openxmlformats.org/officeDocument/2006/relationships" xmlns:p="http://schemas.openxmlformats.org/presentationml/2006/main">
   <p:cSld>
     <p:spTree>
@@ -16773,8 +16306,9 @@
             </a:r>
             <a:r>
               <a:rPr kumimoji="1" lang="en-US" altLang="zh-TW" dirty="0" smtClean="0"/>
-              <a:t>DMA</a:t>
-            </a:r>
+              <a:t>DMA[5]</a:t>
+            </a:r>
+            <a:endParaRPr kumimoji="1" lang="en-US" altLang="zh-TW" dirty="0" smtClean="0"/>
           </a:p>
           <a:p>
             <a:pPr lvl="1"/>
@@ -16841,7 +16375,7 @@
           <a:p>
             <a:fld id="{1C660728-6CE8-F247-B4E1-3C95F3EADF7A}" type="slidenum">
               <a:rPr kumimoji="1" lang="zh-TW" altLang="en-US" smtClean="0"/>
-              <a:t>28</a:t>
+              <a:t>29</a:t>
             </a:fld>
             <a:endParaRPr kumimoji="1" lang="zh-TW" altLang="en-US"/>
           </a:p>
@@ -16871,83 +16405,29 @@
           <a:p>
             <a:r>
               <a:rPr lang="en-US" altLang="zh-TW" sz="1000" dirty="0" smtClean="0"/>
-              <a:t>[5] The </a:t>
-            </a:r>
-            <a:r>
-              <a:rPr lang="en-US" altLang="zh-TW" sz="1000" dirty="0" err="1" smtClean="0"/>
-              <a:t>Userspace</a:t>
-            </a:r>
-            <a:r>
-              <a:rPr lang="en-US" altLang="zh-TW" sz="1000" dirty="0" smtClean="0"/>
-              <a:t> I/O HOWTO </a:t>
+              <a:t>[5] AXI DMA </a:t>
             </a:r>
             <a:r>
               <a:rPr lang="en-US" altLang="zh-TW" sz="1000" i="1" dirty="0" smtClean="0"/>
               <a:t>URL </a:t>
-            </a:r>
-            <a:r>
-              <a:rPr lang="en-US" altLang="zh-TW" sz="1000" i="1" dirty="0">
-                <a:hlinkClick r:id="rId3"/>
-              </a:rPr>
-              <a:t>https://</a:t>
             </a:r>
             <a:r>
               <a:rPr lang="en-US" altLang="zh-TW" sz="1000" i="1" dirty="0" smtClean="0">
                 <a:hlinkClick r:id="rId3"/>
               </a:rPr>
-              <a:t>www.kernel.org/doc/html/v4.12/driver-api/uio-howto.html</a:t>
+              <a:t>https://www.xilinx.com/support/documentation/ip_documentation/axi_dma/v7_1/pg021_axi_dma.pdf</a:t>
             </a:r>
             <a:r>
               <a:rPr lang="en-US" altLang="zh-TW" sz="1000" i="1" dirty="0" smtClean="0"/>
-              <a:t> .</a:t>
+              <a:t> </a:t>
+            </a:r>
+            <a:r>
+              <a:rPr lang="en-US" altLang="zh-TW" sz="1000" i="1" dirty="0" smtClean="0"/>
+              <a:t>.</a:t>
             </a:r>
             <a:endParaRPr lang="en-US" altLang="zh-TW" sz="1000" dirty="0"/>
           </a:p>
           <a:p>
-            <a:r>
-              <a:rPr lang="en-US" altLang="zh-TW" sz="1000" dirty="0" smtClean="0"/>
-              <a:t>[7] </a:t>
-            </a:r>
-            <a:r>
-              <a:rPr lang="en-US" altLang="zh-TW" sz="1000" dirty="0"/>
-              <a:t>R. </a:t>
-            </a:r>
-            <a:r>
-              <a:rPr lang="en-US" altLang="zh-TW" sz="1000" dirty="0" err="1"/>
-              <a:t>Govindarajan</a:t>
-            </a:r>
-            <a:r>
-              <a:rPr lang="en-US" altLang="zh-TW" sz="1000" dirty="0"/>
-              <a:t>, H. Yang, J. N. </a:t>
-            </a:r>
-            <a:r>
-              <a:rPr lang="en-US" altLang="zh-TW" sz="1000" dirty="0" err="1"/>
-              <a:t>Amaral</a:t>
-            </a:r>
-            <a:r>
-              <a:rPr lang="en-US" altLang="zh-TW" sz="1000" dirty="0"/>
-              <a:t>, C. Zhang, and G. R. Gao. Minimum </a:t>
-            </a:r>
-            <a:r>
-              <a:rPr lang="en-US" altLang="zh-TW" sz="1000" dirty="0" smtClean="0"/>
-              <a:t>register </a:t>
-            </a:r>
-            <a:r>
-              <a:rPr lang="en-US" altLang="zh-TW" sz="1000" dirty="0"/>
-              <a:t>instruction sequencing to reduce register spills in out-of-order issue superscalar architectures. </a:t>
-            </a:r>
-            <a:r>
-              <a:rPr lang="en-US" altLang="zh-TW" sz="1000" i="1" dirty="0"/>
-              <a:t>IEEE Transactions on Computers</a:t>
-            </a:r>
-            <a:r>
-              <a:rPr lang="en-US" altLang="zh-TW" sz="1000" dirty="0"/>
-              <a:t>, 52(1):4–20, 2003</a:t>
-            </a:r>
-            <a:r>
-              <a:rPr lang="en-US" altLang="zh-TW" sz="1000" dirty="0" smtClean="0"/>
-              <a:t>.</a:t>
-            </a:r>
             <a:endParaRPr lang="en-US" altLang="zh-TW" sz="1000" dirty="0"/>
           </a:p>
         </p:txBody>
@@ -17240,7 +16720,7 @@
 </p:sld>
 </file>
 
-<file path=ppt/slides/slide29.xml><?xml version="1.0" encoding="utf-8"?>
+<file path=ppt/slides/slide3.xml><?xml version="1.0" encoding="utf-8"?>
 <p:sld xmlns:a="http://schemas.openxmlformats.org/drawingml/2006/main" xmlns:r="http://schemas.openxmlformats.org/officeDocument/2006/relationships" xmlns:p="http://schemas.openxmlformats.org/presentationml/2006/main">
   <p:cSld>
     <p:spTree>
@@ -17273,6 +16753,166 @@
           <a:lstStyle/>
           <a:p>
             <a:r>
+              <a:rPr kumimoji="1" lang="en-US" altLang="zh-TW" b="1" dirty="0" smtClean="0"/>
+              <a:t>Outline</a:t>
+            </a:r>
+            <a:endParaRPr kumimoji="1" lang="zh-TW" altLang="en-US" b="1" dirty="0"/>
+          </a:p>
+        </p:txBody>
+      </p:sp>
+      <p:sp>
+        <p:nvSpPr>
+          <p:cNvPr id="3" name="內容版面配置區 2"/>
+          <p:cNvSpPr>
+            <a:spLocks noGrp="1"/>
+          </p:cNvSpPr>
+          <p:nvPr>
+            <p:ph idx="1"/>
+          </p:nvPr>
+        </p:nvSpPr>
+        <p:spPr/>
+        <p:txBody>
+          <a:bodyPr/>
+          <a:lstStyle/>
+          <a:p>
+            <a:r>
+              <a:rPr kumimoji="1" lang="en-US" altLang="zh-TW" dirty="0" smtClean="0">
+                <a:solidFill>
+                  <a:srgbClr val="FF0000"/>
+                </a:solidFill>
+              </a:rPr>
+              <a:t>Introduction</a:t>
+            </a:r>
+          </a:p>
+          <a:p>
+            <a:r>
+              <a:rPr kumimoji="1" lang="en-US" altLang="zh-TW" dirty="0" smtClean="0"/>
+              <a:t>Linux on FPGA</a:t>
+            </a:r>
+          </a:p>
+          <a:p>
+            <a:r>
+              <a:rPr kumimoji="1" lang="en-US" altLang="zh-TW" dirty="0" smtClean="0"/>
+              <a:t>UIO Driver</a:t>
+            </a:r>
+          </a:p>
+          <a:p>
+            <a:r>
+              <a:rPr kumimoji="1" lang="en-US" altLang="zh-TW" dirty="0" smtClean="0"/>
+              <a:t>Custom IP and DMA</a:t>
+            </a:r>
+          </a:p>
+          <a:p>
+            <a:r>
+              <a:rPr kumimoji="1" lang="en-US" altLang="zh-TW" dirty="0" smtClean="0"/>
+              <a:t>Linux UIO Driver for AXI DMA</a:t>
+            </a:r>
+          </a:p>
+          <a:p>
+            <a:r>
+              <a:rPr kumimoji="1" lang="en-US" altLang="zh-TW" dirty="0" smtClean="0"/>
+              <a:t>Experimental Results</a:t>
+            </a:r>
+          </a:p>
+          <a:p>
+            <a:r>
+              <a:rPr kumimoji="1" lang="en-US" altLang="zh-TW" dirty="0" smtClean="0"/>
+              <a:t>Conclusion</a:t>
+            </a:r>
+          </a:p>
+          <a:p>
+            <a:endParaRPr kumimoji="1" lang="en-US" altLang="zh-TW" dirty="0" smtClean="0"/>
+          </a:p>
+          <a:p>
+            <a:endParaRPr kumimoji="1" lang="en-US" altLang="zh-TW" dirty="0" smtClean="0"/>
+          </a:p>
+          <a:p>
+            <a:endParaRPr kumimoji="1" lang="en-US" altLang="zh-TW" dirty="0" smtClean="0"/>
+          </a:p>
+          <a:p>
+            <a:endParaRPr kumimoji="1" lang="en-US" altLang="zh-TW" dirty="0" smtClean="0"/>
+          </a:p>
+          <a:p>
+            <a:endParaRPr kumimoji="1" lang="zh-TW" altLang="en-US" dirty="0"/>
+          </a:p>
+        </p:txBody>
+      </p:sp>
+      <p:sp>
+        <p:nvSpPr>
+          <p:cNvPr id="4" name="投影片編號版面配置區 3"/>
+          <p:cNvSpPr>
+            <a:spLocks noGrp="1"/>
+          </p:cNvSpPr>
+          <p:nvPr>
+            <p:ph type="sldNum" sz="quarter" idx="12"/>
+          </p:nvPr>
+        </p:nvSpPr>
+        <p:spPr/>
+        <p:txBody>
+          <a:bodyPr/>
+          <a:lstStyle/>
+          <a:p>
+            <a:fld id="{1C660728-6CE8-F247-B4E1-3C95F3EADF7A}" type="slidenum">
+              <a:rPr kumimoji="1" lang="zh-TW" altLang="en-US" smtClean="0"/>
+              <a:t>3</a:t>
+            </a:fld>
+            <a:endParaRPr kumimoji="1" lang="zh-TW" altLang="en-US"/>
+          </a:p>
+        </p:txBody>
+      </p:sp>
+    </p:spTree>
+    <p:extLst>
+      <p:ext uri="{BB962C8B-B14F-4D97-AF65-F5344CB8AC3E}">
+        <p14:creationId xmlns:p14="http://schemas.microsoft.com/office/powerpoint/2010/main" val="92446689"/>
+      </p:ext>
+    </p:extLst>
+  </p:cSld>
+  <p:clrMapOvr>
+    <a:masterClrMapping/>
+  </p:clrMapOvr>
+  <p:timing>
+    <p:tnLst>
+      <p:par>
+        <p:cTn id="1" dur="indefinite" restart="never" nodeType="tmRoot"/>
+      </p:par>
+    </p:tnLst>
+  </p:timing>
+</p:sld>
+</file>
+
+<file path=ppt/slides/slide30.xml><?xml version="1.0" encoding="utf-8"?>
+<p:sld xmlns:a="http://schemas.openxmlformats.org/drawingml/2006/main" xmlns:r="http://schemas.openxmlformats.org/officeDocument/2006/relationships" xmlns:p="http://schemas.openxmlformats.org/presentationml/2006/main">
+  <p:cSld>
+    <p:spTree>
+      <p:nvGrpSpPr>
+        <p:cNvPr id="1" name=""/>
+        <p:cNvGrpSpPr/>
+        <p:nvPr/>
+      </p:nvGrpSpPr>
+      <p:grpSpPr>
+        <a:xfrm>
+          <a:off x="0" y="0"/>
+          <a:ext cx="0" cy="0"/>
+          <a:chOff x="0" y="0"/>
+          <a:chExt cx="0" cy="0"/>
+        </a:xfrm>
+      </p:grpSpPr>
+      <p:sp>
+        <p:nvSpPr>
+          <p:cNvPr id="2" name="標題 1"/>
+          <p:cNvSpPr>
+            <a:spLocks noGrp="1"/>
+          </p:cNvSpPr>
+          <p:nvPr>
+            <p:ph type="title"/>
+          </p:nvPr>
+        </p:nvSpPr>
+        <p:spPr/>
+        <p:txBody>
+          <a:bodyPr/>
+          <a:lstStyle/>
+          <a:p>
+            <a:r>
               <a:rPr kumimoji="1" lang="en-US" altLang="zh-TW" b="1" dirty="0"/>
               <a:t>Linux UIO Driver for AXI DMA</a:t>
             </a:r>
@@ -17363,7 +17003,7 @@
           <a:p>
             <a:fld id="{1C660728-6CE8-F247-B4E1-3C95F3EADF7A}" type="slidenum">
               <a:rPr kumimoji="1" lang="zh-TW" altLang="en-US" smtClean="0"/>
-              <a:t>29</a:t>
+              <a:t>30</a:t>
             </a:fld>
             <a:endParaRPr kumimoji="1" lang="zh-TW" altLang="en-US"/>
           </a:p>
@@ -17981,7 +17621,7 @@
 </p:sld>
 </file>
 
-<file path=ppt/slides/slide3.xml><?xml version="1.0" encoding="utf-8"?>
+<file path=ppt/slides/slide31.xml><?xml version="1.0" encoding="utf-8"?>
 <p:sld xmlns:a="http://schemas.openxmlformats.org/drawingml/2006/main" xmlns:r="http://schemas.openxmlformats.org/officeDocument/2006/relationships" xmlns:p="http://schemas.openxmlformats.org/presentationml/2006/main">
   <p:cSld>
     <p:spTree>
@@ -18015,86 +17655,9 @@
           <a:p>
             <a:r>
               <a:rPr kumimoji="1" lang="en-US" altLang="zh-TW" b="1" dirty="0" smtClean="0"/>
-              <a:t>Outline</a:t>
+              <a:t>UIO</a:t>
             </a:r>
             <a:endParaRPr kumimoji="1" lang="zh-TW" altLang="en-US" b="1" dirty="0"/>
-          </a:p>
-        </p:txBody>
-      </p:sp>
-      <p:sp>
-        <p:nvSpPr>
-          <p:cNvPr id="3" name="內容版面配置區 2"/>
-          <p:cNvSpPr>
-            <a:spLocks noGrp="1"/>
-          </p:cNvSpPr>
-          <p:nvPr>
-            <p:ph idx="1"/>
-          </p:nvPr>
-        </p:nvSpPr>
-        <p:spPr/>
-        <p:txBody>
-          <a:bodyPr/>
-          <a:lstStyle/>
-          <a:p>
-            <a:r>
-              <a:rPr kumimoji="1" lang="en-US" altLang="zh-TW" dirty="0" smtClean="0">
-                <a:solidFill>
-                  <a:srgbClr val="FF0000"/>
-                </a:solidFill>
-              </a:rPr>
-              <a:t>Introduction</a:t>
-            </a:r>
-          </a:p>
-          <a:p>
-            <a:r>
-              <a:rPr kumimoji="1" lang="en-US" altLang="zh-TW" dirty="0" smtClean="0"/>
-              <a:t>Linux on FPGA</a:t>
-            </a:r>
-          </a:p>
-          <a:p>
-            <a:r>
-              <a:rPr kumimoji="1" lang="en-US" altLang="zh-TW" dirty="0" smtClean="0"/>
-              <a:t>UIO Driver</a:t>
-            </a:r>
-          </a:p>
-          <a:p>
-            <a:r>
-              <a:rPr kumimoji="1" lang="en-US" altLang="zh-TW" dirty="0" smtClean="0"/>
-              <a:t>Custom IP and DMA</a:t>
-            </a:r>
-          </a:p>
-          <a:p>
-            <a:r>
-              <a:rPr kumimoji="1" lang="en-US" altLang="zh-TW" dirty="0" smtClean="0"/>
-              <a:t>Linux UIO Driver for AXI DMA</a:t>
-            </a:r>
-          </a:p>
-          <a:p>
-            <a:r>
-              <a:rPr kumimoji="1" lang="en-US" altLang="zh-TW" dirty="0" smtClean="0"/>
-              <a:t>Experimental Results</a:t>
-            </a:r>
-          </a:p>
-          <a:p>
-            <a:r>
-              <a:rPr kumimoji="1" lang="en-US" altLang="zh-TW" dirty="0" smtClean="0"/>
-              <a:t>Conclusion</a:t>
-            </a:r>
-          </a:p>
-          <a:p>
-            <a:endParaRPr kumimoji="1" lang="en-US" altLang="zh-TW" dirty="0" smtClean="0"/>
-          </a:p>
-          <a:p>
-            <a:endParaRPr kumimoji="1" lang="en-US" altLang="zh-TW" dirty="0" smtClean="0"/>
-          </a:p>
-          <a:p>
-            <a:endParaRPr kumimoji="1" lang="en-US" altLang="zh-TW" dirty="0" smtClean="0"/>
-          </a:p>
-          <a:p>
-            <a:endParaRPr kumimoji="1" lang="en-US" altLang="zh-TW" dirty="0" smtClean="0"/>
-          </a:p>
-          <a:p>
-            <a:endParaRPr kumimoji="1" lang="zh-TW" altLang="en-US" dirty="0"/>
           </a:p>
         </p:txBody>
       </p:sp>
@@ -18115,90 +17678,7 @@
           <a:p>
             <a:fld id="{1C660728-6CE8-F247-B4E1-3C95F3EADF7A}" type="slidenum">
               <a:rPr kumimoji="1" lang="zh-TW" altLang="en-US" smtClean="0"/>
-              <a:t>3</a:t>
-            </a:fld>
-            <a:endParaRPr kumimoji="1" lang="zh-TW" altLang="en-US"/>
-          </a:p>
-        </p:txBody>
-      </p:sp>
-    </p:spTree>
-    <p:extLst>
-      <p:ext uri="{BB962C8B-B14F-4D97-AF65-F5344CB8AC3E}">
-        <p14:creationId xmlns:p14="http://schemas.microsoft.com/office/powerpoint/2010/main" val="92446689"/>
-      </p:ext>
-    </p:extLst>
-  </p:cSld>
-  <p:clrMapOvr>
-    <a:masterClrMapping/>
-  </p:clrMapOvr>
-  <p:timing>
-    <p:tnLst>
-      <p:par>
-        <p:cTn id="1" dur="indefinite" restart="never" nodeType="tmRoot"/>
-      </p:par>
-    </p:tnLst>
-  </p:timing>
-</p:sld>
-</file>
-
-<file path=ppt/slides/slide30.xml><?xml version="1.0" encoding="utf-8"?>
-<p:sld xmlns:a="http://schemas.openxmlformats.org/drawingml/2006/main" xmlns:r="http://schemas.openxmlformats.org/officeDocument/2006/relationships" xmlns:p="http://schemas.openxmlformats.org/presentationml/2006/main">
-  <p:cSld>
-    <p:spTree>
-      <p:nvGrpSpPr>
-        <p:cNvPr id="1" name=""/>
-        <p:cNvGrpSpPr/>
-        <p:nvPr/>
-      </p:nvGrpSpPr>
-      <p:grpSpPr>
-        <a:xfrm>
-          <a:off x="0" y="0"/>
-          <a:ext cx="0" cy="0"/>
-          <a:chOff x="0" y="0"/>
-          <a:chExt cx="0" cy="0"/>
-        </a:xfrm>
-      </p:grpSpPr>
-      <p:sp>
-        <p:nvSpPr>
-          <p:cNvPr id="2" name="標題 1"/>
-          <p:cNvSpPr>
-            <a:spLocks noGrp="1"/>
-          </p:cNvSpPr>
-          <p:nvPr>
-            <p:ph type="title"/>
-          </p:nvPr>
-        </p:nvSpPr>
-        <p:spPr/>
-        <p:txBody>
-          <a:bodyPr/>
-          <a:lstStyle/>
-          <a:p>
-            <a:r>
-              <a:rPr kumimoji="1" lang="en-US" altLang="zh-TW" b="1" dirty="0" smtClean="0"/>
-              <a:t>UIO</a:t>
-            </a:r>
-            <a:endParaRPr kumimoji="1" lang="zh-TW" altLang="en-US" b="1" dirty="0"/>
-          </a:p>
-        </p:txBody>
-      </p:sp>
-      <p:sp>
-        <p:nvSpPr>
-          <p:cNvPr id="4" name="投影片編號版面配置區 3"/>
-          <p:cNvSpPr>
-            <a:spLocks noGrp="1"/>
-          </p:cNvSpPr>
-          <p:nvPr>
-            <p:ph type="sldNum" sz="quarter" idx="12"/>
-          </p:nvPr>
-        </p:nvSpPr>
-        <p:spPr/>
-        <p:txBody>
-          <a:bodyPr/>
-          <a:lstStyle/>
-          <a:p>
-            <a:fld id="{1C660728-6CE8-F247-B4E1-3C95F3EADF7A}" type="slidenum">
-              <a:rPr kumimoji="1" lang="zh-TW" altLang="en-US" smtClean="0"/>
-              <a:t>30</a:t>
+              <a:t>31</a:t>
             </a:fld>
             <a:endParaRPr kumimoji="1" lang="zh-TW" altLang="en-US"/>
           </a:p>
@@ -18471,7 +17951,7 @@
 </p:sld>
 </file>
 
-<file path=ppt/slides/slide31.xml><?xml version="1.0" encoding="utf-8"?>
+<file path=ppt/slides/slide32.xml><?xml version="1.0" encoding="utf-8"?>
 <p:sld xmlns:a="http://schemas.openxmlformats.org/drawingml/2006/main" xmlns:r="http://schemas.openxmlformats.org/officeDocument/2006/relationships" xmlns:p="http://schemas.openxmlformats.org/presentationml/2006/main">
   <p:cSld>
     <p:spTree>
@@ -18528,7 +18008,7 @@
           <a:p>
             <a:fld id="{1C660728-6CE8-F247-B4E1-3C95F3EADF7A}" type="slidenum">
               <a:rPr kumimoji="1" lang="zh-TW" altLang="en-US" smtClean="0"/>
-              <a:t>31</a:t>
+              <a:t>32</a:t>
             </a:fld>
             <a:endParaRPr kumimoji="1" lang="zh-TW" altLang="en-US"/>
           </a:p>
@@ -18584,7 +18064,7 @@
 </p:sld>
 </file>
 
-<file path=ppt/slides/slide32.xml><?xml version="1.0" encoding="utf-8"?>
+<file path=ppt/slides/slide33.xml><?xml version="1.0" encoding="utf-8"?>
 <p:sld xmlns:a="http://schemas.openxmlformats.org/drawingml/2006/main" xmlns:r="http://schemas.openxmlformats.org/officeDocument/2006/relationships" xmlns:p="http://schemas.openxmlformats.org/presentationml/2006/main">
   <p:cSld>
     <p:spTree>
@@ -18664,6 +18144,7 @@
               <a:rPr lang="en-US" altLang="zh-TW" dirty="0" smtClean="0"/>
               <a:t>Scatter-Gather</a:t>
             </a:r>
+            <a:endParaRPr lang="en-US" altLang="zh-TW" dirty="0" smtClean="0"/>
           </a:p>
           <a:p>
             <a:pPr lvl="3"/>
@@ -18671,6 +18152,10 @@
               <a:rPr lang="en-US" altLang="zh-TW" dirty="0" err="1" smtClean="0"/>
               <a:t>Scatterlist</a:t>
             </a:r>
+            <a:r>
+              <a:rPr lang="en-US" altLang="zh-TW" dirty="0" smtClean="0"/>
+              <a:t>[6]</a:t>
+            </a:r>
             <a:endParaRPr lang="en-US" altLang="zh-TW" dirty="0" smtClean="0"/>
           </a:p>
           <a:p>
@@ -18686,6 +18171,21 @@
           </a:p>
           <a:p>
             <a:pPr lvl="2"/>
+            <a:r>
+              <a:rPr lang="en-US" altLang="zh-TW" dirty="0" smtClean="0"/>
+              <a:t>Cache Flush</a:t>
+            </a:r>
+          </a:p>
+          <a:p>
+            <a:pPr lvl="2"/>
+            <a:r>
+              <a:rPr lang="en-US" altLang="zh-TW" dirty="0" smtClean="0"/>
+              <a:t>Cache </a:t>
+            </a:r>
+            <a:r>
+              <a:rPr lang="en-US" altLang="zh-TW" dirty="0" err="1" smtClean="0"/>
+              <a:t>Invalidable</a:t>
+            </a:r>
             <a:endParaRPr lang="en-US" altLang="zh-TW" dirty="0" smtClean="0"/>
           </a:p>
           <a:p>
@@ -18715,7 +18215,7 @@
           <a:p>
             <a:fld id="{1C660728-6CE8-F247-B4E1-3C95F3EADF7A}" type="slidenum">
               <a:rPr kumimoji="1" lang="zh-TW" altLang="en-US" smtClean="0"/>
-              <a:t>32</a:t>
+              <a:t>33</a:t>
             </a:fld>
             <a:endParaRPr kumimoji="1" lang="zh-TW" altLang="en-US"/>
           </a:p>
@@ -18751,6 +18251,65 @@
           </a:prstGeom>
         </p:spPr>
       </p:pic>
+      <p:sp>
+        <p:nvSpPr>
+          <p:cNvPr id="6" name="文字方塊 5"/>
+          <p:cNvSpPr txBox="1"/>
+          <p:nvPr/>
+        </p:nvSpPr>
+        <p:spPr>
+          <a:xfrm>
+            <a:off x="0" y="6461647"/>
+            <a:ext cx="12191999" cy="400110"/>
+          </a:xfrm>
+          <a:prstGeom prst="rect">
+            <a:avLst/>
+          </a:prstGeom>
+          <a:noFill/>
+        </p:spPr>
+        <p:txBody>
+          <a:bodyPr wrap="square" rtlCol="0">
+            <a:spAutoFit/>
+          </a:bodyPr>
+          <a:lstStyle/>
+          <a:p>
+            <a:r>
+              <a:rPr lang="en-US" altLang="zh-TW" sz="1000" dirty="0" smtClean="0"/>
+              <a:t>[6] </a:t>
+            </a:r>
+            <a:r>
+              <a:rPr lang="en-US" altLang="zh-TW" sz="1000" dirty="0" err="1" smtClean="0"/>
+              <a:t>Scatterlist</a:t>
+            </a:r>
+            <a:r>
+              <a:rPr lang="en-US" altLang="zh-TW" sz="1000" dirty="0" smtClean="0"/>
+              <a:t> Chaining </a:t>
+            </a:r>
+            <a:r>
+              <a:rPr lang="en-US" altLang="zh-TW" sz="1000" i="1" dirty="0" smtClean="0"/>
+              <a:t>URL </a:t>
+            </a:r>
+            <a:r>
+              <a:rPr lang="en-US" altLang="zh-TW" sz="1000" i="1" dirty="0" smtClean="0">
+                <a:hlinkClick r:id="rId3"/>
+              </a:rPr>
+              <a:t>https://lwn.net/Articles/234617/</a:t>
+            </a:r>
+            <a:r>
+              <a:rPr lang="en-US" altLang="zh-TW" sz="1000" i="1" dirty="0" smtClean="0"/>
+              <a:t> </a:t>
+            </a:r>
+            <a:r>
+              <a:rPr lang="en-US" altLang="zh-TW" sz="1000" i="1" dirty="0" smtClean="0"/>
+              <a:t>.</a:t>
+            </a:r>
+            <a:endParaRPr lang="en-US" altLang="zh-TW" sz="1000" dirty="0"/>
+          </a:p>
+          <a:p>
+            <a:endParaRPr lang="en-US" altLang="zh-TW" sz="1000" dirty="0"/>
+          </a:p>
+        </p:txBody>
+      </p:sp>
     </p:spTree>
     <p:extLst>
       <p:ext uri="{BB962C8B-B14F-4D97-AF65-F5344CB8AC3E}">
@@ -19063,6 +18622,149 @@
                       </p:childTnLst>
                     </p:cTn>
                   </p:par>
+                  <p:par>
+                    <p:cTn id="27" fill="hold">
+                      <p:stCondLst>
+                        <p:cond delay="indefinite"/>
+                      </p:stCondLst>
+                      <p:childTnLst>
+                        <p:par>
+                          <p:cTn id="28" fill="hold">
+                            <p:stCondLst>
+                              <p:cond delay="0"/>
+                            </p:stCondLst>
+                            <p:childTnLst>
+                              <p:par>
+                                <p:cTn id="29" presetID="1" presetClass="entr" presetSubtype="0" fill="hold" nodeType="clickEffect">
+                                  <p:stCondLst>
+                                    <p:cond delay="0"/>
+                                  </p:stCondLst>
+                                  <p:childTnLst>
+                                    <p:set>
+                                      <p:cBhvr>
+                                        <p:cTn id="30" dur="1" fill="hold">
+                                          <p:stCondLst>
+                                            <p:cond delay="0"/>
+                                          </p:stCondLst>
+                                        </p:cTn>
+                                        <p:tgtEl>
+                                          <p:spTgt spid="3">
+                                            <p:txEl>
+                                              <p:pRg st="7" end="7"/>
+                                            </p:txEl>
+                                          </p:spTgt>
+                                        </p:tgtEl>
+                                        <p:attrNameLst>
+                                          <p:attrName>style.visibility</p:attrName>
+                                        </p:attrNameLst>
+                                      </p:cBhvr>
+                                      <p:to>
+                                        <p:strVal val="visible"/>
+                                      </p:to>
+                                    </p:set>
+                                  </p:childTnLst>
+                                </p:cTn>
+                              </p:par>
+                            </p:childTnLst>
+                          </p:cTn>
+                        </p:par>
+                      </p:childTnLst>
+                    </p:cTn>
+                  </p:par>
+                  <p:par>
+                    <p:cTn id="31" fill="hold">
+                      <p:stCondLst>
+                        <p:cond delay="indefinite"/>
+                      </p:stCondLst>
+                      <p:childTnLst>
+                        <p:par>
+                          <p:cTn id="32" fill="hold">
+                            <p:stCondLst>
+                              <p:cond delay="0"/>
+                            </p:stCondLst>
+                            <p:childTnLst>
+                              <p:par>
+                                <p:cTn id="33" presetID="1" presetClass="entr" presetSubtype="0" fill="hold" nodeType="clickEffect">
+                                  <p:stCondLst>
+                                    <p:cond delay="0"/>
+                                  </p:stCondLst>
+                                  <p:childTnLst>
+                                    <p:set>
+                                      <p:cBhvr>
+                                        <p:cTn id="34" dur="1" fill="hold">
+                                          <p:stCondLst>
+                                            <p:cond delay="0"/>
+                                          </p:stCondLst>
+                                        </p:cTn>
+                                        <p:tgtEl>
+                                          <p:spTgt spid="3">
+                                            <p:txEl>
+                                              <p:pRg st="8" end="8"/>
+                                            </p:txEl>
+                                          </p:spTgt>
+                                        </p:tgtEl>
+                                        <p:attrNameLst>
+                                          <p:attrName>style.visibility</p:attrName>
+                                        </p:attrNameLst>
+                                      </p:cBhvr>
+                                      <p:to>
+                                        <p:strVal val="visible"/>
+                                      </p:to>
+                                    </p:set>
+                                  </p:childTnLst>
+                                </p:cTn>
+                              </p:par>
+                            </p:childTnLst>
+                          </p:cTn>
+                        </p:par>
+                      </p:childTnLst>
+                    </p:cTn>
+                  </p:par>
+                  <p:par>
+                    <p:cTn id="35" fill="hold">
+                      <p:stCondLst>
+                        <p:cond delay="indefinite"/>
+                      </p:stCondLst>
+                      <p:childTnLst>
+                        <p:par>
+                          <p:cTn id="36" fill="hold">
+                            <p:stCondLst>
+                              <p:cond delay="0"/>
+                            </p:stCondLst>
+                            <p:childTnLst>
+                              <p:par>
+                                <p:cTn id="37" presetID="1" presetClass="entr" presetSubtype="0" fill="hold" nodeType="clickEffect">
+                                  <p:stCondLst>
+                                    <p:cond delay="0"/>
+                                  </p:stCondLst>
+                                  <p:childTnLst>
+                                    <p:set>
+                                      <p:cBhvr>
+                                        <p:cTn id="38" dur="1" fill="hold">
+                                          <p:stCondLst>
+                                            <p:cond delay="0"/>
+                                          </p:stCondLst>
+                                        </p:cTn>
+                                        <p:tgtEl>
+                                          <p:spTgt spid="5"/>
+                                        </p:tgtEl>
+                                        <p:attrNameLst>
+                                          <p:attrName>style.visibility</p:attrName>
+                                        </p:attrNameLst>
+                                      </p:cBhvr>
+                                      <p:to>
+                                        <p:strVal val="visible"/>
+                                      </p:to>
+                                    </p:set>
+                                  </p:childTnLst>
+                                </p:cTn>
+                              </p:par>
+                            </p:childTnLst>
+                          </p:cTn>
+                        </p:par>
+                      </p:childTnLst>
+                    </p:cTn>
+                  </p:par>
                 </p:childTnLst>
               </p:cTn>
               <p:prevCondLst>
@@ -19088,7 +18790,7 @@
 </p:sld>
 </file>
 
-<file path=ppt/slides/slide33.xml><?xml version="1.0" encoding="utf-8"?>
+<file path=ppt/slides/slide34.xml><?xml version="1.0" encoding="utf-8"?>
 <p:sld xmlns:a="http://schemas.openxmlformats.org/drawingml/2006/main" xmlns:r="http://schemas.openxmlformats.org/officeDocument/2006/relationships" xmlns:p="http://schemas.openxmlformats.org/presentationml/2006/main">
   <p:cSld>
     <p:spTree>
@@ -19145,7 +18847,7 @@
           <a:p>
             <a:fld id="{1C660728-6CE8-F247-B4E1-3C95F3EADF7A}" type="slidenum">
               <a:rPr kumimoji="1" lang="zh-TW" altLang="en-US" smtClean="0"/>
-              <a:t>33</a:t>
+              <a:t>34</a:t>
             </a:fld>
             <a:endParaRPr kumimoji="1" lang="zh-TW" altLang="en-US"/>
           </a:p>
@@ -19538,7 +19240,7 @@
 </p:sld>
 </file>
 
-<file path=ppt/slides/slide34.xml><?xml version="1.0" encoding="utf-8"?>
+<file path=ppt/slides/slide35.xml><?xml version="1.0" encoding="utf-8"?>
 <p:sld xmlns:a="http://schemas.openxmlformats.org/drawingml/2006/main" xmlns:r="http://schemas.openxmlformats.org/officeDocument/2006/relationships" xmlns:p="http://schemas.openxmlformats.org/presentationml/2006/main">
   <p:cSld>
     <p:spTree>
@@ -19572,7 +19274,7 @@
           <a:p>
             <a:fld id="{1C660728-6CE8-F247-B4E1-3C95F3EADF7A}" type="slidenum">
               <a:rPr kumimoji="1" lang="zh-TW" altLang="en-US" smtClean="0"/>
-              <a:t>34</a:t>
+              <a:t>35</a:t>
             </a:fld>
             <a:endParaRPr kumimoji="1" lang="zh-TW" altLang="en-US"/>
           </a:p>
@@ -19628,7 +19330,7 @@
 </p:sld>
 </file>
 
-<file path=ppt/slides/slide35.xml><?xml version="1.0" encoding="utf-8"?>
+<file path=ppt/slides/slide36.xml><?xml version="1.0" encoding="utf-8"?>
 <p:sld xmlns:a="http://schemas.openxmlformats.org/drawingml/2006/main" xmlns:r="http://schemas.openxmlformats.org/officeDocument/2006/relationships" xmlns:p="http://schemas.openxmlformats.org/presentationml/2006/main">
   <p:cSld>
     <p:spTree>
@@ -19662,11 +19364,7 @@
           <a:p>
             <a:r>
               <a:rPr kumimoji="1" lang="en-US" altLang="zh-TW" b="1" dirty="0" smtClean="0"/>
-              <a:t>Linux UIO Driver for </a:t>
-            </a:r>
-            <a:r>
-              <a:rPr kumimoji="1" lang="en-US" altLang="zh-TW" b="1" dirty="0" smtClean="0"/>
-              <a:t>AXI DMA</a:t>
+              <a:t>Linux UIO Driver for AXI DMA</a:t>
             </a:r>
             <a:endParaRPr kumimoji="1" lang="zh-TW" altLang="en-US" b="1" dirty="0"/>
           </a:p>
@@ -19696,32 +19394,44 @@
           <a:p>
             <a:r>
               <a:rPr kumimoji="1" lang="en-US" altLang="zh-TW" dirty="0" err="1" smtClean="0"/>
-              <a:t>EX:OpenCore-tinyAES</a:t>
+              <a:t>EX:OpenCores-tinyAES</a:t>
             </a:r>
             <a:r>
               <a:rPr kumimoji="1" lang="en-US" altLang="zh-TW" dirty="0" smtClean="0"/>
-              <a:t> with DMA</a:t>
-            </a:r>
+              <a:t> </a:t>
+            </a:r>
+            <a:r>
+              <a:rPr kumimoji="1" lang="en-US" altLang="zh-TW" dirty="0" smtClean="0"/>
+              <a:t>with </a:t>
+            </a:r>
+            <a:r>
+              <a:rPr kumimoji="1" lang="en-US" altLang="zh-TW" dirty="0" smtClean="0"/>
+              <a:t>DMA</a:t>
+            </a:r>
+          </a:p>
+          <a:p>
+            <a:endParaRPr kumimoji="1" lang="en-US" altLang="zh-TW" dirty="0"/>
+          </a:p>
+          <a:p>
+            <a:r>
+              <a:rPr kumimoji="1" lang="en-US" altLang="zh-TW" dirty="0"/>
+              <a:t>UIO Node</a:t>
+            </a:r>
+          </a:p>
+          <a:p>
+            <a:endParaRPr kumimoji="1" lang="en-US" altLang="zh-TW" dirty="0"/>
+          </a:p>
+          <a:p>
+            <a:r>
+              <a:rPr kumimoji="1" lang="en-US" altLang="zh-TW" dirty="0"/>
+              <a:t>UIO Memory Address</a:t>
+            </a:r>
+          </a:p>
+          <a:p>
+            <a:pPr lvl="1"/>
             <a:endParaRPr kumimoji="1" lang="en-US" altLang="zh-TW" dirty="0" smtClean="0"/>
           </a:p>
           <a:p>
-            <a:endParaRPr kumimoji="1" lang="en-US" altLang="zh-TW" dirty="0" smtClean="0"/>
-          </a:p>
-          <a:p>
-            <a:r>
-              <a:rPr kumimoji="1" lang="en-US" altLang="zh-TW" dirty="0" err="1" smtClean="0"/>
-              <a:t>Devicetree</a:t>
-            </a:r>
-            <a:r>
-              <a:rPr kumimoji="1" lang="en-US" altLang="zh-TW" dirty="0" smtClean="0"/>
-              <a:t> node</a:t>
-            </a:r>
-          </a:p>
-          <a:p>
-            <a:r>
-              <a:rPr kumimoji="1" lang="en-US" altLang="zh-TW" dirty="0" smtClean="0"/>
-              <a:t>uEnv.txt</a:t>
-            </a:r>
             <a:endParaRPr kumimoji="1" lang="en-US" altLang="zh-TW" dirty="0" smtClean="0"/>
           </a:p>
           <a:p>
@@ -19766,266 +19476,9 @@
           <a:p>
             <a:fld id="{1C660728-6CE8-F247-B4E1-3C95F3EADF7A}" type="slidenum">
               <a:rPr kumimoji="1" lang="zh-TW" altLang="en-US" smtClean="0"/>
-              <a:t>35</a:t>
+              <a:t>36</a:t>
             </a:fld>
             <a:endParaRPr kumimoji="1" lang="zh-TW" altLang="en-US"/>
-          </a:p>
-        </p:txBody>
-      </p:sp>
-      <p:sp>
-        <p:nvSpPr>
-          <p:cNvPr id="5" name="文字方塊 4"/>
-          <p:cNvSpPr txBox="1"/>
-          <p:nvPr/>
-        </p:nvSpPr>
-        <p:spPr>
-          <a:xfrm>
-            <a:off x="0" y="6461647"/>
-            <a:ext cx="12191999" cy="400110"/>
-          </a:xfrm>
-          <a:prstGeom prst="rect">
-            <a:avLst/>
-          </a:prstGeom>
-          <a:noFill/>
-        </p:spPr>
-        <p:txBody>
-          <a:bodyPr wrap="square" rtlCol="0">
-            <a:spAutoFit/>
-          </a:bodyPr>
-          <a:lstStyle/>
-          <a:p>
-            <a:r>
-              <a:rPr lang="en-US" altLang="zh-TW" sz="1000" dirty="0" smtClean="0"/>
-              <a:t>[5] The </a:t>
-            </a:r>
-            <a:r>
-              <a:rPr lang="en-US" altLang="zh-TW" sz="1000" dirty="0" err="1" smtClean="0"/>
-              <a:t>Userspace</a:t>
-            </a:r>
-            <a:r>
-              <a:rPr lang="en-US" altLang="zh-TW" sz="1000" dirty="0" smtClean="0"/>
-              <a:t> I/O HOWTO </a:t>
-            </a:r>
-            <a:r>
-              <a:rPr lang="en-US" altLang="zh-TW" sz="1000" i="1" dirty="0" smtClean="0"/>
-              <a:t>URL </a:t>
-            </a:r>
-            <a:r>
-              <a:rPr lang="en-US" altLang="zh-TW" sz="1000" i="1" dirty="0">
-                <a:hlinkClick r:id="rId3"/>
-              </a:rPr>
-              <a:t>https://</a:t>
-            </a:r>
-            <a:r>
-              <a:rPr lang="en-US" altLang="zh-TW" sz="1000" i="1" dirty="0" smtClean="0">
-                <a:hlinkClick r:id="rId3"/>
-              </a:rPr>
-              <a:t>www.kernel.org/doc/html/v4.12/driver-api/uio-howto.html</a:t>
-            </a:r>
-            <a:r>
-              <a:rPr lang="en-US" altLang="zh-TW" sz="1000" i="1" dirty="0" smtClean="0"/>
-              <a:t> .</a:t>
-            </a:r>
-            <a:endParaRPr lang="en-US" altLang="zh-TW" sz="1000" dirty="0"/>
-          </a:p>
-          <a:p>
-            <a:r>
-              <a:rPr lang="en-US" altLang="zh-TW" sz="1000" dirty="0" smtClean="0"/>
-              <a:t>[7] </a:t>
-            </a:r>
-            <a:r>
-              <a:rPr lang="en-US" altLang="zh-TW" sz="1000" dirty="0"/>
-              <a:t>R. </a:t>
-            </a:r>
-            <a:r>
-              <a:rPr lang="en-US" altLang="zh-TW" sz="1000" dirty="0" err="1"/>
-              <a:t>Govindarajan</a:t>
-            </a:r>
-            <a:r>
-              <a:rPr lang="en-US" altLang="zh-TW" sz="1000" dirty="0"/>
-              <a:t>, H. Yang, J. N. </a:t>
-            </a:r>
-            <a:r>
-              <a:rPr lang="en-US" altLang="zh-TW" sz="1000" dirty="0" err="1"/>
-              <a:t>Amaral</a:t>
-            </a:r>
-            <a:r>
-              <a:rPr lang="en-US" altLang="zh-TW" sz="1000" dirty="0"/>
-              <a:t>, C. Zhang, and G. R. Gao. Minimum </a:t>
-            </a:r>
-            <a:r>
-              <a:rPr lang="en-US" altLang="zh-TW" sz="1000" dirty="0" smtClean="0"/>
-              <a:t>register </a:t>
-            </a:r>
-            <a:r>
-              <a:rPr lang="en-US" altLang="zh-TW" sz="1000" dirty="0"/>
-              <a:t>instruction sequencing to reduce register spills in out-of-order issue superscalar architectures. </a:t>
-            </a:r>
-            <a:r>
-              <a:rPr lang="en-US" altLang="zh-TW" sz="1000" i="1" dirty="0"/>
-              <a:t>IEEE Transactions on Computers</a:t>
-            </a:r>
-            <a:r>
-              <a:rPr lang="en-US" altLang="zh-TW" sz="1000" dirty="0"/>
-              <a:t>, 52(1):4–20, 2003</a:t>
-            </a:r>
-            <a:r>
-              <a:rPr lang="en-US" altLang="zh-TW" sz="1000" dirty="0" smtClean="0"/>
-              <a:t>.</a:t>
-            </a:r>
-            <a:endParaRPr lang="en-US" altLang="zh-TW" sz="1000" dirty="0"/>
-          </a:p>
-        </p:txBody>
-      </p:sp>
-      <p:pic>
-        <p:nvPicPr>
-          <p:cNvPr id="7" name="圖片 6"/>
-          <p:cNvPicPr>
-            <a:picLocks noChangeAspect="1"/>
-          </p:cNvPicPr>
-          <p:nvPr/>
-        </p:nvPicPr>
-        <p:blipFill>
-          <a:blip r:embed="rId4">
-            <a:extLst>
-              <a:ext uri="{28A0092B-C50C-407E-A947-70E740481C1C}">
-                <a14:useLocalDpi xmlns:a14="http://schemas.microsoft.com/office/drawing/2010/main" val="0"/>
-              </a:ext>
-            </a:extLst>
-          </a:blip>
-          <a:stretch>
-            <a:fillRect/>
-          </a:stretch>
-        </p:blipFill>
-        <p:spPr>
-          <a:xfrm>
-            <a:off x="5240505" y="2447061"/>
-            <a:ext cx="4647619" cy="1523810"/>
-          </a:xfrm>
-          <a:prstGeom prst="rect">
-            <a:avLst/>
-          </a:prstGeom>
-        </p:spPr>
-      </p:pic>
-      <p:pic>
-        <p:nvPicPr>
-          <p:cNvPr id="6" name="圖片 5"/>
-          <p:cNvPicPr>
-            <a:picLocks noChangeAspect="1"/>
-          </p:cNvPicPr>
-          <p:nvPr/>
-        </p:nvPicPr>
-        <p:blipFill>
-          <a:blip r:embed="rId5">
-            <a:extLst>
-              <a:ext uri="{28A0092B-C50C-407E-A947-70E740481C1C}">
-                <a14:useLocalDpi xmlns:a14="http://schemas.microsoft.com/office/drawing/2010/main" val="0"/>
-              </a:ext>
-            </a:extLst>
-          </a:blip>
-          <a:stretch>
-            <a:fillRect/>
-          </a:stretch>
-        </p:blipFill>
-        <p:spPr>
-          <a:xfrm>
-            <a:off x="756101" y="5036534"/>
-            <a:ext cx="10058400" cy="1024949"/>
-          </a:xfrm>
-          <a:prstGeom prst="rect">
-            <a:avLst/>
-          </a:prstGeom>
-        </p:spPr>
-      </p:pic>
-      <p:sp>
-        <p:nvSpPr>
-          <p:cNvPr id="8" name="矩形 7"/>
-          <p:cNvSpPr/>
-          <p:nvPr/>
-        </p:nvSpPr>
-        <p:spPr>
-          <a:xfrm>
-            <a:off x="7491045" y="2664069"/>
-            <a:ext cx="1512277" cy="290146"/>
-          </a:xfrm>
-          <a:prstGeom prst="rect">
-            <a:avLst/>
-          </a:prstGeom>
-          <a:noFill/>
-          <a:ln w="38100">
-            <a:solidFill>
-              <a:srgbClr val="FF0000"/>
-            </a:solidFill>
-          </a:ln>
-        </p:spPr>
-        <p:style>
-          <a:lnRef idx="2">
-            <a:schemeClr val="accent1">
-              <a:shade val="50000"/>
-            </a:schemeClr>
-          </a:lnRef>
-          <a:fillRef idx="1">
-            <a:schemeClr val="accent1"/>
-          </a:fillRef>
-          <a:effectRef idx="0">
-            <a:schemeClr val="accent1"/>
-          </a:effectRef>
-          <a:fontRef idx="minor">
-            <a:schemeClr val="lt1"/>
-          </a:fontRef>
-        </p:style>
-        <p:txBody>
-          <a:bodyPr rtlCol="0" anchor="ctr"/>
-          <a:lstStyle/>
-          <a:p>
-            <a:pPr algn="ctr"/>
-            <a:endParaRPr lang="zh-TW" altLang="en-US"/>
-          </a:p>
-        </p:txBody>
-      </p:sp>
-      <p:sp>
-        <p:nvSpPr>
-          <p:cNvPr id="9" name="矩形 8"/>
-          <p:cNvSpPr/>
-          <p:nvPr/>
-        </p:nvSpPr>
-        <p:spPr>
-          <a:xfrm>
-            <a:off x="8247183" y="4970584"/>
-            <a:ext cx="1512277" cy="290146"/>
-          </a:xfrm>
-          <a:prstGeom prst="rect">
-            <a:avLst/>
-          </a:prstGeom>
-          <a:noFill/>
-          <a:ln w="38100">
-            <a:solidFill>
-              <a:srgbClr val="FF0000"/>
-            </a:solidFill>
-          </a:ln>
-        </p:spPr>
-        <p:style>
-          <a:lnRef idx="2">
-            <a:schemeClr val="accent1">
-              <a:shade val="50000"/>
-            </a:schemeClr>
-          </a:lnRef>
-          <a:fillRef idx="1">
-            <a:schemeClr val="accent1"/>
-          </a:fillRef>
-          <a:effectRef idx="0">
-            <a:schemeClr val="accent1"/>
-          </a:effectRef>
-          <a:fontRef idx="minor">
-            <a:schemeClr val="lt1"/>
-          </a:fontRef>
-        </p:style>
-        <p:txBody>
-          <a:bodyPr rtlCol="0" anchor="ctr"/>
-          <a:lstStyle/>
-          <a:p>
-            <a:pPr algn="ctr"/>
-            <a:endParaRPr lang="zh-TW" altLang="en-US"/>
           </a:p>
         </p:txBody>
       </p:sp>
@@ -20171,569 +19624,9 @@
                                           </p:stCondLst>
                                         </p:cTn>
                                         <p:tgtEl>
-                                          <p:spTgt spid="7"/>
-                                        </p:tgtEl>
-                                        <p:attrNameLst>
-                                          <p:attrName>style.visibility</p:attrName>
-                                        </p:attrNameLst>
-                                      </p:cBhvr>
-                                      <p:to>
-                                        <p:strVal val="visible"/>
-                                      </p:to>
-                                    </p:set>
-                                  </p:childTnLst>
-                                </p:cTn>
-                              </p:par>
-                            </p:childTnLst>
-                          </p:cTn>
-                        </p:par>
-                      </p:childTnLst>
-                    </p:cTn>
-                  </p:par>
-                  <p:par>
-                    <p:cTn id="15" fill="hold">
-                      <p:stCondLst>
-                        <p:cond delay="indefinite"/>
-                      </p:stCondLst>
-                      <p:childTnLst>
-                        <p:par>
-                          <p:cTn id="16" fill="hold">
-                            <p:stCondLst>
-                              <p:cond delay="0"/>
-                            </p:stCondLst>
-                            <p:childTnLst>
-                              <p:par>
-                                <p:cTn id="17" presetID="1" presetClass="entr" presetSubtype="0" fill="hold" nodeType="clickEffect">
-                                  <p:stCondLst>
-                                    <p:cond delay="0"/>
-                                  </p:stCondLst>
-                                  <p:childTnLst>
-                                    <p:set>
-                                      <p:cBhvr>
-                                        <p:cTn id="18" dur="1" fill="hold">
-                                          <p:stCondLst>
-                                            <p:cond delay="0"/>
-                                          </p:stCondLst>
-                                        </p:cTn>
-                                        <p:tgtEl>
                                           <p:spTgt spid="3">
                                             <p:txEl>
-                                              <p:pRg st="3" end="3"/>
-                                            </p:txEl>
-                                          </p:spTgt>
-                                        </p:tgtEl>
-                                        <p:attrNameLst>
-                                          <p:attrName>style.visibility</p:attrName>
-                                        </p:attrNameLst>
-                                      </p:cBhvr>
-                                      <p:to>
-                                        <p:strVal val="visible"/>
-                                      </p:to>
-                                    </p:set>
-                                  </p:childTnLst>
-                                </p:cTn>
-                              </p:par>
-                            </p:childTnLst>
-                          </p:cTn>
-                        </p:par>
-                      </p:childTnLst>
-                    </p:cTn>
-                  </p:par>
-                  <p:par>
-                    <p:cTn id="19" fill="hold">
-                      <p:stCondLst>
-                        <p:cond delay="indefinite"/>
-                      </p:stCondLst>
-                      <p:childTnLst>
-                        <p:par>
-                          <p:cTn id="20" fill="hold">
-                            <p:stCondLst>
-                              <p:cond delay="0"/>
-                            </p:stCondLst>
-                            <p:childTnLst>
-                              <p:par>
-                                <p:cTn id="21" presetID="1" presetClass="entr" presetSubtype="0" fill="hold" nodeType="clickEffect">
-                                  <p:stCondLst>
-                                    <p:cond delay="0"/>
-                                  </p:stCondLst>
-                                  <p:childTnLst>
-                                    <p:set>
-                                      <p:cBhvr>
-                                        <p:cTn id="22" dur="1" fill="hold">
-                                          <p:stCondLst>
-                                            <p:cond delay="0"/>
-                                          </p:stCondLst>
-                                        </p:cTn>
-                                        <p:tgtEl>
-                                          <p:spTgt spid="6"/>
-                                        </p:tgtEl>
-                                        <p:attrNameLst>
-                                          <p:attrName>style.visibility</p:attrName>
-                                        </p:attrNameLst>
-                                      </p:cBhvr>
-                                      <p:to>
-                                        <p:strVal val="visible"/>
-                                      </p:to>
-                                    </p:set>
-                                  </p:childTnLst>
-                                </p:cTn>
-                              </p:par>
-                            </p:childTnLst>
-                          </p:cTn>
-                        </p:par>
-                      </p:childTnLst>
-                    </p:cTn>
-                  </p:par>
-                  <p:par>
-                    <p:cTn id="23" fill="hold">
-                      <p:stCondLst>
-                        <p:cond delay="indefinite"/>
-                      </p:stCondLst>
-                      <p:childTnLst>
-                        <p:par>
-                          <p:cTn id="24" fill="hold">
-                            <p:stCondLst>
-                              <p:cond delay="0"/>
-                            </p:stCondLst>
-                            <p:childTnLst>
-                              <p:par>
-                                <p:cTn id="25" presetID="1" presetClass="entr" presetSubtype="0" fill="hold" grpId="0" nodeType="clickEffect">
-                                  <p:stCondLst>
-                                    <p:cond delay="0"/>
-                                  </p:stCondLst>
-                                  <p:childTnLst>
-                                    <p:set>
-                                      <p:cBhvr>
-                                        <p:cTn id="26" dur="1" fill="hold">
-                                          <p:stCondLst>
-                                            <p:cond delay="0"/>
-                                          </p:stCondLst>
-                                        </p:cTn>
-                                        <p:tgtEl>
-                                          <p:spTgt spid="8"/>
-                                        </p:tgtEl>
-                                        <p:attrNameLst>
-                                          <p:attrName>style.visibility</p:attrName>
-                                        </p:attrNameLst>
-                                      </p:cBhvr>
-                                      <p:to>
-                                        <p:strVal val="visible"/>
-                                      </p:to>
-                                    </p:set>
-                                  </p:childTnLst>
-                                </p:cTn>
-                              </p:par>
-                            </p:childTnLst>
-                          </p:cTn>
-                        </p:par>
-                      </p:childTnLst>
-                    </p:cTn>
-                  </p:par>
-                  <p:par>
-                    <p:cTn id="27" fill="hold">
-                      <p:stCondLst>
-                        <p:cond delay="indefinite"/>
-                      </p:stCondLst>
-                      <p:childTnLst>
-                        <p:par>
-                          <p:cTn id="28" fill="hold">
-                            <p:stCondLst>
-                              <p:cond delay="0"/>
-                            </p:stCondLst>
-                            <p:childTnLst>
-                              <p:par>
-                                <p:cTn id="29" presetID="1" presetClass="entr" presetSubtype="0" fill="hold" grpId="0" nodeType="clickEffect">
-                                  <p:stCondLst>
-                                    <p:cond delay="0"/>
-                                  </p:stCondLst>
-                                  <p:childTnLst>
-                                    <p:set>
-                                      <p:cBhvr>
-                                        <p:cTn id="30" dur="1" fill="hold">
-                                          <p:stCondLst>
-                                            <p:cond delay="0"/>
-                                          </p:stCondLst>
-                                        </p:cTn>
-                                        <p:tgtEl>
-                                          <p:spTgt spid="9"/>
-                                        </p:tgtEl>
-                                        <p:attrNameLst>
-                                          <p:attrName>style.visibility</p:attrName>
-                                        </p:attrNameLst>
-                                      </p:cBhvr>
-                                      <p:to>
-                                        <p:strVal val="visible"/>
-                                      </p:to>
-                                    </p:set>
-                                  </p:childTnLst>
-                                </p:cTn>
-                              </p:par>
-                            </p:childTnLst>
-                          </p:cTn>
-                        </p:par>
-                      </p:childTnLst>
-                    </p:cTn>
-                  </p:par>
-                </p:childTnLst>
-              </p:cTn>
-              <p:prevCondLst>
-                <p:cond evt="onPrev" delay="0">
-                  <p:tgtEl>
-                    <p:sldTgt/>
-                  </p:tgtEl>
-                </p:cond>
-              </p:prevCondLst>
-              <p:nextCondLst>
-                <p:cond evt="onNext" delay="0">
-                  <p:tgtEl>
-                    <p:sldTgt/>
-                  </p:tgtEl>
-                </p:cond>
-              </p:nextCondLst>
-            </p:seq>
-          </p:childTnLst>
-        </p:cTn>
-      </p:par>
-    </p:tnLst>
-    <p:bldLst>
-      <p:bldP spid="8" grpId="0" animBg="1"/>
-      <p:bldP spid="9" grpId="0" animBg="1"/>
-    </p:bldLst>
-  </p:timing>
-</p:sld>
-</file>
-
-<file path=ppt/slides/slide36.xml><?xml version="1.0" encoding="utf-8"?>
-<p:sld xmlns:a="http://schemas.openxmlformats.org/drawingml/2006/main" xmlns:r="http://schemas.openxmlformats.org/officeDocument/2006/relationships" xmlns:p="http://schemas.openxmlformats.org/presentationml/2006/main">
-  <p:cSld>
-    <p:spTree>
-      <p:nvGrpSpPr>
-        <p:cNvPr id="1" name=""/>
-        <p:cNvGrpSpPr/>
-        <p:nvPr/>
-      </p:nvGrpSpPr>
-      <p:grpSpPr>
-        <a:xfrm>
-          <a:off x="0" y="0"/>
-          <a:ext cx="0" cy="0"/>
-          <a:chOff x="0" y="0"/>
-          <a:chExt cx="0" cy="0"/>
-        </a:xfrm>
-      </p:grpSpPr>
-      <p:sp>
-        <p:nvSpPr>
-          <p:cNvPr id="2" name="標題 1"/>
-          <p:cNvSpPr>
-            <a:spLocks noGrp="1"/>
-          </p:cNvSpPr>
-          <p:nvPr>
-            <p:ph type="title"/>
-          </p:nvPr>
-        </p:nvSpPr>
-        <p:spPr/>
-        <p:txBody>
-          <a:bodyPr/>
-          <a:lstStyle/>
-          <a:p>
-            <a:r>
-              <a:rPr kumimoji="1" lang="en-US" altLang="zh-TW" b="1" dirty="0" smtClean="0"/>
-              <a:t>Linux UIO Driver for AXI4/Lite Custom IP</a:t>
-            </a:r>
-            <a:endParaRPr kumimoji="1" lang="zh-TW" altLang="en-US" b="1" dirty="0"/>
-          </a:p>
-        </p:txBody>
-      </p:sp>
-      <p:sp>
-        <p:nvSpPr>
-          <p:cNvPr id="3" name="內容版面配置區 2"/>
-          <p:cNvSpPr>
-            <a:spLocks noGrp="1"/>
-          </p:cNvSpPr>
-          <p:nvPr>
-            <p:ph idx="1"/>
-          </p:nvPr>
-        </p:nvSpPr>
-        <p:spPr>
-          <a:xfrm>
-            <a:off x="838200" y="1825625"/>
-            <a:ext cx="10515600" cy="4235858"/>
-          </a:xfrm>
-        </p:spPr>
-        <p:txBody>
-          <a:bodyPr>
-            <a:normAutofit/>
-          </a:bodyPr>
-          <a:lstStyle/>
-          <a:p>
-            <a:r>
-              <a:rPr kumimoji="1" lang="en-US" altLang="zh-TW" dirty="0" smtClean="0"/>
-              <a:t>UIO Node</a:t>
-            </a:r>
-          </a:p>
-          <a:p>
-            <a:endParaRPr kumimoji="1" lang="en-US" altLang="zh-TW" dirty="0" smtClean="0"/>
-          </a:p>
-          <a:p>
-            <a:r>
-              <a:rPr kumimoji="1" lang="en-US" altLang="zh-TW" dirty="0" smtClean="0"/>
-              <a:t>UIO Memory Address</a:t>
-            </a:r>
-          </a:p>
-          <a:p>
-            <a:endParaRPr kumimoji="1" lang="en-US" altLang="zh-TW" dirty="0" smtClean="0"/>
-          </a:p>
-          <a:p>
-            <a:pPr marL="0" indent="0">
-              <a:buNone/>
-            </a:pPr>
-            <a:endParaRPr kumimoji="1" lang="en-US" altLang="zh-TW" dirty="0" smtClean="0"/>
-          </a:p>
-          <a:p>
-            <a:pPr marL="457200" lvl="1" indent="0">
-              <a:buNone/>
-            </a:pPr>
-            <a:endParaRPr kumimoji="1" lang="en-US" altLang="zh-TW" dirty="0" smtClean="0"/>
-          </a:p>
-          <a:p>
-            <a:pPr lvl="1"/>
-            <a:endParaRPr kumimoji="1" lang="en-US" altLang="zh-TW" dirty="0" smtClean="0"/>
-          </a:p>
-          <a:p>
-            <a:pPr marL="0" indent="0">
-              <a:buNone/>
-            </a:pPr>
-            <a:endParaRPr kumimoji="1" lang="en-US" altLang="zh-TW" dirty="0" smtClean="0"/>
-          </a:p>
-          <a:p>
-            <a:pPr lvl="1"/>
-            <a:endParaRPr kumimoji="1" lang="zh-TW" altLang="en-US" dirty="0"/>
-          </a:p>
-        </p:txBody>
-      </p:sp>
-      <p:sp>
-        <p:nvSpPr>
-          <p:cNvPr id="4" name="投影片編號版面配置區 3"/>
-          <p:cNvSpPr>
-            <a:spLocks noGrp="1"/>
-          </p:cNvSpPr>
-          <p:nvPr>
-            <p:ph type="sldNum" sz="quarter" idx="12"/>
-          </p:nvPr>
-        </p:nvSpPr>
-        <p:spPr/>
-        <p:txBody>
-          <a:bodyPr/>
-          <a:lstStyle/>
-          <a:p>
-            <a:fld id="{1C660728-6CE8-F247-B4E1-3C95F3EADF7A}" type="slidenum">
-              <a:rPr kumimoji="1" lang="zh-TW" altLang="en-US" smtClean="0"/>
-              <a:t>36</a:t>
-            </a:fld>
-            <a:endParaRPr kumimoji="1" lang="zh-TW" altLang="en-US"/>
-          </a:p>
-        </p:txBody>
-      </p:sp>
-      <p:sp>
-        <p:nvSpPr>
-          <p:cNvPr id="5" name="文字方塊 4"/>
-          <p:cNvSpPr txBox="1"/>
-          <p:nvPr/>
-        </p:nvSpPr>
-        <p:spPr>
-          <a:xfrm>
-            <a:off x="0" y="6461647"/>
-            <a:ext cx="12191999" cy="400110"/>
-          </a:xfrm>
-          <a:prstGeom prst="rect">
-            <a:avLst/>
-          </a:prstGeom>
-          <a:noFill/>
-        </p:spPr>
-        <p:txBody>
-          <a:bodyPr wrap="square" rtlCol="0">
-            <a:spAutoFit/>
-          </a:bodyPr>
-          <a:lstStyle/>
-          <a:p>
-            <a:r>
-              <a:rPr lang="en-US" altLang="zh-TW" sz="1000" dirty="0" smtClean="0"/>
-              <a:t>[5] The </a:t>
-            </a:r>
-            <a:r>
-              <a:rPr lang="en-US" altLang="zh-TW" sz="1000" dirty="0" err="1" smtClean="0"/>
-              <a:t>Userspace</a:t>
-            </a:r>
-            <a:r>
-              <a:rPr lang="en-US" altLang="zh-TW" sz="1000" dirty="0" smtClean="0"/>
-              <a:t> I/O HOWTO </a:t>
-            </a:r>
-            <a:r>
-              <a:rPr lang="en-US" altLang="zh-TW" sz="1000" i="1" dirty="0" smtClean="0"/>
-              <a:t>URL </a:t>
-            </a:r>
-            <a:r>
-              <a:rPr lang="en-US" altLang="zh-TW" sz="1000" i="1" dirty="0">
-                <a:hlinkClick r:id="rId3"/>
-              </a:rPr>
-              <a:t>https://</a:t>
-            </a:r>
-            <a:r>
-              <a:rPr lang="en-US" altLang="zh-TW" sz="1000" i="1" dirty="0" smtClean="0">
-                <a:hlinkClick r:id="rId3"/>
-              </a:rPr>
-              <a:t>www.kernel.org/doc/html/v4.12/driver-api/uio-howto.html</a:t>
-            </a:r>
-            <a:r>
-              <a:rPr lang="en-US" altLang="zh-TW" sz="1000" i="1" dirty="0" smtClean="0"/>
-              <a:t> .</a:t>
-            </a:r>
-            <a:endParaRPr lang="en-US" altLang="zh-TW" sz="1000" dirty="0"/>
-          </a:p>
-          <a:p>
-            <a:r>
-              <a:rPr lang="en-US" altLang="zh-TW" sz="1000" dirty="0" smtClean="0"/>
-              <a:t>[7] </a:t>
-            </a:r>
-            <a:r>
-              <a:rPr lang="en-US" altLang="zh-TW" sz="1000" dirty="0"/>
-              <a:t>R. </a:t>
-            </a:r>
-            <a:r>
-              <a:rPr lang="en-US" altLang="zh-TW" sz="1000" dirty="0" err="1"/>
-              <a:t>Govindarajan</a:t>
-            </a:r>
-            <a:r>
-              <a:rPr lang="en-US" altLang="zh-TW" sz="1000" dirty="0"/>
-              <a:t>, H. Yang, J. N. </a:t>
-            </a:r>
-            <a:r>
-              <a:rPr lang="en-US" altLang="zh-TW" sz="1000" dirty="0" err="1"/>
-              <a:t>Amaral</a:t>
-            </a:r>
-            <a:r>
-              <a:rPr lang="en-US" altLang="zh-TW" sz="1000" dirty="0"/>
-              <a:t>, C. Zhang, and G. R. Gao. Minimum </a:t>
-            </a:r>
-            <a:r>
-              <a:rPr lang="en-US" altLang="zh-TW" sz="1000" dirty="0" smtClean="0"/>
-              <a:t>register </a:t>
-            </a:r>
-            <a:r>
-              <a:rPr lang="en-US" altLang="zh-TW" sz="1000" dirty="0"/>
-              <a:t>instruction sequencing to reduce register spills in out-of-order issue superscalar architectures. </a:t>
-            </a:r>
-            <a:r>
-              <a:rPr lang="en-US" altLang="zh-TW" sz="1000" i="1" dirty="0"/>
-              <a:t>IEEE Transactions on Computers</a:t>
-            </a:r>
-            <a:r>
-              <a:rPr lang="en-US" altLang="zh-TW" sz="1000" dirty="0"/>
-              <a:t>, 52(1):4–20, 2003</a:t>
-            </a:r>
-            <a:r>
-              <a:rPr lang="en-US" altLang="zh-TW" sz="1000" dirty="0" smtClean="0"/>
-              <a:t>.</a:t>
-            </a:r>
-            <a:endParaRPr lang="en-US" altLang="zh-TW" sz="1000" dirty="0"/>
-          </a:p>
-        </p:txBody>
-      </p:sp>
-    </p:spTree>
-    <p:extLst>
-      <p:ext uri="{BB962C8B-B14F-4D97-AF65-F5344CB8AC3E}">
-        <p14:creationId xmlns:p14="http://schemas.microsoft.com/office/powerpoint/2010/main" val="2885721906"/>
-      </p:ext>
-    </p:extLst>
-  </p:cSld>
-  <p:clrMapOvr>
-    <a:masterClrMapping/>
-  </p:clrMapOvr>
-  <p:timing>
-    <p:tnLst>
-      <p:par>
-        <p:cTn id="1" dur="indefinite" restart="never" nodeType="tmRoot">
-          <p:childTnLst>
-            <p:seq concurrent="1" nextAc="seek">
-              <p:cTn id="2" dur="indefinite" nodeType="mainSeq">
-                <p:childTnLst>
-                  <p:par>
-                    <p:cTn id="3" fill="hold">
-                      <p:stCondLst>
-                        <p:cond delay="indefinite"/>
-                      </p:stCondLst>
-                      <p:childTnLst>
-                        <p:par>
-                          <p:cTn id="4" fill="hold">
-                            <p:stCondLst>
-                              <p:cond delay="0"/>
-                            </p:stCondLst>
-                            <p:childTnLst>
-                              <p:par>
-                                <p:cTn id="5" presetID="1" presetClass="entr" presetSubtype="0" fill="hold" nodeType="clickEffect">
-                                  <p:stCondLst>
-                                    <p:cond delay="0"/>
-                                  </p:stCondLst>
-                                  <p:childTnLst>
-                                    <p:set>
-                                      <p:cBhvr>
-                                        <p:cTn id="6" dur="1" fill="hold">
-                                          <p:stCondLst>
-                                            <p:cond delay="0"/>
-                                          </p:stCondLst>
-                                        </p:cTn>
-                                        <p:tgtEl>
-                                          <p:spTgt spid="3">
-                                            <p:txEl>
-                                              <p:pRg st="0" end="0"/>
-                                            </p:txEl>
-                                          </p:spTgt>
-                                        </p:tgtEl>
-                                        <p:attrNameLst>
-                                          <p:attrName>style.visibility</p:attrName>
-                                        </p:attrNameLst>
-                                      </p:cBhvr>
-                                      <p:to>
-                                        <p:strVal val="visible"/>
-                                      </p:to>
-                                    </p:set>
-                                  </p:childTnLst>
-                                </p:cTn>
-                              </p:par>
-                            </p:childTnLst>
-                          </p:cTn>
-                        </p:par>
-                      </p:childTnLst>
-                    </p:cTn>
-                  </p:par>
-                  <p:par>
-                    <p:cTn id="7" fill="hold">
-                      <p:stCondLst>
-                        <p:cond delay="indefinite"/>
-                      </p:stCondLst>
-                      <p:childTnLst>
-                        <p:par>
-                          <p:cTn id="8" fill="hold">
-                            <p:stCondLst>
-                              <p:cond delay="0"/>
-                            </p:stCondLst>
-                            <p:childTnLst>
-                              <p:par>
-                                <p:cTn id="9" presetID="1" presetClass="entr" presetSubtype="0" fill="hold" nodeType="clickEffect">
-                                  <p:stCondLst>
-                                    <p:cond delay="0"/>
-                                  </p:stCondLst>
-                                  <p:childTnLst>
-                                    <p:set>
-                                      <p:cBhvr>
-                                        <p:cTn id="10" dur="1" fill="hold">
-                                          <p:stCondLst>
-                                            <p:cond delay="0"/>
-                                          </p:stCondLst>
-                                        </p:cTn>
-                                        <p:tgtEl>
-                                          <p:spTgt spid="3">
-                                            <p:txEl>
-                                              <p:pRg st="2" end="2"/>
+                                              <p:pRg st="4" end="4"/>
                                             </p:txEl>
                                           </p:spTgt>
                                         </p:tgtEl>
@@ -20903,111 +19796,6 @@
           </a:p>
         </p:txBody>
       </p:sp>
-      <p:sp>
-        <p:nvSpPr>
-          <p:cNvPr id="5" name="文字方塊 4"/>
-          <p:cNvSpPr txBox="1"/>
-          <p:nvPr/>
-        </p:nvSpPr>
-        <p:spPr>
-          <a:xfrm>
-            <a:off x="0" y="6461647"/>
-            <a:ext cx="12191999" cy="400110"/>
-          </a:xfrm>
-          <a:prstGeom prst="rect">
-            <a:avLst/>
-          </a:prstGeom>
-          <a:noFill/>
-        </p:spPr>
-        <p:txBody>
-          <a:bodyPr wrap="square" rtlCol="0">
-            <a:spAutoFit/>
-          </a:bodyPr>
-          <a:lstStyle/>
-          <a:p>
-            <a:r>
-              <a:rPr lang="en-US" altLang="zh-TW" sz="1000" dirty="0" smtClean="0"/>
-              <a:t>[5] The </a:t>
-            </a:r>
-            <a:r>
-              <a:rPr lang="en-US" altLang="zh-TW" sz="1000" dirty="0" err="1" smtClean="0"/>
-              <a:t>Userspace</a:t>
-            </a:r>
-            <a:r>
-              <a:rPr lang="en-US" altLang="zh-TW" sz="1000" dirty="0" smtClean="0"/>
-              <a:t> I/O HOWTO </a:t>
-            </a:r>
-            <a:r>
-              <a:rPr lang="en-US" altLang="zh-TW" sz="1000" i="1" dirty="0" smtClean="0"/>
-              <a:t>URL </a:t>
-            </a:r>
-            <a:r>
-              <a:rPr lang="en-US" altLang="zh-TW" sz="1000" i="1" dirty="0">
-                <a:hlinkClick r:id="rId3"/>
-              </a:rPr>
-              <a:t>https://</a:t>
-            </a:r>
-            <a:r>
-              <a:rPr lang="en-US" altLang="zh-TW" sz="1000" i="1" dirty="0" smtClean="0">
-                <a:hlinkClick r:id="rId3"/>
-              </a:rPr>
-              <a:t>www.kernel.org/doc/html/v4.12/driver-api/uio-howto.html</a:t>
-            </a:r>
-            <a:r>
-              <a:rPr lang="en-US" altLang="zh-TW" sz="1000" i="1" dirty="0" smtClean="0"/>
-              <a:t> .</a:t>
-            </a:r>
-            <a:endParaRPr lang="en-US" altLang="zh-TW" sz="1000" dirty="0"/>
-          </a:p>
-          <a:p>
-            <a:r>
-              <a:rPr lang="en-US" altLang="zh-TW" sz="1000" dirty="0" smtClean="0"/>
-              <a:t>[7] </a:t>
-            </a:r>
-            <a:r>
-              <a:rPr lang="en-US" altLang="zh-TW" sz="1000" dirty="0"/>
-              <a:t>R. </a:t>
-            </a:r>
-            <a:r>
-              <a:rPr lang="en-US" altLang="zh-TW" sz="1000" dirty="0" err="1"/>
-              <a:t>Govindarajan</a:t>
-            </a:r>
-            <a:r>
-              <a:rPr lang="en-US" altLang="zh-TW" sz="1000" dirty="0"/>
-              <a:t>, H. Yang, J. N. </a:t>
-            </a:r>
-            <a:r>
-              <a:rPr lang="en-US" altLang="zh-TW" sz="1000" dirty="0" err="1"/>
-              <a:t>Amaral</a:t>
-            </a:r>
-            <a:r>
-              <a:rPr lang="en-US" altLang="zh-TW" sz="1000" dirty="0"/>
-              <a:t>, C. Zhang, and G. R. Gao. Minimum </a:t>
-            </a:r>
-            <a:r>
-              <a:rPr lang="en-US" altLang="zh-TW" sz="1000" dirty="0" smtClean="0"/>
-              <a:t>register </a:t>
-            </a:r>
-            <a:r>
-              <a:rPr lang="en-US" altLang="zh-TW" sz="1000" dirty="0"/>
-              <a:t>instruction sequencing to reduce register spills in out-of-order issue superscalar architectures. </a:t>
-            </a:r>
-            <a:r>
-              <a:rPr lang="en-US" altLang="zh-TW" sz="1000" i="1" dirty="0"/>
-              <a:t>IEEE Transactions on Computers</a:t>
-            </a:r>
-            <a:r>
-              <a:rPr lang="en-US" altLang="zh-TW" sz="1000" dirty="0"/>
-              <a:t>, 52(1):4–20, 2003</a:t>
-            </a:r>
-            <a:r>
-              <a:rPr lang="en-US" altLang="zh-TW" sz="1000" dirty="0" smtClean="0"/>
-              <a:t>.</a:t>
-            </a:r>
-            <a:endParaRPr lang="en-US" altLang="zh-TW" sz="1000" dirty="0"/>
-          </a:p>
-        </p:txBody>
-      </p:sp>
     </p:spTree>
     <p:extLst>
       <p:ext uri="{BB962C8B-B14F-4D97-AF65-F5344CB8AC3E}">
@@ -21149,111 +19937,6 @@
           </a:p>
         </p:txBody>
       </p:sp>
-      <p:sp>
-        <p:nvSpPr>
-          <p:cNvPr id="5" name="文字方塊 4"/>
-          <p:cNvSpPr txBox="1"/>
-          <p:nvPr/>
-        </p:nvSpPr>
-        <p:spPr>
-          <a:xfrm>
-            <a:off x="0" y="6461647"/>
-            <a:ext cx="12191999" cy="400110"/>
-          </a:xfrm>
-          <a:prstGeom prst="rect">
-            <a:avLst/>
-          </a:prstGeom>
-          <a:noFill/>
-        </p:spPr>
-        <p:txBody>
-          <a:bodyPr wrap="square" rtlCol="0">
-            <a:spAutoFit/>
-          </a:bodyPr>
-          <a:lstStyle/>
-          <a:p>
-            <a:r>
-              <a:rPr lang="en-US" altLang="zh-TW" sz="1000" dirty="0" smtClean="0"/>
-              <a:t>[5] The </a:t>
-            </a:r>
-            <a:r>
-              <a:rPr lang="en-US" altLang="zh-TW" sz="1000" dirty="0" err="1" smtClean="0"/>
-              <a:t>Userspace</a:t>
-            </a:r>
-            <a:r>
-              <a:rPr lang="en-US" altLang="zh-TW" sz="1000" dirty="0" smtClean="0"/>
-              <a:t> I/O HOWTO </a:t>
-            </a:r>
-            <a:r>
-              <a:rPr lang="en-US" altLang="zh-TW" sz="1000" i="1" dirty="0" smtClean="0"/>
-              <a:t>URL </a:t>
-            </a:r>
-            <a:r>
-              <a:rPr lang="en-US" altLang="zh-TW" sz="1000" i="1" dirty="0">
-                <a:hlinkClick r:id="rId3"/>
-              </a:rPr>
-              <a:t>https://</a:t>
-            </a:r>
-            <a:r>
-              <a:rPr lang="en-US" altLang="zh-TW" sz="1000" i="1" dirty="0" smtClean="0">
-                <a:hlinkClick r:id="rId3"/>
-              </a:rPr>
-              <a:t>www.kernel.org/doc/html/v4.12/driver-api/uio-howto.html</a:t>
-            </a:r>
-            <a:r>
-              <a:rPr lang="en-US" altLang="zh-TW" sz="1000" i="1" dirty="0" smtClean="0"/>
-              <a:t> .</a:t>
-            </a:r>
-            <a:endParaRPr lang="en-US" altLang="zh-TW" sz="1000" dirty="0"/>
-          </a:p>
-          <a:p>
-            <a:r>
-              <a:rPr lang="en-US" altLang="zh-TW" sz="1000" dirty="0" smtClean="0"/>
-              <a:t>[7] </a:t>
-            </a:r>
-            <a:r>
-              <a:rPr lang="en-US" altLang="zh-TW" sz="1000" dirty="0"/>
-              <a:t>R. </a:t>
-            </a:r>
-            <a:r>
-              <a:rPr lang="en-US" altLang="zh-TW" sz="1000" dirty="0" err="1"/>
-              <a:t>Govindarajan</a:t>
-            </a:r>
-            <a:r>
-              <a:rPr lang="en-US" altLang="zh-TW" sz="1000" dirty="0"/>
-              <a:t>, H. Yang, J. N. </a:t>
-            </a:r>
-            <a:r>
-              <a:rPr lang="en-US" altLang="zh-TW" sz="1000" dirty="0" err="1"/>
-              <a:t>Amaral</a:t>
-            </a:r>
-            <a:r>
-              <a:rPr lang="en-US" altLang="zh-TW" sz="1000" dirty="0"/>
-              <a:t>, C. Zhang, and G. R. Gao. Minimum </a:t>
-            </a:r>
-            <a:r>
-              <a:rPr lang="en-US" altLang="zh-TW" sz="1000" dirty="0" smtClean="0"/>
-              <a:t>register </a:t>
-            </a:r>
-            <a:r>
-              <a:rPr lang="en-US" altLang="zh-TW" sz="1000" dirty="0"/>
-              <a:t>instruction sequencing to reduce register spills in out-of-order issue superscalar architectures. </a:t>
-            </a:r>
-            <a:r>
-              <a:rPr lang="en-US" altLang="zh-TW" sz="1000" i="1" dirty="0"/>
-              <a:t>IEEE Transactions on Computers</a:t>
-            </a:r>
-            <a:r>
-              <a:rPr lang="en-US" altLang="zh-TW" sz="1000" dirty="0"/>
-              <a:t>, 52(1):4–20, 2003</a:t>
-            </a:r>
-            <a:r>
-              <a:rPr lang="en-US" altLang="zh-TW" sz="1000" dirty="0" smtClean="0"/>
-              <a:t>.</a:t>
-            </a:r>
-            <a:endParaRPr lang="en-US" altLang="zh-TW" sz="1000" dirty="0"/>
-          </a:p>
-        </p:txBody>
-      </p:sp>
     </p:spTree>
     <p:extLst>
       <p:ext uri="{BB962C8B-B14F-4D97-AF65-F5344CB8AC3E}">
@@ -21615,15 +20298,15 @@
             <a:pPr lvl="1"/>
             <a:r>
               <a:rPr kumimoji="1" lang="en-US" altLang="zh-TW" dirty="0" err="1" smtClean="0"/>
-              <a:t>x</a:t>
-            </a:r>
-            <a:r>
-              <a:rPr kumimoji="1" lang="en-US" altLang="zh-TW" dirty="0" err="1" smtClean="0"/>
-              <a:t>ilinx_axidma</a:t>
+              <a:t>xilinx_axidma</a:t>
             </a:r>
             <a:r>
               <a:rPr kumimoji="1" lang="en-US" altLang="zh-TW" dirty="0" smtClean="0"/>
-              <a:t>[]   -&gt;CMA</a:t>
+              <a:t>[7]   </a:t>
+            </a:r>
+            <a:r>
+              <a:rPr kumimoji="1" lang="en-US" altLang="zh-TW" dirty="0" smtClean="0"/>
+              <a:t>-&gt;CMA</a:t>
             </a:r>
           </a:p>
           <a:p>
@@ -21634,9 +20317,12 @@
             </a:r>
             <a:r>
               <a:rPr kumimoji="1" lang="en-US" altLang="zh-TW" dirty="0" smtClean="0"/>
-              <a:t>[]                -&gt; Scatter-Gather</a:t>
-            </a:r>
-            <a:endParaRPr kumimoji="1" lang="en-US" altLang="zh-TW" dirty="0" smtClean="0"/>
+              <a:t>[8]                </a:t>
+            </a:r>
+            <a:r>
+              <a:rPr kumimoji="1" lang="en-US" altLang="zh-TW" dirty="0" smtClean="0"/>
+              <a:t>-&gt; Scatter-Gather</a:t>
+            </a:r>
           </a:p>
           <a:p>
             <a:endParaRPr kumimoji="1" lang="en-US" altLang="zh-TW" dirty="0" smtClean="0"/>
@@ -21716,15 +20402,11 @@
           <a:p>
             <a:r>
               <a:rPr lang="en-US" altLang="zh-TW" sz="1000" dirty="0" smtClean="0"/>
-              <a:t>[5] </a:t>
+              <a:t>[7] </a:t>
             </a:r>
             <a:r>
               <a:rPr lang="en-US" altLang="zh-TW" sz="1000" dirty="0" err="1" smtClean="0"/>
-              <a:t>x</a:t>
-            </a:r>
-            <a:r>
-              <a:rPr lang="en-US" altLang="zh-TW" sz="1000" dirty="0" err="1" smtClean="0"/>
-              <a:t>ilinx_axidma</a:t>
+              <a:t>xilinx_axidma</a:t>
             </a:r>
             <a:r>
               <a:rPr lang="en-US" altLang="zh-TW" sz="1000" dirty="0" smtClean="0"/>
@@ -21749,11 +20431,7 @@
           <a:p>
             <a:r>
               <a:rPr lang="en-US" altLang="zh-TW" sz="1000" dirty="0" smtClean="0"/>
-              <a:t>[</a:t>
-            </a:r>
-            <a:r>
-              <a:rPr lang="en-US" altLang="zh-TW" sz="1000" dirty="0" smtClean="0"/>
-              <a:t>7] </a:t>
+              <a:t>[8] </a:t>
             </a:r>
             <a:r>
               <a:rPr lang="en-US" altLang="zh-TW" sz="1000" dirty="0" err="1" smtClean="0"/>
@@ -21893,6 +20571,55 @@
                       </p:childTnLst>
                     </p:cTn>
                   </p:par>
+                  <p:par>
+                    <p:cTn id="11" fill="hold">
+                      <p:stCondLst>
+                        <p:cond delay="indefinite"/>
+                      </p:stCondLst>
+                      <p:childTnLst>
+                        <p:par>
+                          <p:cTn id="12" fill="hold">
+                            <p:stCondLst>
+                              <p:cond delay="0"/>
+                            </p:stCondLst>
+                            <p:childTnLst>
+                              <p:par>
+                                <p:cTn id="13" presetID="1" presetClass="entr" presetSubtype="0" fill="hold" nodeType="clickEffect">
+                                  <p:stCondLst>
+                                    <p:cond delay="0"/>
+                                  </p:stCondLst>
+                                  <p:childTnLst>
+                                    <p:set>
+                                      <p:cBhvr>
+                                        <p:cTn id="14" dur="1" fill="hold">
+                                          <p:stCondLst>
+                                            <p:cond delay="0"/>
+                                          </p:stCondLst>
+                                        </p:cTn>
+                                        <p:tgtEl>
+                                          <p:spTgt spid="3">
+                                            <p:txEl>
+                                              <p:pRg st="2" end="2"/>
+                                            </p:txEl>
+                                          </p:spTgt>
+                                        </p:tgtEl>
+                                        <p:attrNameLst>
+                                          <p:attrName>style.visibility</p:attrName>
+                                        </p:attrNameLst>
+                                      </p:cBhvr>
+                                      <p:to>
+                                        <p:strVal val="visible"/>
+                                      </p:to>
+                                    </p:set>
+                                  </p:childTnLst>
+                                </p:cTn>
+                              </p:par>
+                            </p:childTnLst>
+                          </p:cTn>
+                        </p:par>
+                      </p:childTnLst>
+                    </p:cTn>
+                  </p:par>
                 </p:childTnLst>
               </p:cTn>
               <p:prevCondLst>
@@ -21999,7 +20726,7 @@
             <a:pPr lvl="1"/>
             <a:r>
               <a:rPr kumimoji="1" lang="en-US" altLang="zh-TW" dirty="0" err="1" smtClean="0"/>
-              <a:t>OpenCore</a:t>
+              <a:t>OpenCores</a:t>
             </a:r>
             <a:r>
               <a:rPr kumimoji="1" lang="en-US" altLang="zh-TW" dirty="0" smtClean="0"/>
@@ -22028,7 +20755,6 @@
               <a:rPr kumimoji="1" lang="en-US" altLang="zh-TW" dirty="0" smtClean="0"/>
               <a:t>)</a:t>
             </a:r>
-            <a:endParaRPr kumimoji="1" lang="en-US" altLang="zh-TW" dirty="0" smtClean="0"/>
           </a:p>
           <a:p>
             <a:endParaRPr kumimoji="1" lang="en-US" altLang="zh-TW" dirty="0" smtClean="0"/>
@@ -22127,84 +20853,9 @@
   <p:timing>
     <p:tnLst>
       <p:par>
-        <p:cTn id="1" dur="indefinite" restart="never" nodeType="tmRoot">
-          <p:childTnLst>
-            <p:seq concurrent="1" nextAc="seek">
-              <p:cTn id="2" dur="indefinite" nodeType="mainSeq">
-                <p:childTnLst>
-                  <p:par>
-                    <p:cTn id="3" fill="hold">
-                      <p:stCondLst>
-                        <p:cond delay="indefinite"/>
-                      </p:stCondLst>
-                      <p:childTnLst>
-                        <p:par>
-                          <p:cTn id="4" fill="hold">
-                            <p:stCondLst>
-                              <p:cond delay="0"/>
-                            </p:stCondLst>
-                            <p:childTnLst>
-                              <p:par>
-                                <p:cTn id="5" presetID="1" presetClass="entr" presetSubtype="0" fill="hold" grpId="0" nodeType="clickEffect">
-                                  <p:stCondLst>
-                                    <p:cond delay="0"/>
-                                  </p:stCondLst>
-                                  <p:childTnLst>
-                                    <p:set>
-                                      <p:cBhvr>
-                                        <p:cTn id="6" dur="1" fill="hold">
-                                          <p:stCondLst>
-                                            <p:cond delay="0"/>
-                                          </p:stCondLst>
-                                        </p:cTn>
-                                        <p:tgtEl>
-                                          <p:spTgt spid="3">
-                                            <p:txEl>
-                                              <p:pRg st="0" end="0"/>
-                                            </p:txEl>
-                                          </p:spTgt>
-                                        </p:tgtEl>
-                                        <p:attrNameLst>
-                                          <p:attrName>style.visibility</p:attrName>
-                                        </p:attrNameLst>
-                                      </p:cBhvr>
-                                      <p:to>
-                                        <p:strVal val="visible"/>
-                                      </p:to>
-                                    </p:set>
-                                  </p:childTnLst>
-                                </p:cTn>
-                              </p:par>
-                            </p:childTnLst>
-                          </p:cTn>
-                        </p:par>
-                      </p:childTnLst>
-                    </p:cTn>
-                  </p:par>
-                </p:childTnLst>
-              </p:cTn>
-              <p:prevCondLst>
-                <p:cond evt="onPrev" delay="0">
-                  <p:tgtEl>
-                    <p:sldTgt/>
-                  </p:tgtEl>
-                </p:cond>
-              </p:prevCondLst>
-              <p:nextCondLst>
-                <p:cond evt="onNext" delay="0">
-                  <p:tgtEl>
-                    <p:sldTgt/>
-                  </p:tgtEl>
-                </p:cond>
-              </p:nextCondLst>
-            </p:seq>
-          </p:childTnLst>
-        </p:cTn>
+        <p:cTn id="1" dur="indefinite" restart="never" nodeType="tmRoot"/>
       </p:par>
     </p:tnLst>
-    <p:bldLst>
-      <p:bldP spid="3" grpId="0" build="p"/>
-    </p:bldLst>
   </p:timing>
 </p:sld>
 </file>
@@ -22428,33 +21079,11 @@
           <a:p>
             <a:r>
               <a:rPr kumimoji="1" lang="en-US" altLang="zh-TW" dirty="0" smtClean="0"/>
-              <a:t>Practical</a:t>
-            </a:r>
-            <a:r>
-              <a:rPr kumimoji="1" lang="en-US" altLang="zh-TW" dirty="0" smtClean="0"/>
-              <a:t>	</a:t>
-            </a:r>
-          </a:p>
-          <a:p>
-            <a:pPr lvl="1"/>
-            <a:r>
-              <a:rPr kumimoji="1" lang="en-US" altLang="zh-TW" dirty="0" smtClean="0"/>
-              <a:t>Easy and Intuitive</a:t>
-            </a:r>
-            <a:endParaRPr kumimoji="1" lang="en-US" altLang="zh-TW" dirty="0" smtClean="0"/>
-          </a:p>
-          <a:p>
-            <a:pPr lvl="1"/>
-            <a:r>
-              <a:rPr kumimoji="1" lang="en-US" altLang="zh-TW" dirty="0" smtClean="0"/>
-              <a:t>No bad throughput</a:t>
-            </a:r>
-            <a:endParaRPr kumimoji="1" lang="en-US" altLang="zh-TW" dirty="0" smtClean="0"/>
-          </a:p>
-          <a:p>
+              <a:t>Our </a:t>
+            </a:r>
             <a:r>
               <a:rPr kumimoji="1" lang="en-US" altLang="zh-TW" dirty="0"/>
-              <a:t>Our Contributions</a:t>
+              <a:t>Contributions</a:t>
             </a:r>
           </a:p>
           <a:p>
@@ -22468,7 +21097,11 @@
             <a:pPr lvl="1"/>
             <a:r>
               <a:rPr kumimoji="1" lang="en-US" altLang="zh-TW" dirty="0" smtClean="0"/>
-              <a:t>Provide </a:t>
+              <a:t>Design</a:t>
+            </a:r>
+            <a:r>
+              <a:rPr kumimoji="1" lang="en-US" altLang="zh-TW" dirty="0" smtClean="0"/>
+              <a:t> </a:t>
             </a:r>
             <a:r>
               <a:rPr kumimoji="1" lang="en-US" altLang="zh-TW" dirty="0"/>
@@ -22476,22 +21109,7 @@
             </a:r>
             <a:r>
               <a:rPr kumimoji="1" lang="en-US" altLang="zh-TW" dirty="0" smtClean="0"/>
-              <a:t>analysis </a:t>
-            </a:r>
-            <a:r>
-              <a:rPr kumimoji="1" lang="en-US" altLang="zh-TW" dirty="0"/>
-              <a:t>on different styles of multipliers</a:t>
-            </a:r>
-          </a:p>
-          <a:p>
-            <a:pPr lvl="1"/>
-            <a:r>
-              <a:rPr kumimoji="1" lang="en-US" altLang="zh-TW" dirty="0"/>
-              <a:t>Design a compact architecture for our ECC </a:t>
-            </a:r>
-            <a:r>
-              <a:rPr kumimoji="1" lang="en-US" altLang="zh-TW" dirty="0" smtClean="0"/>
-              <a:t>Processor</a:t>
+              <a:t>easy way to control AXI4-Stream IP</a:t>
             </a:r>
           </a:p>
           <a:p>
@@ -22504,8 +21122,25 @@
             <a:pPr lvl="1"/>
             <a:r>
               <a:rPr kumimoji="1" lang="en-US" altLang="zh-TW" dirty="0" smtClean="0"/>
-              <a:t>Squares / DPAs / Formula Database</a:t>
-            </a:r>
+              <a:t>VDMA, CDMA </a:t>
+            </a:r>
+            <a:r>
+              <a:rPr kumimoji="1" lang="en-US" altLang="zh-TW" dirty="0" smtClean="0"/>
+              <a:t>/ </a:t>
+            </a:r>
+            <a:r>
+              <a:rPr kumimoji="1" lang="en-US" altLang="zh-TW" dirty="0" smtClean="0"/>
+              <a:t>Faster </a:t>
+            </a:r>
+            <a:r>
+              <a:rPr kumimoji="1" lang="en-US" altLang="zh-TW" dirty="0" smtClean="0"/>
+              <a:t>/ </a:t>
+            </a:r>
+            <a:r>
+              <a:rPr kumimoji="1" lang="en-US" altLang="zh-TW" dirty="0" smtClean="0"/>
+              <a:t>Merge into Linux kernel</a:t>
+            </a:r>
+            <a:endParaRPr kumimoji="1" lang="en-US" altLang="zh-TW" dirty="0" smtClean="0"/>
           </a:p>
         </p:txBody>
       </p:sp>
@@ -22795,202 +21430,6 @@
                       </p:childTnLst>
                     </p:cTn>
                   </p:par>
-                  <p:par>
-                    <p:cTn id="23" fill="hold">
-                      <p:stCondLst>
-                        <p:cond delay="indefinite"/>
-                      </p:stCondLst>
-                      <p:childTnLst>
-                        <p:par>
-                          <p:cTn id="24" fill="hold">
-                            <p:stCondLst>
-                              <p:cond delay="0"/>
-                            </p:stCondLst>
-                            <p:childTnLst>
-                              <p:par>
-                                <p:cTn id="25" presetID="1" presetClass="entr" presetSubtype="0" fill="hold" nodeType="clickEffect">
-                                  <p:stCondLst>
-                                    <p:cond delay="0"/>
-                                  </p:stCondLst>
-                                  <p:childTnLst>
-                                    <p:set>
-                                      <p:cBhvr>
-                                        <p:cTn id="26" dur="1" fill="hold">
-                                          <p:stCondLst>
-                                            <p:cond delay="0"/>
-                                          </p:stCondLst>
-                                        </p:cTn>
-                                        <p:tgtEl>
-                                          <p:spTgt spid="3">
-                                            <p:txEl>
-                                              <p:pRg st="5" end="5"/>
-                                            </p:txEl>
-                                          </p:spTgt>
-                                        </p:tgtEl>
-                                        <p:attrNameLst>
-                                          <p:attrName>style.visibility</p:attrName>
-                                        </p:attrNameLst>
-                                      </p:cBhvr>
-                                      <p:to>
-                                        <p:strVal val="visible"/>
-                                      </p:to>
-                                    </p:set>
-                                  </p:childTnLst>
-                                </p:cTn>
-                              </p:par>
-                            </p:childTnLst>
-                          </p:cTn>
-                        </p:par>
-                      </p:childTnLst>
-                    </p:cTn>
-                  </p:par>
-                  <p:par>
-                    <p:cTn id="27" fill="hold">
-                      <p:stCondLst>
-                        <p:cond delay="indefinite"/>
-                      </p:stCondLst>
-                      <p:childTnLst>
-                        <p:par>
-                          <p:cTn id="28" fill="hold">
-                            <p:stCondLst>
-                              <p:cond delay="0"/>
-                            </p:stCondLst>
-                            <p:childTnLst>
-                              <p:par>
-                                <p:cTn id="29" presetID="1" presetClass="entr" presetSubtype="0" fill="hold" nodeType="clickEffect">
-                                  <p:stCondLst>
-                                    <p:cond delay="0"/>
-                                  </p:stCondLst>
-                                  <p:childTnLst>
-                                    <p:set>
-                                      <p:cBhvr>
-                                        <p:cTn id="30" dur="1" fill="hold">
-                                          <p:stCondLst>
-                                            <p:cond delay="0"/>
-                                          </p:stCondLst>
-                                        </p:cTn>
-                                        <p:tgtEl>
-                                          <p:spTgt spid="3">
-                                            <p:txEl>
-                                              <p:pRg st="6" end="6"/>
-                                            </p:txEl>
-                                          </p:spTgt>
-                                        </p:tgtEl>
-                                        <p:attrNameLst>
-                                          <p:attrName>style.visibility</p:attrName>
-                                        </p:attrNameLst>
-                                      </p:cBhvr>
-                                      <p:to>
-                                        <p:strVal val="visible"/>
-                                      </p:to>
-                                    </p:set>
-                                  </p:childTnLst>
-                                </p:cTn>
-                              </p:par>
-                            </p:childTnLst>
-                          </p:cTn>
-                        </p:par>
-                      </p:childTnLst>
-                    </p:cTn>
-                  </p:par>
-                  <p:par>
-                    <p:cTn id="31" fill="hold">
-                      <p:stCondLst>
-                        <p:cond delay="indefinite"/>
-                      </p:stCondLst>
-                      <p:childTnLst>
-                        <p:par>
-                          <p:cTn id="32" fill="hold">
-                            <p:stCondLst>
-                              <p:cond delay="0"/>
-                            </p:stCondLst>
-                            <p:childTnLst>
-                              <p:par>
-                                <p:cTn id="33" presetID="1" presetClass="entr" presetSubtype="0" fill="hold" nodeType="clickEffect">
-                                  <p:stCondLst>
-                                    <p:cond delay="0"/>
-                                  </p:stCondLst>
-                                  <p:childTnLst>
-                                    <p:set>
-                                      <p:cBhvr>
-                                        <p:cTn id="34" dur="1" fill="hold">
-                                          <p:stCondLst>
-                                            <p:cond delay="0"/>
-                                          </p:stCondLst>
-                                        </p:cTn>
-                                        <p:tgtEl>
-                                          <p:spTgt spid="3">
-                                            <p:txEl>
-                                              <p:pRg st="7" end="7"/>
-                                            </p:txEl>
-                                          </p:spTgt>
-                                        </p:tgtEl>
-                                        <p:attrNameLst>
-                                          <p:attrName>style.visibility</p:attrName>
-                                        </p:attrNameLst>
-                                      </p:cBhvr>
-                                      <p:to>
-                                        <p:strVal val="visible"/>
-                                      </p:to>
-                                    </p:set>
-                                  </p:childTnLst>
-                                </p:cTn>
-                              </p:par>
-                            </p:childTnLst>
-                          </p:cTn>
-                        </p:par>
-                      </p:childTnLst>
-                    </p:cTn>
-                  </p:par>
-                  <p:par>
-                    <p:cTn id="35" fill="hold">
-                      <p:stCondLst>
-                        <p:cond delay="indefinite"/>
-                      </p:stCondLst>
-                      <p:childTnLst>
-                        <p:par>
-                          <p:cTn id="36" fill="hold">
-                            <p:stCondLst>
-                              <p:cond delay="0"/>
-                            </p:stCondLst>
-                            <p:childTnLst>
-                              <p:par>
-                                <p:cTn id="37" presetID="1" presetClass="entr" presetSubtype="0" fill="hold" nodeType="clickEffect">
-                                  <p:stCondLst>
-                                    <p:cond delay="0"/>
-                                  </p:stCondLst>
-                                  <p:childTnLst>
-                                    <p:set>
-                                      <p:cBhvr>
-                                        <p:cTn id="38" dur="1" fill="hold">
-                                          <p:stCondLst>
-                                            <p:cond delay="0"/>
-                                          </p:stCondLst>
-                                        </p:cTn>
-                                        <p:tgtEl>
-                                          <p:spTgt spid="3">
-                                            <p:txEl>
-                                              <p:pRg st="8" end="8"/>
-                                            </p:txEl>
-                                          </p:spTgt>
-                                        </p:tgtEl>
-                                        <p:attrNameLst>
-                                          <p:attrName>style.visibility</p:attrName>
-                                        </p:attrNameLst>
-                                      </p:cBhvr>
-                                      <p:to>
-                                        <p:strVal val="visible"/>
-                                      </p:to>
-                                    </p:set>
-                                  </p:childTnLst>
-                                </p:cTn>
-                              </p:par>
-                            </p:childTnLst>
-                          </p:cTn>
-                        </p:par>
-                      </p:childTnLst>
-                    </p:cTn>
-                  </p:par>
                 </p:childTnLst>
               </p:cTn>
               <p:prevCondLst>
@@ -23075,7 +21514,6 @@
               <a:rPr kumimoji="1" lang="en-US" altLang="zh-TW" dirty="0" smtClean="0"/>
               <a:t>Yu-Tang Liu</a:t>
             </a:r>
-            <a:endParaRPr kumimoji="1" lang="en-US" altLang="zh-TW" dirty="0" smtClean="0"/>
           </a:p>
           <a:p>
             <a:r>
@@ -24003,9 +22441,10 @@
           <a:p>
             <a:pPr lvl="1"/>
             <a:r>
-              <a:rPr kumimoji="1" lang="en-US" altLang="zh-TW" i="1" dirty="0" smtClean="0"/>
-              <a:t>Full Suite of Libraries and Device Driver</a:t>
-            </a:r>
+              <a:rPr kumimoji="1" lang="en-US" altLang="zh-TW" dirty="0" smtClean="0"/>
+              <a:t>Libraries different Linux Kernel Libraries</a:t>
+            </a:r>
+            <a:endParaRPr kumimoji="1" lang="en-US" altLang="zh-TW" dirty="0" smtClean="0"/>
           </a:p>
           <a:p>
             <a:pPr lvl="1"/>
